--- a/src/components/article/deployAWS/deploy_aws.pptx
+++ b/src/components/article/deployAWS/deploy_aws.pptx
@@ -1,45 +1,140 @@
 
 <file path=ppt/presentation.xml><?xml version="1.0" encoding="utf-8"?>
-<p:presentation xmlns:a="http://schemas.openxmlformats.org/drawingml/2006/main" xmlns:p="http://schemas.openxmlformats.org/presentationml/2006/main" xmlns:r="http://schemas.openxmlformats.org/officeDocument/2006/relationships" xmlns:p14="http://schemas.microsoft.com/office/powerpoint/2010/main" xmlns:p15="http://schemas.microsoft.com/office/powerpoint/2012/main" xmlns:mc="http://schemas.openxmlformats.org/markup-compatibility/2006">
+<p:presentation xmlns:a="http://schemas.openxmlformats.org/drawingml/2006/main" xmlns:r="http://schemas.openxmlformats.org/officeDocument/2006/relationships" xmlns:p="http://schemas.openxmlformats.org/presentationml/2006/main">
   <p:sldMasterIdLst>
-    <p:sldMasterId id="2147483648" r:id="rId2"/>
+    <p:sldMasterId id="2147483648" r:id="rId1"/>
   </p:sldMasterIdLst>
   <p:sldIdLst>
-    <p:sldId id="256" r:id="rId3"/>
-    <p:sldId id="257" r:id="rId4"/>
-    <p:sldId id="258" r:id="rId5"/>
-    <p:sldId id="259" r:id="rId6"/>
-    <p:sldId id="260" r:id="rId7"/>
-    <p:sldId id="261" r:id="rId8"/>
-    <p:sldId id="262" r:id="rId9"/>
-    <p:sldId id="263" r:id="rId10"/>
-    <p:sldId id="264" r:id="rId11"/>
-    <p:sldId id="265" r:id="rId12"/>
-    <p:sldId id="266" r:id="rId13"/>
-    <p:sldId id="267" r:id="rId14"/>
-    <p:sldId id="268" r:id="rId15"/>
-    <p:sldId id="269" r:id="rId16"/>
-    <p:sldId id="270" r:id="rId17"/>
-    <p:sldId id="271" r:id="rId18"/>
-    <p:sldId id="272" r:id="rId19"/>
-    <p:sldId id="273" r:id="rId20"/>
-    <p:sldId id="274" r:id="rId21"/>
-    <p:sldId id="275" r:id="rId22"/>
-    <p:sldId id="276" r:id="rId23"/>
-    <p:sldId id="277" r:id="rId24"/>
-    <p:sldId id="278" r:id="rId25"/>
-    <p:sldId id="279" r:id="rId26"/>
-    <p:sldId id="280" r:id="rId27"/>
-    <p:sldId id="281" r:id="rId28"/>
-    <p:sldId id="282" r:id="rId29"/>
+    <p:sldId id="256" r:id="rId2"/>
+    <p:sldId id="257" r:id="rId3"/>
+    <p:sldId id="258" r:id="rId4"/>
+    <p:sldId id="259" r:id="rId5"/>
+    <p:sldId id="260" r:id="rId6"/>
+    <p:sldId id="261" r:id="rId7"/>
+    <p:sldId id="262" r:id="rId8"/>
+    <p:sldId id="263" r:id="rId9"/>
+    <p:sldId id="264" r:id="rId10"/>
+    <p:sldId id="265" r:id="rId11"/>
+    <p:sldId id="266" r:id="rId12"/>
+    <p:sldId id="267" r:id="rId13"/>
+    <p:sldId id="268" r:id="rId14"/>
+    <p:sldId id="269" r:id="rId15"/>
+    <p:sldId id="270" r:id="rId16"/>
+    <p:sldId id="271" r:id="rId17"/>
+    <p:sldId id="272" r:id="rId18"/>
+    <p:sldId id="273" r:id="rId19"/>
+    <p:sldId id="274" r:id="rId20"/>
+    <p:sldId id="275" r:id="rId21"/>
+    <p:sldId id="276" r:id="rId22"/>
+    <p:sldId id="277" r:id="rId23"/>
+    <p:sldId id="278" r:id="rId24"/>
+    <p:sldId id="279" r:id="rId25"/>
+    <p:sldId id="280" r:id="rId26"/>
+    <p:sldId id="281" r:id="rId27"/>
+    <p:sldId id="282" r:id="rId28"/>
   </p:sldIdLst>
   <p:sldSz cx="12192000" cy="6858000"/>
-  <p:notesSz cx="7559675" cy="10691812"/>
+  <p:notesSz cx="7559675" cy="10691813"/>
+  <p:defaultTextStyle>
+    <a:defPPr>
+      <a:defRPr lang="fr-FR"/>
+    </a:defPPr>
+    <a:lvl1pPr marL="0" algn="l" defTabSz="914400" rtl="0" eaLnBrk="1" latinLnBrk="0" hangingPunct="1">
+      <a:defRPr sz="1800" kern="1200">
+        <a:solidFill>
+          <a:schemeClr val="tx1"/>
+        </a:solidFill>
+        <a:latin typeface="+mn-lt"/>
+        <a:ea typeface="+mn-ea"/>
+        <a:cs typeface="+mn-cs"/>
+      </a:defRPr>
+    </a:lvl1pPr>
+    <a:lvl2pPr marL="457200" algn="l" defTabSz="914400" rtl="0" eaLnBrk="1" latinLnBrk="0" hangingPunct="1">
+      <a:defRPr sz="1800" kern="1200">
+        <a:solidFill>
+          <a:schemeClr val="tx1"/>
+        </a:solidFill>
+        <a:latin typeface="+mn-lt"/>
+        <a:ea typeface="+mn-ea"/>
+        <a:cs typeface="+mn-cs"/>
+      </a:defRPr>
+    </a:lvl2pPr>
+    <a:lvl3pPr marL="914400" algn="l" defTabSz="914400" rtl="0" eaLnBrk="1" latinLnBrk="0" hangingPunct="1">
+      <a:defRPr sz="1800" kern="1200">
+        <a:solidFill>
+          <a:schemeClr val="tx1"/>
+        </a:solidFill>
+        <a:latin typeface="+mn-lt"/>
+        <a:ea typeface="+mn-ea"/>
+        <a:cs typeface="+mn-cs"/>
+      </a:defRPr>
+    </a:lvl3pPr>
+    <a:lvl4pPr marL="1371600" algn="l" defTabSz="914400" rtl="0" eaLnBrk="1" latinLnBrk="0" hangingPunct="1">
+      <a:defRPr sz="1800" kern="1200">
+        <a:solidFill>
+          <a:schemeClr val="tx1"/>
+        </a:solidFill>
+        <a:latin typeface="+mn-lt"/>
+        <a:ea typeface="+mn-ea"/>
+        <a:cs typeface="+mn-cs"/>
+      </a:defRPr>
+    </a:lvl4pPr>
+    <a:lvl5pPr marL="1828800" algn="l" defTabSz="914400" rtl="0" eaLnBrk="1" latinLnBrk="0" hangingPunct="1">
+      <a:defRPr sz="1800" kern="1200">
+        <a:solidFill>
+          <a:schemeClr val="tx1"/>
+        </a:solidFill>
+        <a:latin typeface="+mn-lt"/>
+        <a:ea typeface="+mn-ea"/>
+        <a:cs typeface="+mn-cs"/>
+      </a:defRPr>
+    </a:lvl5pPr>
+    <a:lvl6pPr marL="2286000" algn="l" defTabSz="914400" rtl="0" eaLnBrk="1" latinLnBrk="0" hangingPunct="1">
+      <a:defRPr sz="1800" kern="1200">
+        <a:solidFill>
+          <a:schemeClr val="tx1"/>
+        </a:solidFill>
+        <a:latin typeface="+mn-lt"/>
+        <a:ea typeface="+mn-ea"/>
+        <a:cs typeface="+mn-cs"/>
+      </a:defRPr>
+    </a:lvl6pPr>
+    <a:lvl7pPr marL="2743200" algn="l" defTabSz="914400" rtl="0" eaLnBrk="1" latinLnBrk="0" hangingPunct="1">
+      <a:defRPr sz="1800" kern="1200">
+        <a:solidFill>
+          <a:schemeClr val="tx1"/>
+        </a:solidFill>
+        <a:latin typeface="+mn-lt"/>
+        <a:ea typeface="+mn-ea"/>
+        <a:cs typeface="+mn-cs"/>
+      </a:defRPr>
+    </a:lvl7pPr>
+    <a:lvl8pPr marL="3200400" algn="l" defTabSz="914400" rtl="0" eaLnBrk="1" latinLnBrk="0" hangingPunct="1">
+      <a:defRPr sz="1800" kern="1200">
+        <a:solidFill>
+          <a:schemeClr val="tx1"/>
+        </a:solidFill>
+        <a:latin typeface="+mn-lt"/>
+        <a:ea typeface="+mn-ea"/>
+        <a:cs typeface="+mn-cs"/>
+      </a:defRPr>
+    </a:lvl8pPr>
+    <a:lvl9pPr marL="3657600" algn="l" defTabSz="914400" rtl="0" eaLnBrk="1" latinLnBrk="0" hangingPunct="1">
+      <a:defRPr sz="1800" kern="1200">
+        <a:solidFill>
+          <a:schemeClr val="tx1"/>
+        </a:solidFill>
+        <a:latin typeface="+mn-lt"/>
+        <a:ea typeface="+mn-ea"/>
+        <a:cs typeface="+mn-cs"/>
+      </a:defRPr>
+    </a:lvl9pPr>
+  </p:defaultTextStyle>
 </p:presentation>
 </file>
 
 <file path=ppt/slideLayouts/slideLayout1.xml><?xml version="1.0" encoding="utf-8"?>
-<p:sldLayout xmlns:a="http://schemas.openxmlformats.org/drawingml/2006/main" xmlns:p="http://schemas.openxmlformats.org/presentationml/2006/main" xmlns:r="http://schemas.openxmlformats.org/officeDocument/2006/relationships" xmlns:p14="http://schemas.microsoft.com/office/powerpoint/2010/main" xmlns:p15="http://schemas.microsoft.com/office/powerpoint/2012/main" xmlns:mc="http://schemas.openxmlformats.org/markup-compatibility/2006" type="blank" preserve="1">
+<p:sldLayout xmlns:a="http://schemas.openxmlformats.org/drawingml/2006/main" xmlns:r="http://schemas.openxmlformats.org/officeDocument/2006/relationships" xmlns:p="http://schemas.openxmlformats.org/presentationml/2006/main" type="blank" preserve="1">
   <p:cSld name="Blank Slide">
     <p:spTree>
       <p:nvGrpSpPr>
@@ -57,11 +152,14 @@
       </p:grpSpPr>
     </p:spTree>
   </p:cSld>
+  <p:clrMapOvr>
+    <a:masterClrMapping/>
+  </p:clrMapOvr>
 </p:sldLayout>
 </file>
 
 <file path=ppt/slideLayouts/slideLayout10.xml><?xml version="1.0" encoding="utf-8"?>
-<p:sldLayout xmlns:a="http://schemas.openxmlformats.org/drawingml/2006/main" xmlns:p="http://schemas.openxmlformats.org/presentationml/2006/main" xmlns:r="http://schemas.openxmlformats.org/officeDocument/2006/relationships" xmlns:p14="http://schemas.microsoft.com/office/powerpoint/2010/main" xmlns:p15="http://schemas.microsoft.com/office/powerpoint/2012/main" xmlns:mc="http://schemas.openxmlformats.org/markup-compatibility/2006" type="objOverTx" preserve="1">
+<p:sldLayout xmlns:a="http://schemas.openxmlformats.org/drawingml/2006/main" xmlns:r="http://schemas.openxmlformats.org/officeDocument/2006/relationships" xmlns:p="http://schemas.openxmlformats.org/presentationml/2006/main" type="objOverTx" preserve="1">
   <p:cSld name="Title, Content over Content">
     <p:spTree>
       <p:nvGrpSpPr>
@@ -97,9 +195,10 @@
           </a:prstGeom>
         </p:spPr>
         <p:txBody>
-          <a:bodyPr lIns="0" rIns="0" tIns="0" bIns="0" anchor="ctr"/>
-          <a:p>
-            <a:endParaRPr b="0" lang="fr-FR" sz="1800" spc="-1" strike="noStrike">
+          <a:bodyPr lIns="0" tIns="0" rIns="0" bIns="0" anchor="ctr"/>
+          <a:lstStyle/>
+          <a:p>
+            <a:endParaRPr lang="fr-FR" sz="1800" b="0" strike="noStrike" spc="-1">
               <a:solidFill>
                 <a:srgbClr val="000000"/>
               </a:solidFill>
@@ -128,11 +227,12 @@
           </a:prstGeom>
         </p:spPr>
         <p:txBody>
-          <a:bodyPr lIns="0" rIns="0" tIns="0" bIns="0">
+          <a:bodyPr lIns="0" tIns="0" rIns="0" bIns="0">
             <a:normAutofit/>
           </a:bodyPr>
-          <a:p>
-            <a:endParaRPr b="0" lang="fr-FR" sz="2800" spc="-1" strike="noStrike">
+          <a:lstStyle/>
+          <a:p>
+            <a:endParaRPr lang="fr-FR" sz="2800" b="0" strike="noStrike" spc="-1">
               <a:solidFill>
                 <a:srgbClr val="000000"/>
               </a:solidFill>
@@ -161,11 +261,12 @@
           </a:prstGeom>
         </p:spPr>
         <p:txBody>
-          <a:bodyPr lIns="0" rIns="0" tIns="0" bIns="0">
+          <a:bodyPr lIns="0" tIns="0" rIns="0" bIns="0">
             <a:normAutofit/>
           </a:bodyPr>
-          <a:p>
-            <a:endParaRPr b="0" lang="fr-FR" sz="2800" spc="-1" strike="noStrike">
+          <a:lstStyle/>
+          <a:p>
+            <a:endParaRPr lang="fr-FR" sz="2800" b="0" strike="noStrike" spc="-1">
               <a:solidFill>
                 <a:srgbClr val="000000"/>
               </a:solidFill>
@@ -176,11 +277,14 @@
       </p:sp>
     </p:spTree>
   </p:cSld>
+  <p:clrMapOvr>
+    <a:masterClrMapping/>
+  </p:clrMapOvr>
 </p:sldLayout>
 </file>
 
 <file path=ppt/slideLayouts/slideLayout11.xml><?xml version="1.0" encoding="utf-8"?>
-<p:sldLayout xmlns:a="http://schemas.openxmlformats.org/drawingml/2006/main" xmlns:p="http://schemas.openxmlformats.org/presentationml/2006/main" xmlns:r="http://schemas.openxmlformats.org/officeDocument/2006/relationships" xmlns:p14="http://schemas.microsoft.com/office/powerpoint/2010/main" xmlns:p15="http://schemas.microsoft.com/office/powerpoint/2012/main" xmlns:mc="http://schemas.openxmlformats.org/markup-compatibility/2006" type="fourObj" preserve="1">
+<p:sldLayout xmlns:a="http://schemas.openxmlformats.org/drawingml/2006/main" xmlns:r="http://schemas.openxmlformats.org/officeDocument/2006/relationships" xmlns:p="http://schemas.openxmlformats.org/presentationml/2006/main" type="fourObj" preserve="1">
   <p:cSld name="Title, 4 Content">
     <p:spTree>
       <p:nvGrpSpPr>
@@ -216,9 +320,10 @@
           </a:prstGeom>
         </p:spPr>
         <p:txBody>
-          <a:bodyPr lIns="0" rIns="0" tIns="0" bIns="0" anchor="ctr"/>
-          <a:p>
-            <a:endParaRPr b="0" lang="fr-FR" sz="1800" spc="-1" strike="noStrike">
+          <a:bodyPr lIns="0" tIns="0" rIns="0" bIns="0" anchor="ctr"/>
+          <a:lstStyle/>
+          <a:p>
+            <a:endParaRPr lang="fr-FR" sz="1800" b="0" strike="noStrike" spc="-1">
               <a:solidFill>
                 <a:srgbClr val="000000"/>
               </a:solidFill>
@@ -247,11 +352,12 @@
           </a:prstGeom>
         </p:spPr>
         <p:txBody>
-          <a:bodyPr lIns="0" rIns="0" tIns="0" bIns="0">
+          <a:bodyPr lIns="0" tIns="0" rIns="0" bIns="0">
             <a:normAutofit/>
           </a:bodyPr>
-          <a:p>
-            <a:endParaRPr b="0" lang="fr-FR" sz="2800" spc="-1" strike="noStrike">
+          <a:lstStyle/>
+          <a:p>
+            <a:endParaRPr lang="fr-FR" sz="2800" b="0" strike="noStrike" spc="-1">
               <a:solidFill>
                 <a:srgbClr val="000000"/>
               </a:solidFill>
@@ -280,11 +386,12 @@
           </a:prstGeom>
         </p:spPr>
         <p:txBody>
-          <a:bodyPr lIns="0" rIns="0" tIns="0" bIns="0">
+          <a:bodyPr lIns="0" tIns="0" rIns="0" bIns="0">
             <a:normAutofit/>
           </a:bodyPr>
-          <a:p>
-            <a:endParaRPr b="0" lang="fr-FR" sz="2800" spc="-1" strike="noStrike">
+          <a:lstStyle/>
+          <a:p>
+            <a:endParaRPr lang="fr-FR" sz="2800" b="0" strike="noStrike" spc="-1">
               <a:solidFill>
                 <a:srgbClr val="000000"/>
               </a:solidFill>
@@ -313,11 +420,12 @@
           </a:prstGeom>
         </p:spPr>
         <p:txBody>
-          <a:bodyPr lIns="0" rIns="0" tIns="0" bIns="0">
+          <a:bodyPr lIns="0" tIns="0" rIns="0" bIns="0">
             <a:normAutofit/>
           </a:bodyPr>
-          <a:p>
-            <a:endParaRPr b="0" lang="fr-FR" sz="2800" spc="-1" strike="noStrike">
+          <a:lstStyle/>
+          <a:p>
+            <a:endParaRPr lang="fr-FR" sz="2800" b="0" strike="noStrike" spc="-1">
               <a:solidFill>
                 <a:srgbClr val="000000"/>
               </a:solidFill>
@@ -346,11 +454,12 @@
           </a:prstGeom>
         </p:spPr>
         <p:txBody>
-          <a:bodyPr lIns="0" rIns="0" tIns="0" bIns="0">
+          <a:bodyPr lIns="0" tIns="0" rIns="0" bIns="0">
             <a:normAutofit/>
           </a:bodyPr>
-          <a:p>
-            <a:endParaRPr b="0" lang="fr-FR" sz="2800" spc="-1" strike="noStrike">
+          <a:lstStyle/>
+          <a:p>
+            <a:endParaRPr lang="fr-FR" sz="2800" b="0" strike="noStrike" spc="-1">
               <a:solidFill>
                 <a:srgbClr val="000000"/>
               </a:solidFill>
@@ -361,11 +470,14 @@
       </p:sp>
     </p:spTree>
   </p:cSld>
+  <p:clrMapOvr>
+    <a:masterClrMapping/>
+  </p:clrMapOvr>
 </p:sldLayout>
 </file>
 
 <file path=ppt/slideLayouts/slideLayout12.xml><?xml version="1.0" encoding="utf-8"?>
-<p:sldLayout xmlns:a="http://schemas.openxmlformats.org/drawingml/2006/main" xmlns:p="http://schemas.openxmlformats.org/presentationml/2006/main" xmlns:r="http://schemas.openxmlformats.org/officeDocument/2006/relationships" xmlns:p14="http://schemas.microsoft.com/office/powerpoint/2010/main" xmlns:p15="http://schemas.microsoft.com/office/powerpoint/2012/main" xmlns:mc="http://schemas.openxmlformats.org/markup-compatibility/2006" type="blank" preserve="1">
+<p:sldLayout xmlns:a="http://schemas.openxmlformats.org/drawingml/2006/main" xmlns:r="http://schemas.openxmlformats.org/officeDocument/2006/relationships" xmlns:p="http://schemas.openxmlformats.org/presentationml/2006/main" type="blank" preserve="1">
   <p:cSld name="Title, 6 Content">
     <p:spTree>
       <p:nvGrpSpPr>
@@ -401,9 +513,10 @@
           </a:prstGeom>
         </p:spPr>
         <p:txBody>
-          <a:bodyPr lIns="0" rIns="0" tIns="0" bIns="0" anchor="ctr"/>
-          <a:p>
-            <a:endParaRPr b="0" lang="fr-FR" sz="1800" spc="-1" strike="noStrike">
+          <a:bodyPr lIns="0" tIns="0" rIns="0" bIns="0" anchor="ctr"/>
+          <a:lstStyle/>
+          <a:p>
+            <a:endParaRPr lang="fr-FR" sz="1800" b="0" strike="noStrike" spc="-1">
               <a:solidFill>
                 <a:srgbClr val="000000"/>
               </a:solidFill>
@@ -432,11 +545,12 @@
           </a:prstGeom>
         </p:spPr>
         <p:txBody>
-          <a:bodyPr lIns="0" rIns="0" tIns="0" bIns="0">
+          <a:bodyPr lIns="0" tIns="0" rIns="0" bIns="0">
             <a:normAutofit/>
           </a:bodyPr>
-          <a:p>
-            <a:endParaRPr b="0" lang="fr-FR" sz="2800" spc="-1" strike="noStrike">
+          <a:lstStyle/>
+          <a:p>
+            <a:endParaRPr lang="fr-FR" sz="2800" b="0" strike="noStrike" spc="-1">
               <a:solidFill>
                 <a:srgbClr val="000000"/>
               </a:solidFill>
@@ -465,11 +579,12 @@
           </a:prstGeom>
         </p:spPr>
         <p:txBody>
-          <a:bodyPr lIns="0" rIns="0" tIns="0" bIns="0">
+          <a:bodyPr lIns="0" tIns="0" rIns="0" bIns="0">
             <a:normAutofit/>
           </a:bodyPr>
-          <a:p>
-            <a:endParaRPr b="0" lang="fr-FR" sz="2800" spc="-1" strike="noStrike">
+          <a:lstStyle/>
+          <a:p>
+            <a:endParaRPr lang="fr-FR" sz="2800" b="0" strike="noStrike" spc="-1">
               <a:solidFill>
                 <a:srgbClr val="000000"/>
               </a:solidFill>
@@ -498,11 +613,12 @@
           </a:prstGeom>
         </p:spPr>
         <p:txBody>
-          <a:bodyPr lIns="0" rIns="0" tIns="0" bIns="0">
+          <a:bodyPr lIns="0" tIns="0" rIns="0" bIns="0">
             <a:normAutofit/>
           </a:bodyPr>
-          <a:p>
-            <a:endParaRPr b="0" lang="fr-FR" sz="2800" spc="-1" strike="noStrike">
+          <a:lstStyle/>
+          <a:p>
+            <a:endParaRPr lang="fr-FR" sz="2800" b="0" strike="noStrike" spc="-1">
               <a:solidFill>
                 <a:srgbClr val="000000"/>
               </a:solidFill>
@@ -531,11 +647,12 @@
           </a:prstGeom>
         </p:spPr>
         <p:txBody>
-          <a:bodyPr lIns="0" rIns="0" tIns="0" bIns="0">
+          <a:bodyPr lIns="0" tIns="0" rIns="0" bIns="0">
             <a:normAutofit/>
           </a:bodyPr>
-          <a:p>
-            <a:endParaRPr b="0" lang="fr-FR" sz="2800" spc="-1" strike="noStrike">
+          <a:lstStyle/>
+          <a:p>
+            <a:endParaRPr lang="fr-FR" sz="2800" b="0" strike="noStrike" spc="-1">
               <a:solidFill>
                 <a:srgbClr val="000000"/>
               </a:solidFill>
@@ -564,11 +681,12 @@
           </a:prstGeom>
         </p:spPr>
         <p:txBody>
-          <a:bodyPr lIns="0" rIns="0" tIns="0" bIns="0">
+          <a:bodyPr lIns="0" tIns="0" rIns="0" bIns="0">
             <a:normAutofit/>
           </a:bodyPr>
-          <a:p>
-            <a:endParaRPr b="0" lang="fr-FR" sz="2800" spc="-1" strike="noStrike">
+          <a:lstStyle/>
+          <a:p>
+            <a:endParaRPr lang="fr-FR" sz="2800" b="0" strike="noStrike" spc="-1">
               <a:solidFill>
                 <a:srgbClr val="000000"/>
               </a:solidFill>
@@ -597,11 +715,12 @@
           </a:prstGeom>
         </p:spPr>
         <p:txBody>
-          <a:bodyPr lIns="0" rIns="0" tIns="0" bIns="0">
+          <a:bodyPr lIns="0" tIns="0" rIns="0" bIns="0">
             <a:normAutofit/>
           </a:bodyPr>
-          <a:p>
-            <a:endParaRPr b="0" lang="fr-FR" sz="2800" spc="-1" strike="noStrike">
+          <a:lstStyle/>
+          <a:p>
+            <a:endParaRPr lang="fr-FR" sz="2800" b="0" strike="noStrike" spc="-1">
               <a:solidFill>
                 <a:srgbClr val="000000"/>
               </a:solidFill>
@@ -612,11 +731,14 @@
       </p:sp>
     </p:spTree>
   </p:cSld>
+  <p:clrMapOvr>
+    <a:masterClrMapping/>
+  </p:clrMapOvr>
 </p:sldLayout>
 </file>
 
 <file path=ppt/slideLayouts/slideLayout2.xml><?xml version="1.0" encoding="utf-8"?>
-<p:sldLayout xmlns:a="http://schemas.openxmlformats.org/drawingml/2006/main" xmlns:p="http://schemas.openxmlformats.org/presentationml/2006/main" xmlns:r="http://schemas.openxmlformats.org/officeDocument/2006/relationships" xmlns:p14="http://schemas.microsoft.com/office/powerpoint/2010/main" xmlns:p15="http://schemas.microsoft.com/office/powerpoint/2012/main" xmlns:mc="http://schemas.openxmlformats.org/markup-compatibility/2006" type="tx" preserve="1">
+<p:sldLayout xmlns:a="http://schemas.openxmlformats.org/drawingml/2006/main" xmlns:r="http://schemas.openxmlformats.org/officeDocument/2006/relationships" xmlns:p="http://schemas.openxmlformats.org/presentationml/2006/main" type="tx" preserve="1">
   <p:cSld name="Title Slide">
     <p:spTree>
       <p:nvGrpSpPr>
@@ -652,9 +774,10 @@
           </a:prstGeom>
         </p:spPr>
         <p:txBody>
-          <a:bodyPr lIns="0" rIns="0" tIns="0" bIns="0" anchor="ctr"/>
-          <a:p>
-            <a:endParaRPr b="0" lang="fr-FR" sz="1800" spc="-1" strike="noStrike">
+          <a:bodyPr lIns="0" tIns="0" rIns="0" bIns="0" anchor="ctr"/>
+          <a:lstStyle/>
+          <a:p>
+            <a:endParaRPr lang="fr-FR" sz="1800" b="0" strike="noStrike" spc="-1">
               <a:solidFill>
                 <a:srgbClr val="000000"/>
               </a:solidFill>
@@ -683,10 +806,11 @@
           </a:prstGeom>
         </p:spPr>
         <p:txBody>
-          <a:bodyPr lIns="0" rIns="0" tIns="0" bIns="0" anchor="ctr"/>
+          <a:bodyPr lIns="0" tIns="0" rIns="0" bIns="0" anchor="ctr"/>
+          <a:lstStyle/>
           <a:p>
             <a:pPr algn="ctr"/>
-            <a:endParaRPr b="0" lang="fr-FR" sz="3200" spc="-1" strike="noStrike">
+            <a:endParaRPr lang="fr-FR" sz="3200" b="0" strike="noStrike" spc="-1">
               <a:latin typeface="Arial"/>
             </a:endParaRPr>
           </a:p>
@@ -694,11 +818,14 @@
       </p:sp>
     </p:spTree>
   </p:cSld>
+  <p:clrMapOvr>
+    <a:masterClrMapping/>
+  </p:clrMapOvr>
 </p:sldLayout>
 </file>
 
 <file path=ppt/slideLayouts/slideLayout3.xml><?xml version="1.0" encoding="utf-8"?>
-<p:sldLayout xmlns:a="http://schemas.openxmlformats.org/drawingml/2006/main" xmlns:p="http://schemas.openxmlformats.org/presentationml/2006/main" xmlns:r="http://schemas.openxmlformats.org/officeDocument/2006/relationships" xmlns:p14="http://schemas.microsoft.com/office/powerpoint/2010/main" xmlns:p15="http://schemas.microsoft.com/office/powerpoint/2012/main" xmlns:mc="http://schemas.openxmlformats.org/markup-compatibility/2006" type="obj" preserve="1">
+<p:sldLayout xmlns:a="http://schemas.openxmlformats.org/drawingml/2006/main" xmlns:r="http://schemas.openxmlformats.org/officeDocument/2006/relationships" xmlns:p="http://schemas.openxmlformats.org/presentationml/2006/main" type="obj" preserve="1">
   <p:cSld name="Title, Content">
     <p:spTree>
       <p:nvGrpSpPr>
@@ -734,9 +861,10 @@
           </a:prstGeom>
         </p:spPr>
         <p:txBody>
-          <a:bodyPr lIns="0" rIns="0" tIns="0" bIns="0" anchor="ctr"/>
-          <a:p>
-            <a:endParaRPr b="0" lang="fr-FR" sz="1800" spc="-1" strike="noStrike">
+          <a:bodyPr lIns="0" tIns="0" rIns="0" bIns="0" anchor="ctr"/>
+          <a:lstStyle/>
+          <a:p>
+            <a:endParaRPr lang="fr-FR" sz="1800" b="0" strike="noStrike" spc="-1">
               <a:solidFill>
                 <a:srgbClr val="000000"/>
               </a:solidFill>
@@ -765,11 +893,12 @@
           </a:prstGeom>
         </p:spPr>
         <p:txBody>
-          <a:bodyPr lIns="0" rIns="0" tIns="0" bIns="0">
+          <a:bodyPr lIns="0" tIns="0" rIns="0" bIns="0">
             <a:normAutofit/>
           </a:bodyPr>
-          <a:p>
-            <a:endParaRPr b="0" lang="fr-FR" sz="2800" spc="-1" strike="noStrike">
+          <a:lstStyle/>
+          <a:p>
+            <a:endParaRPr lang="fr-FR" sz="2800" b="0" strike="noStrike" spc="-1">
               <a:solidFill>
                 <a:srgbClr val="000000"/>
               </a:solidFill>
@@ -780,11 +909,14 @@
       </p:sp>
     </p:spTree>
   </p:cSld>
+  <p:clrMapOvr>
+    <a:masterClrMapping/>
+  </p:clrMapOvr>
 </p:sldLayout>
 </file>
 
 <file path=ppt/slideLayouts/slideLayout4.xml><?xml version="1.0" encoding="utf-8"?>
-<p:sldLayout xmlns:a="http://schemas.openxmlformats.org/drawingml/2006/main" xmlns:p="http://schemas.openxmlformats.org/presentationml/2006/main" xmlns:r="http://schemas.openxmlformats.org/officeDocument/2006/relationships" xmlns:p14="http://schemas.microsoft.com/office/powerpoint/2010/main" xmlns:p15="http://schemas.microsoft.com/office/powerpoint/2012/main" xmlns:mc="http://schemas.openxmlformats.org/markup-compatibility/2006" type="twoObj" preserve="1">
+<p:sldLayout xmlns:a="http://schemas.openxmlformats.org/drawingml/2006/main" xmlns:r="http://schemas.openxmlformats.org/officeDocument/2006/relationships" xmlns:p="http://schemas.openxmlformats.org/presentationml/2006/main" type="twoObj" preserve="1">
   <p:cSld name="Title, 2 Content">
     <p:spTree>
       <p:nvGrpSpPr>
@@ -820,9 +952,10 @@
           </a:prstGeom>
         </p:spPr>
         <p:txBody>
-          <a:bodyPr lIns="0" rIns="0" tIns="0" bIns="0" anchor="ctr"/>
-          <a:p>
-            <a:endParaRPr b="0" lang="fr-FR" sz="1800" spc="-1" strike="noStrike">
+          <a:bodyPr lIns="0" tIns="0" rIns="0" bIns="0" anchor="ctr"/>
+          <a:lstStyle/>
+          <a:p>
+            <a:endParaRPr lang="fr-FR" sz="1800" b="0" strike="noStrike" spc="-1">
               <a:solidFill>
                 <a:srgbClr val="000000"/>
               </a:solidFill>
@@ -851,11 +984,12 @@
           </a:prstGeom>
         </p:spPr>
         <p:txBody>
-          <a:bodyPr lIns="0" rIns="0" tIns="0" bIns="0">
+          <a:bodyPr lIns="0" tIns="0" rIns="0" bIns="0">
             <a:normAutofit/>
           </a:bodyPr>
-          <a:p>
-            <a:endParaRPr b="0" lang="fr-FR" sz="2800" spc="-1" strike="noStrike">
+          <a:lstStyle/>
+          <a:p>
+            <a:endParaRPr lang="fr-FR" sz="2800" b="0" strike="noStrike" spc="-1">
               <a:solidFill>
                 <a:srgbClr val="000000"/>
               </a:solidFill>
@@ -884,11 +1018,12 @@
           </a:prstGeom>
         </p:spPr>
         <p:txBody>
-          <a:bodyPr lIns="0" rIns="0" tIns="0" bIns="0">
+          <a:bodyPr lIns="0" tIns="0" rIns="0" bIns="0">
             <a:normAutofit/>
           </a:bodyPr>
-          <a:p>
-            <a:endParaRPr b="0" lang="fr-FR" sz="2800" spc="-1" strike="noStrike">
+          <a:lstStyle/>
+          <a:p>
+            <a:endParaRPr lang="fr-FR" sz="2800" b="0" strike="noStrike" spc="-1">
               <a:solidFill>
                 <a:srgbClr val="000000"/>
               </a:solidFill>
@@ -899,11 +1034,14 @@
       </p:sp>
     </p:spTree>
   </p:cSld>
+  <p:clrMapOvr>
+    <a:masterClrMapping/>
+  </p:clrMapOvr>
 </p:sldLayout>
 </file>
 
 <file path=ppt/slideLayouts/slideLayout5.xml><?xml version="1.0" encoding="utf-8"?>
-<p:sldLayout xmlns:a="http://schemas.openxmlformats.org/drawingml/2006/main" xmlns:p="http://schemas.openxmlformats.org/presentationml/2006/main" xmlns:r="http://schemas.openxmlformats.org/officeDocument/2006/relationships" xmlns:p14="http://schemas.microsoft.com/office/powerpoint/2010/main" xmlns:p15="http://schemas.microsoft.com/office/powerpoint/2012/main" xmlns:mc="http://schemas.openxmlformats.org/markup-compatibility/2006" type="titleOnly" preserve="1">
+<p:sldLayout xmlns:a="http://schemas.openxmlformats.org/drawingml/2006/main" xmlns:r="http://schemas.openxmlformats.org/officeDocument/2006/relationships" xmlns:p="http://schemas.openxmlformats.org/presentationml/2006/main" type="titleOnly" preserve="1">
   <p:cSld name="Title Only">
     <p:spTree>
       <p:nvGrpSpPr>
@@ -939,9 +1077,10 @@
           </a:prstGeom>
         </p:spPr>
         <p:txBody>
-          <a:bodyPr lIns="0" rIns="0" tIns="0" bIns="0" anchor="ctr"/>
-          <a:p>
-            <a:endParaRPr b="0" lang="fr-FR" sz="1800" spc="-1" strike="noStrike">
+          <a:bodyPr lIns="0" tIns="0" rIns="0" bIns="0" anchor="ctr"/>
+          <a:lstStyle/>
+          <a:p>
+            <a:endParaRPr lang="fr-FR" sz="1800" b="0" strike="noStrike" spc="-1">
               <a:solidFill>
                 <a:srgbClr val="000000"/>
               </a:solidFill>
@@ -952,11 +1091,14 @@
       </p:sp>
     </p:spTree>
   </p:cSld>
+  <p:clrMapOvr>
+    <a:masterClrMapping/>
+  </p:clrMapOvr>
 </p:sldLayout>
 </file>
 
 <file path=ppt/slideLayouts/slideLayout6.xml><?xml version="1.0" encoding="utf-8"?>
-<p:sldLayout xmlns:a="http://schemas.openxmlformats.org/drawingml/2006/main" xmlns:p="http://schemas.openxmlformats.org/presentationml/2006/main" xmlns:r="http://schemas.openxmlformats.org/officeDocument/2006/relationships" xmlns:p14="http://schemas.microsoft.com/office/powerpoint/2010/main" xmlns:p15="http://schemas.microsoft.com/office/powerpoint/2012/main" xmlns:mc="http://schemas.openxmlformats.org/markup-compatibility/2006" type="objOnly" preserve="1">
+<p:sldLayout xmlns:a="http://schemas.openxmlformats.org/drawingml/2006/main" xmlns:r="http://schemas.openxmlformats.org/officeDocument/2006/relationships" xmlns:p="http://schemas.openxmlformats.org/presentationml/2006/main" type="objOnly" preserve="1">
   <p:cSld name="Centered Text">
     <p:spTree>
       <p:nvGrpSpPr>
@@ -992,10 +1134,11 @@
           </a:prstGeom>
         </p:spPr>
         <p:txBody>
-          <a:bodyPr lIns="0" rIns="0" tIns="0" bIns="0" anchor="ctr"/>
+          <a:bodyPr lIns="0" tIns="0" rIns="0" bIns="0" anchor="ctr"/>
+          <a:lstStyle/>
           <a:p>
             <a:pPr algn="ctr"/>
-            <a:endParaRPr b="0" lang="fr-FR" sz="3200" spc="-1" strike="noStrike">
+            <a:endParaRPr lang="fr-FR" sz="3200" b="0" strike="noStrike" spc="-1">
               <a:latin typeface="Arial"/>
             </a:endParaRPr>
           </a:p>
@@ -1003,11 +1146,14 @@
       </p:sp>
     </p:spTree>
   </p:cSld>
+  <p:clrMapOvr>
+    <a:masterClrMapping/>
+  </p:clrMapOvr>
 </p:sldLayout>
 </file>
 
 <file path=ppt/slideLayouts/slideLayout7.xml><?xml version="1.0" encoding="utf-8"?>
-<p:sldLayout xmlns:a="http://schemas.openxmlformats.org/drawingml/2006/main" xmlns:p="http://schemas.openxmlformats.org/presentationml/2006/main" xmlns:r="http://schemas.openxmlformats.org/officeDocument/2006/relationships" xmlns:p14="http://schemas.microsoft.com/office/powerpoint/2010/main" xmlns:p15="http://schemas.microsoft.com/office/powerpoint/2012/main" xmlns:mc="http://schemas.openxmlformats.org/markup-compatibility/2006" type="twoObjAndObj" preserve="1">
+<p:sldLayout xmlns:a="http://schemas.openxmlformats.org/drawingml/2006/main" xmlns:r="http://schemas.openxmlformats.org/officeDocument/2006/relationships" xmlns:p="http://schemas.openxmlformats.org/presentationml/2006/main" type="twoObjAndObj" preserve="1">
   <p:cSld name="Title, 2 Content and Content">
     <p:spTree>
       <p:nvGrpSpPr>
@@ -1043,9 +1189,10 @@
           </a:prstGeom>
         </p:spPr>
         <p:txBody>
-          <a:bodyPr lIns="0" rIns="0" tIns="0" bIns="0" anchor="ctr"/>
-          <a:p>
-            <a:endParaRPr b="0" lang="fr-FR" sz="1800" spc="-1" strike="noStrike">
+          <a:bodyPr lIns="0" tIns="0" rIns="0" bIns="0" anchor="ctr"/>
+          <a:lstStyle/>
+          <a:p>
+            <a:endParaRPr lang="fr-FR" sz="1800" b="0" strike="noStrike" spc="-1">
               <a:solidFill>
                 <a:srgbClr val="000000"/>
               </a:solidFill>
@@ -1074,11 +1221,12 @@
           </a:prstGeom>
         </p:spPr>
         <p:txBody>
-          <a:bodyPr lIns="0" rIns="0" tIns="0" bIns="0">
+          <a:bodyPr lIns="0" tIns="0" rIns="0" bIns="0">
             <a:normAutofit/>
           </a:bodyPr>
-          <a:p>
-            <a:endParaRPr b="0" lang="fr-FR" sz="2800" spc="-1" strike="noStrike">
+          <a:lstStyle/>
+          <a:p>
+            <a:endParaRPr lang="fr-FR" sz="2800" b="0" strike="noStrike" spc="-1">
               <a:solidFill>
                 <a:srgbClr val="000000"/>
               </a:solidFill>
@@ -1107,11 +1255,12 @@
           </a:prstGeom>
         </p:spPr>
         <p:txBody>
-          <a:bodyPr lIns="0" rIns="0" tIns="0" bIns="0">
+          <a:bodyPr lIns="0" tIns="0" rIns="0" bIns="0">
             <a:normAutofit/>
           </a:bodyPr>
-          <a:p>
-            <a:endParaRPr b="0" lang="fr-FR" sz="2800" spc="-1" strike="noStrike">
+          <a:lstStyle/>
+          <a:p>
+            <a:endParaRPr lang="fr-FR" sz="2800" b="0" strike="noStrike" spc="-1">
               <a:solidFill>
                 <a:srgbClr val="000000"/>
               </a:solidFill>
@@ -1140,11 +1289,12 @@
           </a:prstGeom>
         </p:spPr>
         <p:txBody>
-          <a:bodyPr lIns="0" rIns="0" tIns="0" bIns="0">
+          <a:bodyPr lIns="0" tIns="0" rIns="0" bIns="0">
             <a:normAutofit/>
           </a:bodyPr>
-          <a:p>
-            <a:endParaRPr b="0" lang="fr-FR" sz="2800" spc="-1" strike="noStrike">
+          <a:lstStyle/>
+          <a:p>
+            <a:endParaRPr lang="fr-FR" sz="2800" b="0" strike="noStrike" spc="-1">
               <a:solidFill>
                 <a:srgbClr val="000000"/>
               </a:solidFill>
@@ -1155,11 +1305,14 @@
       </p:sp>
     </p:spTree>
   </p:cSld>
+  <p:clrMapOvr>
+    <a:masterClrMapping/>
+  </p:clrMapOvr>
 </p:sldLayout>
 </file>
 
 <file path=ppt/slideLayouts/slideLayout8.xml><?xml version="1.0" encoding="utf-8"?>
-<p:sldLayout xmlns:a="http://schemas.openxmlformats.org/drawingml/2006/main" xmlns:p="http://schemas.openxmlformats.org/presentationml/2006/main" xmlns:r="http://schemas.openxmlformats.org/officeDocument/2006/relationships" xmlns:p14="http://schemas.microsoft.com/office/powerpoint/2010/main" xmlns:p15="http://schemas.microsoft.com/office/powerpoint/2012/main" xmlns:mc="http://schemas.openxmlformats.org/markup-compatibility/2006" type="objAndTwoObj" preserve="1">
+<p:sldLayout xmlns:a="http://schemas.openxmlformats.org/drawingml/2006/main" xmlns:r="http://schemas.openxmlformats.org/officeDocument/2006/relationships" xmlns:p="http://schemas.openxmlformats.org/presentationml/2006/main" type="objAndTwoObj" preserve="1">
   <p:cSld name="Title Content and 2 Content">
     <p:spTree>
       <p:nvGrpSpPr>
@@ -1195,9 +1348,10 @@
           </a:prstGeom>
         </p:spPr>
         <p:txBody>
-          <a:bodyPr lIns="0" rIns="0" tIns="0" bIns="0" anchor="ctr"/>
-          <a:p>
-            <a:endParaRPr b="0" lang="fr-FR" sz="1800" spc="-1" strike="noStrike">
+          <a:bodyPr lIns="0" tIns="0" rIns="0" bIns="0" anchor="ctr"/>
+          <a:lstStyle/>
+          <a:p>
+            <a:endParaRPr lang="fr-FR" sz="1800" b="0" strike="noStrike" spc="-1">
               <a:solidFill>
                 <a:srgbClr val="000000"/>
               </a:solidFill>
@@ -1226,11 +1380,12 @@
           </a:prstGeom>
         </p:spPr>
         <p:txBody>
-          <a:bodyPr lIns="0" rIns="0" tIns="0" bIns="0">
+          <a:bodyPr lIns="0" tIns="0" rIns="0" bIns="0">
             <a:normAutofit/>
           </a:bodyPr>
-          <a:p>
-            <a:endParaRPr b="0" lang="fr-FR" sz="2800" spc="-1" strike="noStrike">
+          <a:lstStyle/>
+          <a:p>
+            <a:endParaRPr lang="fr-FR" sz="2800" b="0" strike="noStrike" spc="-1">
               <a:solidFill>
                 <a:srgbClr val="000000"/>
               </a:solidFill>
@@ -1259,11 +1414,12 @@
           </a:prstGeom>
         </p:spPr>
         <p:txBody>
-          <a:bodyPr lIns="0" rIns="0" tIns="0" bIns="0">
+          <a:bodyPr lIns="0" tIns="0" rIns="0" bIns="0">
             <a:normAutofit/>
           </a:bodyPr>
-          <a:p>
-            <a:endParaRPr b="0" lang="fr-FR" sz="2800" spc="-1" strike="noStrike">
+          <a:lstStyle/>
+          <a:p>
+            <a:endParaRPr lang="fr-FR" sz="2800" b="0" strike="noStrike" spc="-1">
               <a:solidFill>
                 <a:srgbClr val="000000"/>
               </a:solidFill>
@@ -1292,11 +1448,12 @@
           </a:prstGeom>
         </p:spPr>
         <p:txBody>
-          <a:bodyPr lIns="0" rIns="0" tIns="0" bIns="0">
+          <a:bodyPr lIns="0" tIns="0" rIns="0" bIns="0">
             <a:normAutofit/>
           </a:bodyPr>
-          <a:p>
-            <a:endParaRPr b="0" lang="fr-FR" sz="2800" spc="-1" strike="noStrike">
+          <a:lstStyle/>
+          <a:p>
+            <a:endParaRPr lang="fr-FR" sz="2800" b="0" strike="noStrike" spc="-1">
               <a:solidFill>
                 <a:srgbClr val="000000"/>
               </a:solidFill>
@@ -1307,11 +1464,14 @@
       </p:sp>
     </p:spTree>
   </p:cSld>
+  <p:clrMapOvr>
+    <a:masterClrMapping/>
+  </p:clrMapOvr>
 </p:sldLayout>
 </file>
 
 <file path=ppt/slideLayouts/slideLayout9.xml><?xml version="1.0" encoding="utf-8"?>
-<p:sldLayout xmlns:a="http://schemas.openxmlformats.org/drawingml/2006/main" xmlns:p="http://schemas.openxmlformats.org/presentationml/2006/main" xmlns:r="http://schemas.openxmlformats.org/officeDocument/2006/relationships" xmlns:p14="http://schemas.microsoft.com/office/powerpoint/2010/main" xmlns:p15="http://schemas.microsoft.com/office/powerpoint/2012/main" xmlns:mc="http://schemas.openxmlformats.org/markup-compatibility/2006" type="twoObjOverTx" preserve="1">
+<p:sldLayout xmlns:a="http://schemas.openxmlformats.org/drawingml/2006/main" xmlns:r="http://schemas.openxmlformats.org/officeDocument/2006/relationships" xmlns:p="http://schemas.openxmlformats.org/presentationml/2006/main" type="twoObjOverTx" preserve="1">
   <p:cSld name="Title, 2 Content over Content">
     <p:spTree>
       <p:nvGrpSpPr>
@@ -1347,9 +1507,10 @@
           </a:prstGeom>
         </p:spPr>
         <p:txBody>
-          <a:bodyPr lIns="0" rIns="0" tIns="0" bIns="0" anchor="ctr"/>
-          <a:p>
-            <a:endParaRPr b="0" lang="fr-FR" sz="1800" spc="-1" strike="noStrike">
+          <a:bodyPr lIns="0" tIns="0" rIns="0" bIns="0" anchor="ctr"/>
+          <a:lstStyle/>
+          <a:p>
+            <a:endParaRPr lang="fr-FR" sz="1800" b="0" strike="noStrike" spc="-1">
               <a:solidFill>
                 <a:srgbClr val="000000"/>
               </a:solidFill>
@@ -1378,11 +1539,12 @@
           </a:prstGeom>
         </p:spPr>
         <p:txBody>
-          <a:bodyPr lIns="0" rIns="0" tIns="0" bIns="0">
+          <a:bodyPr lIns="0" tIns="0" rIns="0" bIns="0">
             <a:normAutofit/>
           </a:bodyPr>
-          <a:p>
-            <a:endParaRPr b="0" lang="fr-FR" sz="2800" spc="-1" strike="noStrike">
+          <a:lstStyle/>
+          <a:p>
+            <a:endParaRPr lang="fr-FR" sz="2800" b="0" strike="noStrike" spc="-1">
               <a:solidFill>
                 <a:srgbClr val="000000"/>
               </a:solidFill>
@@ -1411,11 +1573,12 @@
           </a:prstGeom>
         </p:spPr>
         <p:txBody>
-          <a:bodyPr lIns="0" rIns="0" tIns="0" bIns="0">
+          <a:bodyPr lIns="0" tIns="0" rIns="0" bIns="0">
             <a:normAutofit/>
           </a:bodyPr>
-          <a:p>
-            <a:endParaRPr b="0" lang="fr-FR" sz="2800" spc="-1" strike="noStrike">
+          <a:lstStyle/>
+          <a:p>
+            <a:endParaRPr lang="fr-FR" sz="2800" b="0" strike="noStrike" spc="-1">
               <a:solidFill>
                 <a:srgbClr val="000000"/>
               </a:solidFill>
@@ -1444,11 +1607,12 @@
           </a:prstGeom>
         </p:spPr>
         <p:txBody>
-          <a:bodyPr lIns="0" rIns="0" tIns="0" bIns="0">
+          <a:bodyPr lIns="0" tIns="0" rIns="0" bIns="0">
             <a:normAutofit/>
           </a:bodyPr>
-          <a:p>
-            <a:endParaRPr b="0" lang="fr-FR" sz="2800" spc="-1" strike="noStrike">
+          <a:lstStyle/>
+          <a:p>
+            <a:endParaRPr lang="fr-FR" sz="2800" b="0" strike="noStrike" spc="-1">
               <a:solidFill>
                 <a:srgbClr val="000000"/>
               </a:solidFill>
@@ -1459,17 +1623,21 @@
       </p:sp>
     </p:spTree>
   </p:cSld>
+  <p:clrMapOvr>
+    <a:masterClrMapping/>
+  </p:clrMapOvr>
 </p:sldLayout>
 </file>
 
 <file path=ppt/slideMasters/slideMaster1.xml><?xml version="1.0" encoding="utf-8"?>
-<p:sldMaster xmlns:a="http://schemas.openxmlformats.org/drawingml/2006/main" xmlns:p="http://schemas.openxmlformats.org/presentationml/2006/main" xmlns:r="http://schemas.openxmlformats.org/officeDocument/2006/relationships" xmlns:p14="http://schemas.microsoft.com/office/powerpoint/2010/main" xmlns:p15="http://schemas.microsoft.com/office/powerpoint/2012/main" xmlns:mc="http://schemas.openxmlformats.org/markup-compatibility/2006">
+<p:sldMaster xmlns:a="http://schemas.openxmlformats.org/drawingml/2006/main" xmlns:r="http://schemas.openxmlformats.org/officeDocument/2006/relationships" xmlns:p="http://schemas.openxmlformats.org/presentationml/2006/main">
   <p:cSld>
     <p:bg>
       <p:bgPr>
         <a:solidFill>
-          <a:srgbClr val="ffffff"/>
+          <a:srgbClr val="FFFFFF"/>
         </a:solidFill>
+        <a:effectLst/>
       </p:bgPr>
     </p:bg>
     <p:spTree>
@@ -1488,7 +1656,7 @@
       </p:grpSpPr>
       <p:sp>
         <p:nvSpPr>
-          <p:cNvPr id="0" name="PlaceHolder 1"/>
+          <p:cNvPr id="5" name="PlaceHolder 1"/>
           <p:cNvSpPr>
             <a:spLocks noGrp="1"/>
           </p:cNvSpPr>
@@ -1507,6 +1675,7 @@
         </p:spPr>
         <p:txBody>
           <a:bodyPr anchor="ctr"/>
+          <a:lstStyle/>
           <a:p>
             <a:pPr>
               <a:lnSpc>
@@ -1514,33 +1683,15 @@
               </a:lnSpc>
             </a:pPr>
             <a:r>
-              <a:rPr b="0" lang="fr-FR" sz="4400" spc="-1" strike="noStrike">
+              <a:rPr lang="fr-FR" sz="4400" b="0" strike="noStrike" spc="-1">
                 <a:solidFill>
                   <a:srgbClr val="000000"/>
                 </a:solidFill>
                 <a:latin typeface="Calibri Light"/>
               </a:rPr>
-              <a:t>Modifiez </a:t>
+              <a:t>Modifiez le style du titre</a:t>
             </a:r>
-            <a:r>
-              <a:rPr b="0" lang="fr-FR" sz="4400" spc="-1" strike="noStrike">
-                <a:solidFill>
-                  <a:srgbClr val="000000"/>
-                </a:solidFill>
-                <a:latin typeface="Calibri Light"/>
-              </a:rPr>
-              <a:t>le style </a:t>
-            </a:r>
-            <a:r>
-              <a:rPr b="0" lang="fr-FR" sz="4400" spc="-1" strike="noStrike">
-                <a:solidFill>
-                  <a:srgbClr val="000000"/>
-                </a:solidFill>
-                <a:latin typeface="Calibri Light"/>
-              </a:rPr>
-              <a:t>du titre</a:t>
-            </a:r>
-            <a:endParaRPr b="0" lang="fr-FR" sz="4400" spc="-1" strike="noStrike">
+            <a:endParaRPr lang="fr-FR" sz="4400" b="0" strike="noStrike" spc="-1">
               <a:solidFill>
                 <a:srgbClr val="000000"/>
               </a:solidFill>
@@ -1551,7 +1702,7 @@
       </p:sp>
       <p:sp>
         <p:nvSpPr>
-          <p:cNvPr id="1" name="PlaceHolder 2"/>
+          <p:cNvPr id="6" name="PlaceHolder 2"/>
           <p:cNvSpPr>
             <a:spLocks noGrp="1"/>
           </p:cNvSpPr>
@@ -1570,6 +1721,7 @@
         </p:spPr>
         <p:txBody>
           <a:bodyPr/>
+          <a:lstStyle/>
           <a:p>
             <a:pPr marL="228600" indent="-228240">
               <a:lnSpc>
@@ -1585,7 +1737,7 @@
               <a:buChar char="•"/>
             </a:pPr>
             <a:r>
-              <a:rPr b="0" lang="fr-FR" sz="2800" spc="-1" strike="noStrike">
+              <a:rPr lang="fr-FR" sz="2800" b="0" strike="noStrike" spc="-1">
                 <a:solidFill>
                   <a:srgbClr val="000000"/>
                 </a:solidFill>
@@ -1593,15 +1745,9 @@
               </a:rPr>
               <a:t>Modifier les styles du texte du masque</a:t>
             </a:r>
-            <a:endParaRPr b="0" lang="fr-FR" sz="2800" spc="-1" strike="noStrike">
-              <a:solidFill>
-                <a:srgbClr val="000000"/>
-              </a:solidFill>
-              <a:latin typeface="Calibri"/>
-            </a:endParaRPr>
-          </a:p>
-          <a:p>
-            <a:pPr lvl="1" marL="685800" indent="-228240">
+          </a:p>
+          <a:p>
+            <a:pPr marL="685800" lvl="1" indent="-228240">
               <a:lnSpc>
                 <a:spcPct val="90000"/>
               </a:lnSpc>
@@ -1615,7 +1761,7 @@
               <a:buChar char="•"/>
             </a:pPr>
             <a:r>
-              <a:rPr b="0" lang="fr-FR" sz="2400" spc="-1" strike="noStrike">
+              <a:rPr lang="fr-FR" sz="2400" b="0" strike="noStrike" spc="-1">
                 <a:solidFill>
                   <a:srgbClr val="000000"/>
                 </a:solidFill>
@@ -1623,15 +1769,9 @@
               </a:rPr>
               <a:t>Deuxième niveau</a:t>
             </a:r>
-            <a:endParaRPr b="0" lang="fr-FR" sz="2400" spc="-1" strike="noStrike">
-              <a:solidFill>
-                <a:srgbClr val="000000"/>
-              </a:solidFill>
-              <a:latin typeface="Calibri"/>
-            </a:endParaRPr>
-          </a:p>
-          <a:p>
-            <a:pPr lvl="2" marL="1143000" indent="-228240">
+          </a:p>
+          <a:p>
+            <a:pPr marL="1143000" lvl="2" indent="-228240">
               <a:lnSpc>
                 <a:spcPct val="90000"/>
               </a:lnSpc>
@@ -1645,7 +1785,7 @@
               <a:buChar char="•"/>
             </a:pPr>
             <a:r>
-              <a:rPr b="0" lang="fr-FR" sz="2000" spc="-1" strike="noStrike">
+              <a:rPr lang="fr-FR" sz="2000" b="0" strike="noStrike" spc="-1">
                 <a:solidFill>
                   <a:srgbClr val="000000"/>
                 </a:solidFill>
@@ -1653,15 +1793,9 @@
               </a:rPr>
               <a:t>Troisième niveau</a:t>
             </a:r>
-            <a:endParaRPr b="0" lang="fr-FR" sz="2000" spc="-1" strike="noStrike">
-              <a:solidFill>
-                <a:srgbClr val="000000"/>
-              </a:solidFill>
-              <a:latin typeface="Calibri"/>
-            </a:endParaRPr>
-          </a:p>
-          <a:p>
-            <a:pPr lvl="3" marL="1600200" indent="-228240">
+          </a:p>
+          <a:p>
+            <a:pPr marL="1600200" lvl="3" indent="-228240">
               <a:lnSpc>
                 <a:spcPct val="90000"/>
               </a:lnSpc>
@@ -1675,7 +1809,7 @@
               <a:buChar char="•"/>
             </a:pPr>
             <a:r>
-              <a:rPr b="0" lang="fr-FR" sz="1800" spc="-1" strike="noStrike">
+              <a:rPr lang="fr-FR" sz="1800" b="0" strike="noStrike" spc="-1">
                 <a:solidFill>
                   <a:srgbClr val="000000"/>
                 </a:solidFill>
@@ -1683,15 +1817,9 @@
               </a:rPr>
               <a:t>Quatrième niveau</a:t>
             </a:r>
-            <a:endParaRPr b="0" lang="fr-FR" sz="1800" spc="-1" strike="noStrike">
-              <a:solidFill>
-                <a:srgbClr val="000000"/>
-              </a:solidFill>
-              <a:latin typeface="Calibri"/>
-            </a:endParaRPr>
-          </a:p>
-          <a:p>
-            <a:pPr lvl="4" marL="2057400" indent="-228240">
+          </a:p>
+          <a:p>
+            <a:pPr marL="2057400" lvl="4" indent="-228240">
               <a:lnSpc>
                 <a:spcPct val="90000"/>
               </a:lnSpc>
@@ -1705,7 +1833,7 @@
               <a:buChar char="•"/>
             </a:pPr>
             <a:r>
-              <a:rPr b="0" lang="fr-FR" sz="1800" spc="-1" strike="noStrike">
+              <a:rPr lang="fr-FR" sz="1800" b="0" strike="noStrike" spc="-1">
                 <a:solidFill>
                   <a:srgbClr val="000000"/>
                 </a:solidFill>
@@ -1713,12 +1841,6 @@
               </a:rPr>
               <a:t>Cinquième niveau</a:t>
             </a:r>
-            <a:endParaRPr b="0" lang="fr-FR" sz="1800" spc="-1" strike="noStrike">
-              <a:solidFill>
-                <a:srgbClr val="000000"/>
-              </a:solidFill>
-              <a:latin typeface="Calibri"/>
-            </a:endParaRPr>
           </a:p>
         </p:txBody>
       </p:sp>
@@ -1743,6 +1865,7 @@
         </p:spPr>
         <p:txBody>
           <a:bodyPr anchor="ctr"/>
+          <a:lstStyle/>
           <a:p>
             <a:pPr>
               <a:lnSpc>
@@ -1750,15 +1873,15 @@
               </a:lnSpc>
             </a:pPr>
             <a:fld id="{8898926C-CF5D-409C-BFC1-A8066C80A3DE}" type="datetime">
-              <a:rPr b="0" lang="fr-FR" sz="1200" spc="-1" strike="noStrike">
+              <a:rPr lang="fr-FR" sz="1200" b="0" strike="noStrike" spc="-1">
                 <a:solidFill>
-                  <a:srgbClr val="8b8b8b"/>
+                  <a:srgbClr val="8B8B8B"/>
                 </a:solidFill>
                 <a:latin typeface="Calibri"/>
               </a:rPr>
-              <a:t>07/04/2021</a:t>
+              <a:t>21/04/2021</a:t>
             </a:fld>
-            <a:endParaRPr b="0" lang="fr-FR" sz="1200" spc="-1" strike="noStrike">
+            <a:endParaRPr lang="fr-FR" sz="1200" b="0" strike="noStrike" spc="-1">
               <a:latin typeface="Times New Roman"/>
             </a:endParaRPr>
           </a:p>
@@ -1785,8 +1908,9 @@
         </p:spPr>
         <p:txBody>
           <a:bodyPr anchor="ctr"/>
-          <a:p>
-            <a:endParaRPr b="0" lang="fr-FR" sz="2400" spc="-1" strike="noStrike">
+          <a:lstStyle/>
+          <a:p>
+            <a:endParaRPr lang="fr-FR" sz="2400" b="0" strike="noStrike" spc="-1">
               <a:latin typeface="Times New Roman"/>
             </a:endParaRPr>
           </a:p>
@@ -1813,6 +1937,7 @@
         </p:spPr>
         <p:txBody>
           <a:bodyPr anchor="ctr"/>
+          <a:lstStyle/>
           <a:p>
             <a:pPr algn="r">
               <a:lnSpc>
@@ -1820,15 +1945,15 @@
               </a:lnSpc>
             </a:pPr>
             <a:fld id="{5FE50FC0-B713-47B8-884D-E93AB8DA7A39}" type="slidenum">
-              <a:rPr b="0" lang="fr-FR" sz="1200" spc="-1" strike="noStrike">
+              <a:rPr lang="fr-FR" sz="1200" b="0" strike="noStrike" spc="-1">
                 <a:solidFill>
-                  <a:srgbClr val="8b8b8b"/>
+                  <a:srgbClr val="8B8B8B"/>
                 </a:solidFill>
                 <a:latin typeface="Calibri"/>
               </a:rPr>
-              <a:t>15</a:t>
+              <a:t>‹N°›</a:t>
             </a:fld>
-            <a:endParaRPr b="0" lang="fr-FR" sz="1200" spc="-1" strike="noStrike">
+            <a:endParaRPr lang="fr-FR" sz="1200" b="0" strike="noStrike" spc="-1">
               <a:latin typeface="Times New Roman"/>
             </a:endParaRPr>
           </a:p>
@@ -1836,26 +1961,306 @@
       </p:sp>
     </p:spTree>
   </p:cSld>
-  <p:clrMap bg1="lt1" bg2="lt2" tx1="dk1" tx2="dk2" accent1="accent1" accent2="accent2" accent3="accent3" accent4="accent4" accent5="accent5" accent6="accent6" hlink="hlink" folHlink="folHlink"/>
+  <p:clrMap bg1="lt1" tx1="dk1" bg2="lt2" tx2="dk2" accent1="accent1" accent2="accent2" accent3="accent3" accent4="accent4" accent5="accent5" accent6="accent6" hlink="hlink" folHlink="folHlink"/>
   <p:sldLayoutIdLst>
-    <p:sldLayoutId id="2147483649" r:id="rId2"/>
-    <p:sldLayoutId id="2147483650" r:id="rId3"/>
-    <p:sldLayoutId id="2147483651" r:id="rId4"/>
-    <p:sldLayoutId id="2147483652" r:id="rId5"/>
-    <p:sldLayoutId id="2147483653" r:id="rId6"/>
-    <p:sldLayoutId id="2147483654" r:id="rId7"/>
-    <p:sldLayoutId id="2147483655" r:id="rId8"/>
-    <p:sldLayoutId id="2147483656" r:id="rId9"/>
-    <p:sldLayoutId id="2147483657" r:id="rId10"/>
-    <p:sldLayoutId id="2147483658" r:id="rId11"/>
-    <p:sldLayoutId id="2147483659" r:id="rId12"/>
-    <p:sldLayoutId id="2147483660" r:id="rId13"/>
+    <p:sldLayoutId id="2147483649" r:id="rId1"/>
+    <p:sldLayoutId id="2147483650" r:id="rId2"/>
+    <p:sldLayoutId id="2147483651" r:id="rId3"/>
+    <p:sldLayoutId id="2147483652" r:id="rId4"/>
+    <p:sldLayoutId id="2147483653" r:id="rId5"/>
+    <p:sldLayoutId id="2147483654" r:id="rId6"/>
+    <p:sldLayoutId id="2147483655" r:id="rId7"/>
+    <p:sldLayoutId id="2147483656" r:id="rId8"/>
+    <p:sldLayoutId id="2147483657" r:id="rId9"/>
+    <p:sldLayoutId id="2147483658" r:id="rId10"/>
+    <p:sldLayoutId id="2147483659" r:id="rId11"/>
+    <p:sldLayoutId id="2147483660" r:id="rId12"/>
   </p:sldLayoutIdLst>
+  <p:txStyles>
+    <p:titleStyle>
+      <a:lvl1pPr algn="l" defTabSz="914400" rtl="0" eaLnBrk="1" latinLnBrk="0" hangingPunct="1">
+        <a:lnSpc>
+          <a:spcPct val="90000"/>
+        </a:lnSpc>
+        <a:spcBef>
+          <a:spcPct val="0"/>
+        </a:spcBef>
+        <a:buNone/>
+        <a:defRPr sz="4400" kern="1200">
+          <a:solidFill>
+            <a:schemeClr val="tx1"/>
+          </a:solidFill>
+          <a:latin typeface="+mj-lt"/>
+          <a:ea typeface="+mj-ea"/>
+          <a:cs typeface="+mj-cs"/>
+        </a:defRPr>
+      </a:lvl1pPr>
+    </p:titleStyle>
+    <p:bodyStyle>
+      <a:lvl1pPr marL="228600" indent="-228600" algn="l" defTabSz="914400" rtl="0" eaLnBrk="1" latinLnBrk="0" hangingPunct="1">
+        <a:lnSpc>
+          <a:spcPct val="90000"/>
+        </a:lnSpc>
+        <a:spcBef>
+          <a:spcPts val="1000"/>
+        </a:spcBef>
+        <a:buFont typeface="Arial" panose="020B0604020202020204" pitchFamily="34" charset="0"/>
+        <a:buChar char="•"/>
+        <a:defRPr sz="2800" kern="1200">
+          <a:solidFill>
+            <a:schemeClr val="tx1"/>
+          </a:solidFill>
+          <a:latin typeface="+mn-lt"/>
+          <a:ea typeface="+mn-ea"/>
+          <a:cs typeface="+mn-cs"/>
+        </a:defRPr>
+      </a:lvl1pPr>
+      <a:lvl2pPr marL="685800" indent="-228600" algn="l" defTabSz="914400" rtl="0" eaLnBrk="1" latinLnBrk="0" hangingPunct="1">
+        <a:lnSpc>
+          <a:spcPct val="90000"/>
+        </a:lnSpc>
+        <a:spcBef>
+          <a:spcPts val="500"/>
+        </a:spcBef>
+        <a:buFont typeface="Arial" panose="020B0604020202020204" pitchFamily="34" charset="0"/>
+        <a:buChar char="•"/>
+        <a:defRPr sz="2400" kern="1200">
+          <a:solidFill>
+            <a:schemeClr val="tx1"/>
+          </a:solidFill>
+          <a:latin typeface="+mn-lt"/>
+          <a:ea typeface="+mn-ea"/>
+          <a:cs typeface="+mn-cs"/>
+        </a:defRPr>
+      </a:lvl2pPr>
+      <a:lvl3pPr marL="1143000" indent="-228600" algn="l" defTabSz="914400" rtl="0" eaLnBrk="1" latinLnBrk="0" hangingPunct="1">
+        <a:lnSpc>
+          <a:spcPct val="90000"/>
+        </a:lnSpc>
+        <a:spcBef>
+          <a:spcPts val="500"/>
+        </a:spcBef>
+        <a:buFont typeface="Arial" panose="020B0604020202020204" pitchFamily="34" charset="0"/>
+        <a:buChar char="•"/>
+        <a:defRPr sz="2000" kern="1200">
+          <a:solidFill>
+            <a:schemeClr val="tx1"/>
+          </a:solidFill>
+          <a:latin typeface="+mn-lt"/>
+          <a:ea typeface="+mn-ea"/>
+          <a:cs typeface="+mn-cs"/>
+        </a:defRPr>
+      </a:lvl3pPr>
+      <a:lvl4pPr marL="1600200" indent="-228600" algn="l" defTabSz="914400" rtl="0" eaLnBrk="1" latinLnBrk="0" hangingPunct="1">
+        <a:lnSpc>
+          <a:spcPct val="90000"/>
+        </a:lnSpc>
+        <a:spcBef>
+          <a:spcPts val="500"/>
+        </a:spcBef>
+        <a:buFont typeface="Arial" panose="020B0604020202020204" pitchFamily="34" charset="0"/>
+        <a:buChar char="•"/>
+        <a:defRPr sz="1800" kern="1200">
+          <a:solidFill>
+            <a:schemeClr val="tx1"/>
+          </a:solidFill>
+          <a:latin typeface="+mn-lt"/>
+          <a:ea typeface="+mn-ea"/>
+          <a:cs typeface="+mn-cs"/>
+        </a:defRPr>
+      </a:lvl4pPr>
+      <a:lvl5pPr marL="2057400" indent="-228600" algn="l" defTabSz="914400" rtl="0" eaLnBrk="1" latinLnBrk="0" hangingPunct="1">
+        <a:lnSpc>
+          <a:spcPct val="90000"/>
+        </a:lnSpc>
+        <a:spcBef>
+          <a:spcPts val="500"/>
+        </a:spcBef>
+        <a:buFont typeface="Arial" panose="020B0604020202020204" pitchFamily="34" charset="0"/>
+        <a:buChar char="•"/>
+        <a:defRPr sz="1800" kern="1200">
+          <a:solidFill>
+            <a:schemeClr val="tx1"/>
+          </a:solidFill>
+          <a:latin typeface="+mn-lt"/>
+          <a:ea typeface="+mn-ea"/>
+          <a:cs typeface="+mn-cs"/>
+        </a:defRPr>
+      </a:lvl5pPr>
+      <a:lvl6pPr marL="2514600" indent="-228600" algn="l" defTabSz="914400" rtl="0" eaLnBrk="1" latinLnBrk="0" hangingPunct="1">
+        <a:lnSpc>
+          <a:spcPct val="90000"/>
+        </a:lnSpc>
+        <a:spcBef>
+          <a:spcPts val="500"/>
+        </a:spcBef>
+        <a:buFont typeface="Arial" panose="020B0604020202020204" pitchFamily="34" charset="0"/>
+        <a:buChar char="•"/>
+        <a:defRPr sz="1800" kern="1200">
+          <a:solidFill>
+            <a:schemeClr val="tx1"/>
+          </a:solidFill>
+          <a:latin typeface="+mn-lt"/>
+          <a:ea typeface="+mn-ea"/>
+          <a:cs typeface="+mn-cs"/>
+        </a:defRPr>
+      </a:lvl6pPr>
+      <a:lvl7pPr marL="2971800" indent="-228600" algn="l" defTabSz="914400" rtl="0" eaLnBrk="1" latinLnBrk="0" hangingPunct="1">
+        <a:lnSpc>
+          <a:spcPct val="90000"/>
+        </a:lnSpc>
+        <a:spcBef>
+          <a:spcPts val="500"/>
+        </a:spcBef>
+        <a:buFont typeface="Arial" panose="020B0604020202020204" pitchFamily="34" charset="0"/>
+        <a:buChar char="•"/>
+        <a:defRPr sz="1800" kern="1200">
+          <a:solidFill>
+            <a:schemeClr val="tx1"/>
+          </a:solidFill>
+          <a:latin typeface="+mn-lt"/>
+          <a:ea typeface="+mn-ea"/>
+          <a:cs typeface="+mn-cs"/>
+        </a:defRPr>
+      </a:lvl7pPr>
+      <a:lvl8pPr marL="3429000" indent="-228600" algn="l" defTabSz="914400" rtl="0" eaLnBrk="1" latinLnBrk="0" hangingPunct="1">
+        <a:lnSpc>
+          <a:spcPct val="90000"/>
+        </a:lnSpc>
+        <a:spcBef>
+          <a:spcPts val="500"/>
+        </a:spcBef>
+        <a:buFont typeface="Arial" panose="020B0604020202020204" pitchFamily="34" charset="0"/>
+        <a:buChar char="•"/>
+        <a:defRPr sz="1800" kern="1200">
+          <a:solidFill>
+            <a:schemeClr val="tx1"/>
+          </a:solidFill>
+          <a:latin typeface="+mn-lt"/>
+          <a:ea typeface="+mn-ea"/>
+          <a:cs typeface="+mn-cs"/>
+        </a:defRPr>
+      </a:lvl8pPr>
+      <a:lvl9pPr marL="3886200" indent="-228600" algn="l" defTabSz="914400" rtl="0" eaLnBrk="1" latinLnBrk="0" hangingPunct="1">
+        <a:lnSpc>
+          <a:spcPct val="90000"/>
+        </a:lnSpc>
+        <a:spcBef>
+          <a:spcPts val="500"/>
+        </a:spcBef>
+        <a:buFont typeface="Arial" panose="020B0604020202020204" pitchFamily="34" charset="0"/>
+        <a:buChar char="•"/>
+        <a:defRPr sz="1800" kern="1200">
+          <a:solidFill>
+            <a:schemeClr val="tx1"/>
+          </a:solidFill>
+          <a:latin typeface="+mn-lt"/>
+          <a:ea typeface="+mn-ea"/>
+          <a:cs typeface="+mn-cs"/>
+        </a:defRPr>
+      </a:lvl9pPr>
+    </p:bodyStyle>
+    <p:otherStyle>
+      <a:defPPr>
+        <a:defRPr lang="fr-FR"/>
+      </a:defPPr>
+      <a:lvl1pPr marL="0" algn="l" defTabSz="914400" rtl="0" eaLnBrk="1" latinLnBrk="0" hangingPunct="1">
+        <a:defRPr sz="1800" kern="1200">
+          <a:solidFill>
+            <a:schemeClr val="tx1"/>
+          </a:solidFill>
+          <a:latin typeface="+mn-lt"/>
+          <a:ea typeface="+mn-ea"/>
+          <a:cs typeface="+mn-cs"/>
+        </a:defRPr>
+      </a:lvl1pPr>
+      <a:lvl2pPr marL="457200" algn="l" defTabSz="914400" rtl="0" eaLnBrk="1" latinLnBrk="0" hangingPunct="1">
+        <a:defRPr sz="1800" kern="1200">
+          <a:solidFill>
+            <a:schemeClr val="tx1"/>
+          </a:solidFill>
+          <a:latin typeface="+mn-lt"/>
+          <a:ea typeface="+mn-ea"/>
+          <a:cs typeface="+mn-cs"/>
+        </a:defRPr>
+      </a:lvl2pPr>
+      <a:lvl3pPr marL="914400" algn="l" defTabSz="914400" rtl="0" eaLnBrk="1" latinLnBrk="0" hangingPunct="1">
+        <a:defRPr sz="1800" kern="1200">
+          <a:solidFill>
+            <a:schemeClr val="tx1"/>
+          </a:solidFill>
+          <a:latin typeface="+mn-lt"/>
+          <a:ea typeface="+mn-ea"/>
+          <a:cs typeface="+mn-cs"/>
+        </a:defRPr>
+      </a:lvl3pPr>
+      <a:lvl4pPr marL="1371600" algn="l" defTabSz="914400" rtl="0" eaLnBrk="1" latinLnBrk="0" hangingPunct="1">
+        <a:defRPr sz="1800" kern="1200">
+          <a:solidFill>
+            <a:schemeClr val="tx1"/>
+          </a:solidFill>
+          <a:latin typeface="+mn-lt"/>
+          <a:ea typeface="+mn-ea"/>
+          <a:cs typeface="+mn-cs"/>
+        </a:defRPr>
+      </a:lvl4pPr>
+      <a:lvl5pPr marL="1828800" algn="l" defTabSz="914400" rtl="0" eaLnBrk="1" latinLnBrk="0" hangingPunct="1">
+        <a:defRPr sz="1800" kern="1200">
+          <a:solidFill>
+            <a:schemeClr val="tx1"/>
+          </a:solidFill>
+          <a:latin typeface="+mn-lt"/>
+          <a:ea typeface="+mn-ea"/>
+          <a:cs typeface="+mn-cs"/>
+        </a:defRPr>
+      </a:lvl5pPr>
+      <a:lvl6pPr marL="2286000" algn="l" defTabSz="914400" rtl="0" eaLnBrk="1" latinLnBrk="0" hangingPunct="1">
+        <a:defRPr sz="1800" kern="1200">
+          <a:solidFill>
+            <a:schemeClr val="tx1"/>
+          </a:solidFill>
+          <a:latin typeface="+mn-lt"/>
+          <a:ea typeface="+mn-ea"/>
+          <a:cs typeface="+mn-cs"/>
+        </a:defRPr>
+      </a:lvl6pPr>
+      <a:lvl7pPr marL="2743200" algn="l" defTabSz="914400" rtl="0" eaLnBrk="1" latinLnBrk="0" hangingPunct="1">
+        <a:defRPr sz="1800" kern="1200">
+          <a:solidFill>
+            <a:schemeClr val="tx1"/>
+          </a:solidFill>
+          <a:latin typeface="+mn-lt"/>
+          <a:ea typeface="+mn-ea"/>
+          <a:cs typeface="+mn-cs"/>
+        </a:defRPr>
+      </a:lvl7pPr>
+      <a:lvl8pPr marL="3200400" algn="l" defTabSz="914400" rtl="0" eaLnBrk="1" latinLnBrk="0" hangingPunct="1">
+        <a:defRPr sz="1800" kern="1200">
+          <a:solidFill>
+            <a:schemeClr val="tx1"/>
+          </a:solidFill>
+          <a:latin typeface="+mn-lt"/>
+          <a:ea typeface="+mn-ea"/>
+          <a:cs typeface="+mn-cs"/>
+        </a:defRPr>
+      </a:lvl8pPr>
+      <a:lvl9pPr marL="3657600" algn="l" defTabSz="914400" rtl="0" eaLnBrk="1" latinLnBrk="0" hangingPunct="1">
+        <a:defRPr sz="1800" kern="1200">
+          <a:solidFill>
+            <a:schemeClr val="tx1"/>
+          </a:solidFill>
+          <a:latin typeface="+mn-lt"/>
+          <a:ea typeface="+mn-ea"/>
+          <a:cs typeface="+mn-cs"/>
+        </a:defRPr>
+      </a:lvl9pPr>
+    </p:otherStyle>
+  </p:txStyles>
 </p:sldMaster>
 </file>
 
 <file path=ppt/slides/slide1.xml><?xml version="1.0" encoding="utf-8"?>
-<p:sld xmlns:a="http://schemas.openxmlformats.org/drawingml/2006/main" xmlns:p="http://schemas.openxmlformats.org/presentationml/2006/main" xmlns:r="http://schemas.openxmlformats.org/officeDocument/2006/relationships" xmlns:p14="http://schemas.microsoft.com/office/powerpoint/2010/main" xmlns:p15="http://schemas.microsoft.com/office/powerpoint/2012/main" xmlns:mc="http://schemas.openxmlformats.org/markup-compatibility/2006">
+<p:sld xmlns:a="http://schemas.openxmlformats.org/drawingml/2006/main" xmlns:r="http://schemas.openxmlformats.org/officeDocument/2006/relationships" xmlns:p="http://schemas.openxmlformats.org/presentationml/2006/main">
   <p:cSld>
     <p:spTree>
       <p:nvGrpSpPr>
@@ -2016,14 +2421,14 @@
             <a:avLst/>
           </a:prstGeom>
           <a:blipFill rotWithShape="0">
-            <a:blip r:embed="rId1"/>
+            <a:blip r:embed="rId2"/>
             <a:stretch>
               <a:fillRect/>
             </a:stretch>
           </a:blipFill>
           <a:ln>
             <a:solidFill>
-              <a:srgbClr val="dae3f3"/>
+              <a:srgbClr val="DAE3F3"/>
             </a:solidFill>
           </a:ln>
         </p:spPr>
@@ -2062,13 +2467,20 @@
           </a:ln>
         </p:spPr>
         <p:style>
-          <a:lnRef idx="0"/>
-          <a:fillRef idx="0"/>
-          <a:effectRef idx="0"/>
+          <a:lnRef idx="0">
+            <a:scrgbClr r="0" g="0" b="0"/>
+          </a:lnRef>
+          <a:fillRef idx="0">
+            <a:scrgbClr r="0" g="0" b="0"/>
+          </a:fillRef>
+          <a:effectRef idx="0">
+            <a:scrgbClr r="0" g="0" b="0"/>
+          </a:effectRef>
           <a:fontRef idx="minor"/>
         </p:style>
         <p:txBody>
-          <a:bodyPr wrap="none" lIns="90000" rIns="90000" tIns="45000" bIns="45000"/>
+          <a:bodyPr wrap="none" lIns="90000" tIns="45000" rIns="90000" bIns="45000"/>
+          <a:lstStyle/>
           <a:p>
             <a:pPr>
               <a:lnSpc>
@@ -2076,7 +2488,7 @@
               </a:lnSpc>
             </a:pPr>
             <a:r>
-              <a:rPr b="1" lang="fr-FR" sz="2000" spc="-1" strike="noStrike">
+              <a:rPr lang="fr-FR" sz="2000" b="1" strike="noStrike" spc="-1">
                 <a:solidFill>
                   <a:srgbClr val="000000"/>
                 </a:solidFill>
@@ -2084,7 +2496,7 @@
               </a:rPr>
               <a:t>AWS Amplify</a:t>
             </a:r>
-            <a:endParaRPr b="0" lang="fr-FR" sz="2000" spc="-1" strike="noStrike">
+            <a:endParaRPr lang="fr-FR" sz="2000" b="0" strike="noStrike" spc="-1">
               <a:latin typeface="Arial"/>
             </a:endParaRPr>
           </a:p>
@@ -2092,12 +2504,12 @@
       </p:sp>
       <p:pic>
         <p:nvPicPr>
-          <p:cNvPr id="46" name="Image 15" descr=""/>
+          <p:cNvPr id="46" name="Image 15"/>
           <p:cNvPicPr/>
           <p:nvPr/>
         </p:nvPicPr>
         <p:blipFill>
-          <a:blip r:embed="rId2"/>
+          <a:blip r:embed="rId3"/>
           <a:stretch/>
         </p:blipFill>
         <p:spPr>
@@ -2133,13 +2545,20 @@
           </a:ln>
         </p:spPr>
         <p:style>
-          <a:lnRef idx="0"/>
-          <a:fillRef idx="0"/>
-          <a:effectRef idx="0"/>
+          <a:lnRef idx="0">
+            <a:scrgbClr r="0" g="0" b="0"/>
+          </a:lnRef>
+          <a:fillRef idx="0">
+            <a:scrgbClr r="0" g="0" b="0"/>
+          </a:fillRef>
+          <a:effectRef idx="0">
+            <a:scrgbClr r="0" g="0" b="0"/>
+          </a:effectRef>
           <a:fontRef idx="minor"/>
         </p:style>
         <p:txBody>
-          <a:bodyPr wrap="none" lIns="90000" rIns="90000" tIns="45000" bIns="45000"/>
+          <a:bodyPr wrap="none" lIns="90000" tIns="45000" rIns="90000" bIns="45000"/>
+          <a:lstStyle/>
           <a:p>
             <a:pPr>
               <a:lnSpc>
@@ -2147,7 +2566,7 @@
               </a:lnSpc>
             </a:pPr>
             <a:r>
-              <a:rPr b="0" lang="fr-FR" sz="2000" spc="-1" strike="noStrike">
+              <a:rPr lang="fr-FR" sz="2000" b="0" strike="noStrike" spc="-1">
                 <a:solidFill>
                   <a:srgbClr val="000000"/>
                 </a:solidFill>
@@ -2155,7 +2574,7 @@
               </a:rPr>
               <a:t>Frontend React</a:t>
             </a:r>
-            <a:endParaRPr b="0" lang="fr-FR" sz="2000" spc="-1" strike="noStrike">
+            <a:endParaRPr lang="fr-FR" sz="2000" b="0" strike="noStrike" spc="-1">
               <a:latin typeface="Arial"/>
             </a:endParaRPr>
           </a:p>
@@ -2306,7 +2725,7 @@
             <a:avLst/>
           </a:prstGeom>
           <a:blipFill rotWithShape="0">
-            <a:blip r:embed="rId3"/>
+            <a:blip r:embed="rId2"/>
             <a:stretch>
               <a:fillRect/>
             </a:stretch>
@@ -2355,13 +2774,20 @@
           </a:ln>
         </p:spPr>
         <p:style>
-          <a:lnRef idx="0"/>
-          <a:fillRef idx="0"/>
-          <a:effectRef idx="0"/>
+          <a:lnRef idx="0">
+            <a:scrgbClr r="0" g="0" b="0"/>
+          </a:lnRef>
+          <a:fillRef idx="0">
+            <a:scrgbClr r="0" g="0" b="0"/>
+          </a:fillRef>
+          <a:effectRef idx="0">
+            <a:scrgbClr r="0" g="0" b="0"/>
+          </a:effectRef>
           <a:fontRef idx="minor"/>
         </p:style>
         <p:txBody>
-          <a:bodyPr wrap="none" lIns="90000" rIns="90000" tIns="45000" bIns="45000"/>
+          <a:bodyPr wrap="none" lIns="90000" tIns="45000" rIns="90000" bIns="45000"/>
+          <a:lstStyle/>
           <a:p>
             <a:pPr>
               <a:lnSpc>
@@ -2369,7 +2795,7 @@
               </a:lnSpc>
             </a:pPr>
             <a:r>
-              <a:rPr b="1" lang="fr-FR" sz="2000" spc="-1" strike="noStrike">
+              <a:rPr lang="fr-FR" sz="2000" b="1" strike="noStrike" spc="-1">
                 <a:solidFill>
                   <a:srgbClr val="000000"/>
                 </a:solidFill>
@@ -2378,7 +2804,7 @@
               <a:t>AWS Lambda  </a:t>
             </a:r>
             <a:r>
-              <a:rPr b="1" lang="fr-FR" sz="2000" spc="-1" strike="noStrike">
+              <a:rPr lang="fr-FR" sz="2000" b="1" strike="noStrike" spc="-1">
                 <a:solidFill>
                   <a:srgbClr val="808080"/>
                 </a:solidFill>
@@ -2386,7 +2812,7 @@
               </a:rPr>
               <a:t>+</a:t>
             </a:r>
-            <a:endParaRPr b="0" lang="fr-FR" sz="2000" spc="-1" strike="noStrike">
+            <a:endParaRPr lang="fr-FR" sz="2000" b="0" strike="noStrike" spc="-1">
               <a:latin typeface="Arial"/>
             </a:endParaRPr>
           </a:p>
@@ -2456,13 +2882,20 @@
           </a:ln>
         </p:spPr>
         <p:style>
-          <a:lnRef idx="0"/>
-          <a:fillRef idx="0"/>
-          <a:effectRef idx="0"/>
+          <a:lnRef idx="0">
+            <a:scrgbClr r="0" g="0" b="0"/>
+          </a:lnRef>
+          <a:fillRef idx="0">
+            <a:scrgbClr r="0" g="0" b="0"/>
+          </a:fillRef>
+          <a:effectRef idx="0">
+            <a:scrgbClr r="0" g="0" b="0"/>
+          </a:effectRef>
           <a:fontRef idx="minor"/>
         </p:style>
         <p:txBody>
-          <a:bodyPr wrap="none" lIns="90000" rIns="90000" tIns="45000" bIns="45000"/>
+          <a:bodyPr wrap="none" lIns="90000" tIns="45000" rIns="90000" bIns="45000"/>
+          <a:lstStyle/>
           <a:p>
             <a:pPr>
               <a:lnSpc>
@@ -2470,7 +2903,7 @@
               </a:lnSpc>
             </a:pPr>
             <a:r>
-              <a:rPr b="1" lang="fr-FR" sz="2000" spc="-1" strike="noStrike">
+              <a:rPr lang="fr-FR" sz="2000" b="1" strike="noStrike" spc="-1">
                 <a:solidFill>
                   <a:srgbClr val="000000"/>
                 </a:solidFill>
@@ -2478,7 +2911,7 @@
               </a:rPr>
               <a:t>API Gateway</a:t>
             </a:r>
-            <a:endParaRPr b="0" lang="fr-FR" sz="2000" spc="-1" strike="noStrike">
+            <a:endParaRPr lang="fr-FR" sz="2000" b="0" strike="noStrike" spc="-1">
               <a:latin typeface="Arial"/>
             </a:endParaRPr>
           </a:p>
@@ -2486,7 +2919,7 @@
       </p:sp>
       <p:pic>
         <p:nvPicPr>
-          <p:cNvPr id="55" name="Image 30" descr=""/>
+          <p:cNvPr id="55" name="Image 30"/>
           <p:cNvPicPr/>
           <p:nvPr/>
         </p:nvPicPr>
@@ -2509,7 +2942,7 @@
       </p:pic>
       <p:pic>
         <p:nvPicPr>
-          <p:cNvPr id="56" name="Image 34" descr=""/>
+          <p:cNvPr id="56" name="Image 34"/>
           <p:cNvPicPr/>
           <p:nvPr/>
         </p:nvPicPr>
@@ -2550,13 +2983,20 @@
           </a:ln>
         </p:spPr>
         <p:style>
-          <a:lnRef idx="0"/>
-          <a:fillRef idx="0"/>
-          <a:effectRef idx="0"/>
+          <a:lnRef idx="0">
+            <a:scrgbClr r="0" g="0" b="0"/>
+          </a:lnRef>
+          <a:fillRef idx="0">
+            <a:scrgbClr r="0" g="0" b="0"/>
+          </a:fillRef>
+          <a:effectRef idx="0">
+            <a:scrgbClr r="0" g="0" b="0"/>
+          </a:effectRef>
           <a:fontRef idx="minor"/>
         </p:style>
         <p:txBody>
-          <a:bodyPr lIns="90000" rIns="90000" tIns="45000" bIns="45000"/>
+          <a:bodyPr lIns="90000" tIns="45000" rIns="90000" bIns="45000"/>
+          <a:lstStyle/>
           <a:p>
             <a:pPr>
               <a:lnSpc>
@@ -2564,7 +3004,7 @@
               </a:lnSpc>
             </a:pPr>
             <a:r>
-              <a:rPr b="0" lang="fr-FR" sz="2000" spc="-1" strike="noStrike">
+              <a:rPr lang="fr-FR" sz="2000" b="0" strike="noStrike" spc="-1">
                 <a:solidFill>
                   <a:srgbClr val="000000"/>
                 </a:solidFill>
@@ -2572,7 +3012,7 @@
               </a:rPr>
               <a:t>Python REST API</a:t>
             </a:r>
-            <a:endParaRPr b="0" lang="fr-FR" sz="2000" spc="-1" strike="noStrike">
+            <a:endParaRPr lang="fr-FR" sz="2000" b="0" strike="noStrike" spc="-1">
               <a:latin typeface="Arial"/>
             </a:endParaRPr>
           </a:p>
@@ -2623,7 +3063,8 @@
           <a:fontRef idx="minor"/>
         </p:style>
         <p:txBody>
-          <a:bodyPr lIns="90000" rIns="90000" tIns="45000" bIns="45000" anchor="ctr"/>
+          <a:bodyPr lIns="90000" tIns="45000" rIns="90000" bIns="45000" anchor="ctr"/>
+          <a:lstStyle/>
           <a:p>
             <a:pPr algn="ctr">
               <a:lnSpc>
@@ -2631,7 +3072,7 @@
               </a:lnSpc>
             </a:pPr>
             <a:r>
-              <a:rPr b="0" lang="fr-FR" sz="1000" spc="-1" strike="noStrike">
+              <a:rPr lang="fr-FR" sz="1000" b="0" strike="noStrike" spc="-1">
                 <a:solidFill>
                   <a:srgbClr val="808080"/>
                 </a:solidFill>
@@ -2640,7 +3081,7 @@
               </a:rPr>
               <a:t>Deployed using Zappa</a:t>
             </a:r>
-            <a:endParaRPr b="0" lang="fr-FR" sz="1000" spc="-1" strike="noStrike">
+            <a:endParaRPr lang="fr-FR" sz="1000" b="0" strike="noStrike" spc="-1">
               <a:latin typeface="Arial"/>
             </a:endParaRPr>
           </a:p>
@@ -2791,14 +3232,14 @@
             <a:avLst/>
           </a:prstGeom>
           <a:blipFill rotWithShape="0">
-            <a:blip r:embed="rId7"/>
+            <a:blip r:embed="rId2"/>
             <a:stretch>
               <a:fillRect/>
             </a:stretch>
           </a:blipFill>
           <a:ln>
             <a:solidFill>
-              <a:srgbClr val="dae3f3"/>
+              <a:srgbClr val="DAE3F3"/>
             </a:solidFill>
           </a:ln>
         </p:spPr>
@@ -2837,13 +3278,20 @@
           </a:ln>
         </p:spPr>
         <p:style>
-          <a:lnRef idx="0"/>
-          <a:fillRef idx="0"/>
-          <a:effectRef idx="0"/>
+          <a:lnRef idx="0">
+            <a:scrgbClr r="0" g="0" b="0"/>
+          </a:lnRef>
+          <a:fillRef idx="0">
+            <a:scrgbClr r="0" g="0" b="0"/>
+          </a:fillRef>
+          <a:effectRef idx="0">
+            <a:scrgbClr r="0" g="0" b="0"/>
+          </a:effectRef>
           <a:fontRef idx="minor"/>
         </p:style>
         <p:txBody>
-          <a:bodyPr wrap="none" lIns="90000" rIns="90000" tIns="45000" bIns="45000"/>
+          <a:bodyPr wrap="none" lIns="90000" tIns="45000" rIns="90000" bIns="45000"/>
+          <a:lstStyle/>
           <a:p>
             <a:pPr>
               <a:lnSpc>
@@ -2851,7 +3299,7 @@
               </a:lnSpc>
             </a:pPr>
             <a:r>
-              <a:rPr b="1" lang="fr-FR" sz="2000" spc="-1" strike="noStrike">
+              <a:rPr lang="fr-FR" sz="2000" b="1" strike="noStrike" spc="-1">
                 <a:solidFill>
                   <a:srgbClr val="000000"/>
                 </a:solidFill>
@@ -2859,7 +3307,7 @@
               </a:rPr>
               <a:t>AWS Amplify</a:t>
             </a:r>
-            <a:endParaRPr b="0" lang="fr-FR" sz="2000" spc="-1" strike="noStrike">
+            <a:endParaRPr lang="fr-FR" sz="2000" b="0" strike="noStrike" spc="-1">
               <a:latin typeface="Arial"/>
             </a:endParaRPr>
           </a:p>
@@ -2867,12 +3315,12 @@
       </p:sp>
       <p:pic>
         <p:nvPicPr>
-          <p:cNvPr id="64" name="Image 43" descr=""/>
+          <p:cNvPr id="64" name="Image 43"/>
           <p:cNvPicPr/>
           <p:nvPr/>
         </p:nvPicPr>
         <p:blipFill>
-          <a:blip r:embed="rId8"/>
+          <a:blip r:embed="rId3"/>
           <a:stretch/>
         </p:blipFill>
         <p:spPr>
@@ -2908,13 +3356,20 @@
           </a:ln>
         </p:spPr>
         <p:style>
-          <a:lnRef idx="0"/>
-          <a:fillRef idx="0"/>
-          <a:effectRef idx="0"/>
+          <a:lnRef idx="0">
+            <a:scrgbClr r="0" g="0" b="0"/>
+          </a:lnRef>
+          <a:fillRef idx="0">
+            <a:scrgbClr r="0" g="0" b="0"/>
+          </a:fillRef>
+          <a:effectRef idx="0">
+            <a:scrgbClr r="0" g="0" b="0"/>
+          </a:effectRef>
           <a:fontRef idx="minor"/>
         </p:style>
         <p:txBody>
-          <a:bodyPr wrap="none" lIns="90000" rIns="90000" tIns="45000" bIns="45000"/>
+          <a:bodyPr wrap="none" lIns="90000" tIns="45000" rIns="90000" bIns="45000"/>
+          <a:lstStyle/>
           <a:p>
             <a:pPr>
               <a:lnSpc>
@@ -2922,7 +3377,7 @@
               </a:lnSpc>
             </a:pPr>
             <a:r>
-              <a:rPr b="0" lang="fr-FR" sz="2000" spc="-1" strike="noStrike">
+              <a:rPr lang="fr-FR" sz="2000" b="0" strike="noStrike" spc="-1">
                 <a:solidFill>
                   <a:srgbClr val="000000"/>
                 </a:solidFill>
@@ -2930,7 +3385,7 @@
               </a:rPr>
               <a:t>Frontend React</a:t>
             </a:r>
-            <a:endParaRPr b="0" lang="fr-FR" sz="2000" spc="-1" strike="noStrike">
+            <a:endParaRPr lang="fr-FR" sz="2000" b="0" strike="noStrike" spc="-1">
               <a:latin typeface="Arial"/>
             </a:endParaRPr>
           </a:p>
@@ -2938,6 +3393,9 @@
       </p:sp>
     </p:spTree>
   </p:cSld>
+  <p:clrMapOvr>
+    <a:masterClrMapping/>
+  </p:clrMapOvr>
   <p:timing>
     <p:tnLst>
       <p:par>
@@ -2946,14 +3404,14 @@
             <p:seq>
               <p:cTn id="2" dur="indefinite" nodeType="mainSeq"/>
               <p:prevCondLst>
-                <p:cond delay="0" evt="onPrev">
+                <p:cond evt="onPrev" delay="0">
                   <p:tgtEl>
                     <p:sldTgt/>
                   </p:tgtEl>
                 </p:cond>
               </p:prevCondLst>
               <p:nextCondLst>
-                <p:cond delay="0" evt="onNext">
+                <p:cond evt="onNext" delay="0">
                   <p:tgtEl>
                     <p:sldTgt/>
                   </p:tgtEl>
@@ -2969,7 +3427,7 @@
 </file>
 
 <file path=ppt/slides/slide10.xml><?xml version="1.0" encoding="utf-8"?>
-<p:sld xmlns:a="http://schemas.openxmlformats.org/drawingml/2006/main" xmlns:p="http://schemas.openxmlformats.org/presentationml/2006/main" xmlns:r="http://schemas.openxmlformats.org/officeDocument/2006/relationships" xmlns:p14="http://schemas.microsoft.com/office/powerpoint/2010/main" xmlns:p15="http://schemas.microsoft.com/office/powerpoint/2012/main" xmlns:mc="http://schemas.openxmlformats.org/markup-compatibility/2006">
+<p:sld xmlns:a="http://schemas.openxmlformats.org/drawingml/2006/main" xmlns:r="http://schemas.openxmlformats.org/officeDocument/2006/relationships" xmlns:p="http://schemas.openxmlformats.org/presentationml/2006/main">
   <p:cSld>
     <p:spTree>
       <p:nvGrpSpPr>
@@ -3005,9 +3463,10 @@
           </a:ln>
         </p:spPr>
         <p:txBody>
-          <a:bodyPr lIns="0" rIns="0" tIns="0" bIns="0" anchor="ctr"/>
-          <a:p>
-            <a:endParaRPr b="0" lang="fr-FR" sz="1800" spc="-1" strike="noStrike">
+          <a:bodyPr lIns="0" tIns="0" rIns="0" bIns="0" anchor="ctr"/>
+          <a:lstStyle/>
+          <a:p>
+            <a:endParaRPr lang="fr-FR" sz="1800" b="0" strike="noStrike" spc="-1">
               <a:solidFill>
                 <a:srgbClr val="000000"/>
               </a:solidFill>
@@ -3018,30 +3477,7 @@
       </p:sp>
       <p:pic>
         <p:nvPicPr>
-          <p:cNvPr id="119" name="" descr=""/>
-          <p:cNvPicPr/>
-          <p:nvPr/>
-        </p:nvPicPr>
-        <p:blipFill>
-          <a:blip r:embed="rId1"/>
-          <a:stretch/>
-        </p:blipFill>
-        <p:spPr>
-          <a:xfrm>
-            <a:off x="2756520" y="876240"/>
-            <a:ext cx="5883480" cy="5997600"/>
-          </a:xfrm>
-          <a:prstGeom prst="rect">
-            <a:avLst/>
-          </a:prstGeom>
-          <a:ln>
-            <a:noFill/>
-          </a:ln>
-        </p:spPr>
-      </p:pic>
-      <p:pic>
-        <p:nvPicPr>
-          <p:cNvPr id="120" name="" descr=""/>
+          <p:cNvPr id="119" name="Image 118"/>
           <p:cNvPicPr/>
           <p:nvPr/>
         </p:nvPicPr>
@@ -3051,6 +3487,29 @@
         </p:blipFill>
         <p:spPr>
           <a:xfrm>
+            <a:off x="2756520" y="876240"/>
+            <a:ext cx="5883480" cy="5997600"/>
+          </a:xfrm>
+          <a:prstGeom prst="rect">
+            <a:avLst/>
+          </a:prstGeom>
+          <a:ln>
+            <a:noFill/>
+          </a:ln>
+        </p:spPr>
+      </p:pic>
+      <p:pic>
+        <p:nvPicPr>
+          <p:cNvPr id="120" name="Image 119"/>
+          <p:cNvPicPr/>
+          <p:nvPr/>
+        </p:nvPicPr>
+        <p:blipFill>
+          <a:blip r:embed="rId3"/>
+          <a:stretch/>
+        </p:blipFill>
+        <p:spPr>
+          <a:xfrm>
             <a:off x="2760480" y="16200"/>
             <a:ext cx="6719400" cy="6857640"/>
           </a:xfrm>
@@ -3064,22 +3523,25 @@
       </p:pic>
     </p:spTree>
   </p:cSld>
+  <p:clrMapOvr>
+    <a:masterClrMapping/>
+  </p:clrMapOvr>
   <p:timing>
     <p:tnLst>
       <p:par>
-        <p:cTn id="19" dur="indefinite" restart="never" nodeType="tmRoot">
+        <p:cTn id="1" dur="indefinite" restart="never" nodeType="tmRoot">
           <p:childTnLst>
             <p:seq>
-              <p:cTn id="20" dur="indefinite" nodeType="mainSeq"/>
+              <p:cTn id="2" dur="indefinite" nodeType="mainSeq"/>
               <p:prevCondLst>
-                <p:cond delay="0" evt="onPrev">
+                <p:cond evt="onPrev" delay="0">
                   <p:tgtEl>
                     <p:sldTgt/>
                   </p:tgtEl>
                 </p:cond>
               </p:prevCondLst>
               <p:nextCondLst>
-                <p:cond delay="0" evt="onNext">
+                <p:cond evt="onNext" delay="0">
                   <p:tgtEl>
                     <p:sldTgt/>
                   </p:tgtEl>
@@ -3095,7 +3557,7 @@
 </file>
 
 <file path=ppt/slides/slide11.xml><?xml version="1.0" encoding="utf-8"?>
-<p:sld xmlns:a="http://schemas.openxmlformats.org/drawingml/2006/main" xmlns:p="http://schemas.openxmlformats.org/presentationml/2006/main" xmlns:r="http://schemas.openxmlformats.org/officeDocument/2006/relationships" xmlns:p14="http://schemas.microsoft.com/office/powerpoint/2010/main" xmlns:p15="http://schemas.microsoft.com/office/powerpoint/2012/main" xmlns:mc="http://schemas.openxmlformats.org/markup-compatibility/2006">
+<p:sld xmlns:a="http://schemas.openxmlformats.org/drawingml/2006/main" xmlns:r="http://schemas.openxmlformats.org/officeDocument/2006/relationships" xmlns:p="http://schemas.openxmlformats.org/presentationml/2006/main">
   <p:cSld>
     <p:spTree>
       <p:nvGrpSpPr>
@@ -3131,9 +3593,10 @@
           </a:ln>
         </p:spPr>
         <p:txBody>
-          <a:bodyPr lIns="0" rIns="0" tIns="0" bIns="0" anchor="ctr"/>
-          <a:p>
-            <a:endParaRPr b="0" lang="fr-FR" sz="1800" spc="-1" strike="noStrike">
+          <a:bodyPr lIns="0" tIns="0" rIns="0" bIns="0" anchor="ctr"/>
+          <a:lstStyle/>
+          <a:p>
+            <a:endParaRPr lang="fr-FR" sz="1800" b="0" strike="noStrike" spc="-1">
               <a:solidFill>
                 <a:srgbClr val="000000"/>
               </a:solidFill>
@@ -3144,12 +3607,12 @@
       </p:sp>
       <p:pic>
         <p:nvPicPr>
-          <p:cNvPr id="122" name="" descr=""/>
+          <p:cNvPr id="122" name="Image 121"/>
           <p:cNvPicPr/>
           <p:nvPr/>
         </p:nvPicPr>
         <p:blipFill>
-          <a:blip r:embed="rId1"/>
+          <a:blip r:embed="rId2"/>
           <a:stretch/>
         </p:blipFill>
         <p:spPr>
@@ -3167,22 +3630,25 @@
       </p:pic>
     </p:spTree>
   </p:cSld>
+  <p:clrMapOvr>
+    <a:masterClrMapping/>
+  </p:clrMapOvr>
   <p:timing>
     <p:tnLst>
       <p:par>
-        <p:cTn id="21" dur="indefinite" restart="never" nodeType="tmRoot">
+        <p:cTn id="1" dur="indefinite" restart="never" nodeType="tmRoot">
           <p:childTnLst>
             <p:seq>
-              <p:cTn id="22" dur="indefinite" nodeType="mainSeq"/>
+              <p:cTn id="2" dur="indefinite" nodeType="mainSeq"/>
               <p:prevCondLst>
-                <p:cond delay="0" evt="onPrev">
+                <p:cond evt="onPrev" delay="0">
                   <p:tgtEl>
                     <p:sldTgt/>
                   </p:tgtEl>
                 </p:cond>
               </p:prevCondLst>
               <p:nextCondLst>
-                <p:cond delay="0" evt="onNext">
+                <p:cond evt="onNext" delay="0">
                   <p:tgtEl>
                     <p:sldTgt/>
                   </p:tgtEl>
@@ -3198,7 +3664,7 @@
 </file>
 
 <file path=ppt/slides/slide12.xml><?xml version="1.0" encoding="utf-8"?>
-<p:sld xmlns:a="http://schemas.openxmlformats.org/drawingml/2006/main" xmlns:p="http://schemas.openxmlformats.org/presentationml/2006/main" xmlns:r="http://schemas.openxmlformats.org/officeDocument/2006/relationships" xmlns:p14="http://schemas.microsoft.com/office/powerpoint/2010/main" xmlns:p15="http://schemas.microsoft.com/office/powerpoint/2012/main" xmlns:mc="http://schemas.openxmlformats.org/markup-compatibility/2006">
+<p:sld xmlns:a="http://schemas.openxmlformats.org/drawingml/2006/main" xmlns:r="http://schemas.openxmlformats.org/officeDocument/2006/relationships" xmlns:p="http://schemas.openxmlformats.org/presentationml/2006/main">
   <p:cSld>
     <p:spTree>
       <p:nvGrpSpPr>
@@ -3234,9 +3700,10 @@
           </a:ln>
         </p:spPr>
         <p:txBody>
-          <a:bodyPr lIns="0" rIns="0" tIns="0" bIns="0" anchor="ctr"/>
-          <a:p>
-            <a:endParaRPr b="0" lang="fr-FR" sz="1800" spc="-1" strike="noStrike">
+          <a:bodyPr lIns="0" tIns="0" rIns="0" bIns="0" anchor="ctr"/>
+          <a:lstStyle/>
+          <a:p>
+            <a:endParaRPr lang="fr-FR" sz="1800" b="0" strike="noStrike" spc="-1">
               <a:solidFill>
                 <a:srgbClr val="000000"/>
               </a:solidFill>
@@ -3247,12 +3714,12 @@
       </p:sp>
       <p:pic>
         <p:nvPicPr>
-          <p:cNvPr id="124" name="" descr=""/>
+          <p:cNvPr id="124" name="Image 123"/>
           <p:cNvPicPr/>
           <p:nvPr/>
         </p:nvPicPr>
         <p:blipFill>
-          <a:blip r:embed="rId1"/>
+          <a:blip r:embed="rId2"/>
           <a:stretch/>
         </p:blipFill>
         <p:spPr>
@@ -3270,22 +3737,25 @@
       </p:pic>
     </p:spTree>
   </p:cSld>
+  <p:clrMapOvr>
+    <a:masterClrMapping/>
+  </p:clrMapOvr>
   <p:timing>
     <p:tnLst>
       <p:par>
-        <p:cTn id="23" dur="indefinite" restart="never" nodeType="tmRoot">
+        <p:cTn id="1" dur="indefinite" restart="never" nodeType="tmRoot">
           <p:childTnLst>
             <p:seq>
-              <p:cTn id="24" dur="indefinite" nodeType="mainSeq"/>
+              <p:cTn id="2" dur="indefinite" nodeType="mainSeq"/>
               <p:prevCondLst>
-                <p:cond delay="0" evt="onPrev">
+                <p:cond evt="onPrev" delay="0">
                   <p:tgtEl>
                     <p:sldTgt/>
                   </p:tgtEl>
                 </p:cond>
               </p:prevCondLst>
               <p:nextCondLst>
-                <p:cond delay="0" evt="onNext">
+                <p:cond evt="onNext" delay="0">
                   <p:tgtEl>
                     <p:sldTgt/>
                   </p:tgtEl>
@@ -3301,7 +3771,7 @@
 </file>
 
 <file path=ppt/slides/slide13.xml><?xml version="1.0" encoding="utf-8"?>
-<p:sld xmlns:a="http://schemas.openxmlformats.org/drawingml/2006/main" xmlns:p="http://schemas.openxmlformats.org/presentationml/2006/main" xmlns:r="http://schemas.openxmlformats.org/officeDocument/2006/relationships" xmlns:p14="http://schemas.microsoft.com/office/powerpoint/2010/main" xmlns:p15="http://schemas.microsoft.com/office/powerpoint/2012/main" xmlns:mc="http://schemas.openxmlformats.org/markup-compatibility/2006">
+<p:sld xmlns:a="http://schemas.openxmlformats.org/drawingml/2006/main" xmlns:r="http://schemas.openxmlformats.org/officeDocument/2006/relationships" xmlns:p="http://schemas.openxmlformats.org/presentationml/2006/main">
   <p:cSld>
     <p:spTree>
       <p:nvGrpSpPr>
@@ -3337,9 +3807,10 @@
           </a:ln>
         </p:spPr>
         <p:txBody>
-          <a:bodyPr lIns="0" rIns="0" tIns="0" bIns="0" anchor="ctr"/>
-          <a:p>
-            <a:endParaRPr b="0" lang="fr-FR" sz="1800" spc="-1" strike="noStrike">
+          <a:bodyPr lIns="0" tIns="0" rIns="0" bIns="0" anchor="ctr"/>
+          <a:lstStyle/>
+          <a:p>
+            <a:endParaRPr lang="fr-FR" sz="1800" b="0" strike="noStrike" spc="-1">
               <a:solidFill>
                 <a:srgbClr val="000000"/>
               </a:solidFill>
@@ -3350,12 +3821,12 @@
       </p:sp>
       <p:pic>
         <p:nvPicPr>
-          <p:cNvPr id="126" name="" descr=""/>
+          <p:cNvPr id="126" name="Image 125"/>
           <p:cNvPicPr/>
           <p:nvPr/>
         </p:nvPicPr>
         <p:blipFill>
-          <a:blip r:embed="rId1"/>
+          <a:blip r:embed="rId2"/>
           <a:stretch/>
         </p:blipFill>
         <p:spPr>
@@ -3373,22 +3844,25 @@
       </p:pic>
     </p:spTree>
   </p:cSld>
+  <p:clrMapOvr>
+    <a:masterClrMapping/>
+  </p:clrMapOvr>
   <p:timing>
     <p:tnLst>
       <p:par>
-        <p:cTn id="25" dur="indefinite" restart="never" nodeType="tmRoot">
+        <p:cTn id="1" dur="indefinite" restart="never" nodeType="tmRoot">
           <p:childTnLst>
             <p:seq>
-              <p:cTn id="26" dur="indefinite" nodeType="mainSeq"/>
+              <p:cTn id="2" dur="indefinite" nodeType="mainSeq"/>
               <p:prevCondLst>
-                <p:cond delay="0" evt="onPrev">
+                <p:cond evt="onPrev" delay="0">
                   <p:tgtEl>
                     <p:sldTgt/>
                   </p:tgtEl>
                 </p:cond>
               </p:prevCondLst>
               <p:nextCondLst>
-                <p:cond delay="0" evt="onNext">
+                <p:cond evt="onNext" delay="0">
                   <p:tgtEl>
                     <p:sldTgt/>
                   </p:tgtEl>
@@ -3404,7 +3878,7 @@
 </file>
 
 <file path=ppt/slides/slide14.xml><?xml version="1.0" encoding="utf-8"?>
-<p:sld xmlns:a="http://schemas.openxmlformats.org/drawingml/2006/main" xmlns:p="http://schemas.openxmlformats.org/presentationml/2006/main" xmlns:r="http://schemas.openxmlformats.org/officeDocument/2006/relationships" xmlns:p14="http://schemas.microsoft.com/office/powerpoint/2010/main" xmlns:p15="http://schemas.microsoft.com/office/powerpoint/2012/main" xmlns:mc="http://schemas.openxmlformats.org/markup-compatibility/2006">
+<p:sld xmlns:a="http://schemas.openxmlformats.org/drawingml/2006/main" xmlns:r="http://schemas.openxmlformats.org/officeDocument/2006/relationships" xmlns:p="http://schemas.openxmlformats.org/presentationml/2006/main">
   <p:cSld>
     <p:spTree>
       <p:nvGrpSpPr>
@@ -3435,18 +3909,24 @@
             <a:avLst/>
           </a:prstGeom>
           <a:solidFill>
-            <a:srgbClr val="729fcf"/>
+            <a:srgbClr val="729FCF"/>
           </a:solidFill>
           <a:ln>
             <a:solidFill>
-              <a:srgbClr val="3465a4"/>
+              <a:srgbClr val="3465A4"/>
             </a:solidFill>
           </a:ln>
         </p:spPr>
         <p:style>
-          <a:lnRef idx="0"/>
-          <a:fillRef idx="0"/>
-          <a:effectRef idx="0"/>
+          <a:lnRef idx="0">
+            <a:scrgbClr r="0" g="0" b="0"/>
+          </a:lnRef>
+          <a:fillRef idx="0">
+            <a:scrgbClr r="0" g="0" b="0"/>
+          </a:fillRef>
+          <a:effectRef idx="0">
+            <a:scrgbClr r="0" g="0" b="0"/>
+          </a:effectRef>
           <a:fontRef idx="minor"/>
         </p:style>
       </p:sp>
@@ -3470,44 +3950,42 @@
           </a:ln>
         </p:spPr>
         <p:txBody>
-          <a:bodyPr lIns="0" rIns="0" tIns="0" bIns="0" anchor="ctr"/>
+          <a:bodyPr lIns="0" tIns="0" rIns="0" bIns="0" anchor="ctr"/>
+          <a:lstStyle/>
           <a:p>
             <a:r>
-              <a:rPr b="1" lang="fr-FR" sz="2800" spc="-1" strike="noStrike">
+              <a:rPr lang="fr-FR" sz="2800" b="1" strike="noStrike" spc="-1">
                 <a:solidFill>
-                  <a:srgbClr val="ffffff"/>
+                  <a:srgbClr val="FFFFFF"/>
                 </a:solidFill>
                 <a:latin typeface="Calibri"/>
               </a:rPr>
               <a:t>STEP 1 : SECURITY GROUP</a:t>
             </a:r>
-            <a:endParaRPr b="1" lang="fr-FR" sz="2800" spc="-1" strike="noStrike">
-              <a:solidFill>
-                <a:srgbClr val="ffffff"/>
-              </a:solidFill>
-              <a:latin typeface="Calibri"/>
-            </a:endParaRPr>
           </a:p>
         </p:txBody>
       </p:sp>
     </p:spTree>
   </p:cSld>
+  <p:clrMapOvr>
+    <a:masterClrMapping/>
+  </p:clrMapOvr>
   <p:timing>
     <p:tnLst>
       <p:par>
-        <p:cTn id="27" dur="indefinite" restart="never" nodeType="tmRoot">
+        <p:cTn id="1" dur="indefinite" restart="never" nodeType="tmRoot">
           <p:childTnLst>
             <p:seq>
-              <p:cTn id="28" dur="indefinite" nodeType="mainSeq"/>
+              <p:cTn id="2" dur="indefinite" nodeType="mainSeq"/>
               <p:prevCondLst>
-                <p:cond delay="0" evt="onPrev">
+                <p:cond evt="onPrev" delay="0">
                   <p:tgtEl>
                     <p:sldTgt/>
                   </p:tgtEl>
                 </p:cond>
               </p:prevCondLst>
               <p:nextCondLst>
-                <p:cond delay="0" evt="onNext">
+                <p:cond evt="onNext" delay="0">
                   <p:tgtEl>
                     <p:sldTgt/>
                   </p:tgtEl>
@@ -3523,7 +4001,7 @@
 </file>
 
 <file path=ppt/slides/slide15.xml><?xml version="1.0" encoding="utf-8"?>
-<p:sld xmlns:a="http://schemas.openxmlformats.org/drawingml/2006/main" xmlns:p="http://schemas.openxmlformats.org/presentationml/2006/main" xmlns:r="http://schemas.openxmlformats.org/officeDocument/2006/relationships" xmlns:p14="http://schemas.microsoft.com/office/powerpoint/2010/main" xmlns:p15="http://schemas.microsoft.com/office/powerpoint/2012/main" xmlns:mc="http://schemas.openxmlformats.org/markup-compatibility/2006">
+<p:sld xmlns:a="http://schemas.openxmlformats.org/drawingml/2006/main" xmlns:r="http://schemas.openxmlformats.org/officeDocument/2006/relationships" xmlns:p="http://schemas.openxmlformats.org/presentationml/2006/main">
   <p:cSld>
     <p:spTree>
       <p:nvGrpSpPr>
@@ -3559,9 +4037,10 @@
           </a:ln>
         </p:spPr>
         <p:txBody>
-          <a:bodyPr lIns="0" rIns="0" tIns="0" bIns="0" anchor="ctr"/>
-          <a:p>
-            <a:endParaRPr b="0" lang="fr-FR" sz="1800" spc="-1" strike="noStrike">
+          <a:bodyPr lIns="0" tIns="0" rIns="0" bIns="0" anchor="ctr"/>
+          <a:lstStyle/>
+          <a:p>
+            <a:endParaRPr lang="fr-FR" sz="1800" b="0" strike="noStrike" spc="-1">
               <a:solidFill>
                 <a:srgbClr val="000000"/>
               </a:solidFill>
@@ -3572,12 +4051,12 @@
       </p:sp>
       <p:pic>
         <p:nvPicPr>
-          <p:cNvPr id="130" name="" descr=""/>
+          <p:cNvPr id="130" name="Image 129"/>
           <p:cNvPicPr/>
           <p:nvPr/>
         </p:nvPicPr>
         <p:blipFill>
-          <a:blip r:embed="rId1"/>
+          <a:blip r:embed="rId2"/>
           <a:stretch/>
         </p:blipFill>
         <p:spPr>
@@ -3610,35 +4089,44 @@
           <a:noFill/>
           <a:ln>
             <a:solidFill>
-              <a:srgbClr val="3465a4"/>
+              <a:srgbClr val="3465A4"/>
             </a:solidFill>
           </a:ln>
         </p:spPr>
         <p:style>
-          <a:lnRef idx="0"/>
-          <a:fillRef idx="0"/>
-          <a:effectRef idx="0"/>
+          <a:lnRef idx="0">
+            <a:scrgbClr r="0" g="0" b="0"/>
+          </a:lnRef>
+          <a:fillRef idx="0">
+            <a:scrgbClr r="0" g="0" b="0"/>
+          </a:fillRef>
+          <a:effectRef idx="0">
+            <a:scrgbClr r="0" g="0" b="0"/>
+          </a:effectRef>
           <a:fontRef idx="minor"/>
         </p:style>
       </p:sp>
     </p:spTree>
   </p:cSld>
+  <p:clrMapOvr>
+    <a:masterClrMapping/>
+  </p:clrMapOvr>
   <p:timing>
     <p:tnLst>
       <p:par>
-        <p:cTn id="29" dur="indefinite" restart="never" nodeType="tmRoot">
+        <p:cTn id="1" dur="indefinite" restart="never" nodeType="tmRoot">
           <p:childTnLst>
             <p:seq>
-              <p:cTn id="30" dur="indefinite" nodeType="mainSeq"/>
+              <p:cTn id="2" dur="indefinite" nodeType="mainSeq"/>
               <p:prevCondLst>
-                <p:cond delay="0" evt="onPrev">
+                <p:cond evt="onPrev" delay="0">
                   <p:tgtEl>
                     <p:sldTgt/>
                   </p:tgtEl>
                 </p:cond>
               </p:prevCondLst>
               <p:nextCondLst>
-                <p:cond delay="0" evt="onNext">
+                <p:cond evt="onNext" delay="0">
                   <p:tgtEl>
                     <p:sldTgt/>
                   </p:tgtEl>
@@ -3654,7 +4142,7 @@
 </file>
 
 <file path=ppt/slides/slide16.xml><?xml version="1.0" encoding="utf-8"?>
-<p:sld xmlns:a="http://schemas.openxmlformats.org/drawingml/2006/main" xmlns:p="http://schemas.openxmlformats.org/presentationml/2006/main" xmlns:r="http://schemas.openxmlformats.org/officeDocument/2006/relationships" xmlns:p14="http://schemas.microsoft.com/office/powerpoint/2010/main" xmlns:p15="http://schemas.microsoft.com/office/powerpoint/2012/main" xmlns:mc="http://schemas.openxmlformats.org/markup-compatibility/2006">
+<p:sld xmlns:a="http://schemas.openxmlformats.org/drawingml/2006/main" xmlns:r="http://schemas.openxmlformats.org/officeDocument/2006/relationships" xmlns:p="http://schemas.openxmlformats.org/presentationml/2006/main">
   <p:cSld>
     <p:spTree>
       <p:nvGrpSpPr>
@@ -3690,9 +4178,10 @@
           </a:ln>
         </p:spPr>
         <p:txBody>
-          <a:bodyPr lIns="0" rIns="0" tIns="0" bIns="0" anchor="ctr"/>
-          <a:p>
-            <a:endParaRPr b="0" lang="fr-FR" sz="1800" spc="-1" strike="noStrike">
+          <a:bodyPr lIns="0" tIns="0" rIns="0" bIns="0" anchor="ctr"/>
+          <a:lstStyle/>
+          <a:p>
+            <a:endParaRPr lang="fr-FR" sz="1800" b="0" strike="noStrike" spc="-1">
               <a:solidFill>
                 <a:srgbClr val="000000"/>
               </a:solidFill>
@@ -3703,12 +4192,12 @@
       </p:sp>
       <p:pic>
         <p:nvPicPr>
-          <p:cNvPr id="133" name="" descr=""/>
+          <p:cNvPr id="133" name="Image 132"/>
           <p:cNvPicPr/>
           <p:nvPr/>
         </p:nvPicPr>
         <p:blipFill>
-          <a:blip r:embed="rId1"/>
+          <a:blip r:embed="rId2"/>
           <a:stretch/>
         </p:blipFill>
         <p:spPr>
@@ -3726,22 +4215,25 @@
       </p:pic>
     </p:spTree>
   </p:cSld>
+  <p:clrMapOvr>
+    <a:masterClrMapping/>
+  </p:clrMapOvr>
   <p:timing>
     <p:tnLst>
       <p:par>
-        <p:cTn id="31" dur="indefinite" restart="never" nodeType="tmRoot">
+        <p:cTn id="1" dur="indefinite" restart="never" nodeType="tmRoot">
           <p:childTnLst>
             <p:seq>
-              <p:cTn id="32" dur="indefinite" nodeType="mainSeq"/>
+              <p:cTn id="2" dur="indefinite" nodeType="mainSeq"/>
               <p:prevCondLst>
-                <p:cond delay="0" evt="onPrev">
+                <p:cond evt="onPrev" delay="0">
                   <p:tgtEl>
                     <p:sldTgt/>
                   </p:tgtEl>
                 </p:cond>
               </p:prevCondLst>
               <p:nextCondLst>
-                <p:cond delay="0" evt="onNext">
+                <p:cond evt="onNext" delay="0">
                   <p:tgtEl>
                     <p:sldTgt/>
                   </p:tgtEl>
@@ -3757,7 +4249,7 @@
 </file>
 
 <file path=ppt/slides/slide17.xml><?xml version="1.0" encoding="utf-8"?>
-<p:sld xmlns:a="http://schemas.openxmlformats.org/drawingml/2006/main" xmlns:p="http://schemas.openxmlformats.org/presentationml/2006/main" xmlns:r="http://schemas.openxmlformats.org/officeDocument/2006/relationships" xmlns:p14="http://schemas.microsoft.com/office/powerpoint/2010/main" xmlns:p15="http://schemas.microsoft.com/office/powerpoint/2012/main" xmlns:mc="http://schemas.openxmlformats.org/markup-compatibility/2006">
+<p:sld xmlns:a="http://schemas.openxmlformats.org/drawingml/2006/main" xmlns:r="http://schemas.openxmlformats.org/officeDocument/2006/relationships" xmlns:p="http://schemas.openxmlformats.org/presentationml/2006/main">
   <p:cSld>
     <p:spTree>
       <p:nvGrpSpPr>
@@ -3793,9 +4285,10 @@
           </a:ln>
         </p:spPr>
         <p:txBody>
-          <a:bodyPr lIns="0" rIns="0" tIns="0" bIns="0" anchor="ctr"/>
-          <a:p>
-            <a:endParaRPr b="0" lang="fr-FR" sz="1800" spc="-1" strike="noStrike">
+          <a:bodyPr lIns="0" tIns="0" rIns="0" bIns="0" anchor="ctr"/>
+          <a:lstStyle/>
+          <a:p>
+            <a:endParaRPr lang="fr-FR" sz="1800" b="0" strike="noStrike" spc="-1">
               <a:solidFill>
                 <a:srgbClr val="000000"/>
               </a:solidFill>
@@ -3806,12 +4299,12 @@
       </p:sp>
       <p:pic>
         <p:nvPicPr>
-          <p:cNvPr id="135" name="" descr=""/>
+          <p:cNvPr id="135" name="Image 134"/>
           <p:cNvPicPr/>
           <p:nvPr/>
         </p:nvPicPr>
         <p:blipFill>
-          <a:blip r:embed="rId1"/>
+          <a:blip r:embed="rId2"/>
           <a:stretch/>
         </p:blipFill>
         <p:spPr>
@@ -3829,22 +4322,25 @@
       </p:pic>
     </p:spTree>
   </p:cSld>
+  <p:clrMapOvr>
+    <a:masterClrMapping/>
+  </p:clrMapOvr>
   <p:timing>
     <p:tnLst>
       <p:par>
-        <p:cTn id="33" dur="indefinite" restart="never" nodeType="tmRoot">
+        <p:cTn id="1" dur="indefinite" restart="never" nodeType="tmRoot">
           <p:childTnLst>
             <p:seq>
-              <p:cTn id="34" dur="indefinite" nodeType="mainSeq"/>
+              <p:cTn id="2" dur="indefinite" nodeType="mainSeq"/>
               <p:prevCondLst>
-                <p:cond delay="0" evt="onPrev">
+                <p:cond evt="onPrev" delay="0">
                   <p:tgtEl>
                     <p:sldTgt/>
                   </p:tgtEl>
                 </p:cond>
               </p:prevCondLst>
               <p:nextCondLst>
-                <p:cond delay="0" evt="onNext">
+                <p:cond evt="onNext" delay="0">
                   <p:tgtEl>
                     <p:sldTgt/>
                   </p:tgtEl>
@@ -3860,7 +4356,7 @@
 </file>
 
 <file path=ppt/slides/slide18.xml><?xml version="1.0" encoding="utf-8"?>
-<p:sld xmlns:a="http://schemas.openxmlformats.org/drawingml/2006/main" xmlns:p="http://schemas.openxmlformats.org/presentationml/2006/main" xmlns:r="http://schemas.openxmlformats.org/officeDocument/2006/relationships" xmlns:p14="http://schemas.microsoft.com/office/powerpoint/2010/main" xmlns:p15="http://schemas.microsoft.com/office/powerpoint/2012/main" xmlns:mc="http://schemas.openxmlformats.org/markup-compatibility/2006">
+<p:sld xmlns:a="http://schemas.openxmlformats.org/drawingml/2006/main" xmlns:r="http://schemas.openxmlformats.org/officeDocument/2006/relationships" xmlns:p="http://schemas.openxmlformats.org/presentationml/2006/main">
   <p:cSld>
     <p:spTree>
       <p:nvGrpSpPr>
@@ -3896,10 +4392,11 @@
           </a:ln>
         </p:spPr>
         <p:txBody>
-          <a:bodyPr lIns="0" rIns="0" tIns="0" bIns="0" anchor="ctr"/>
+          <a:bodyPr lIns="0" tIns="0" rIns="0" bIns="0" anchor="ctr"/>
+          <a:lstStyle/>
           <a:p>
             <a:r>
-              <a:rPr b="0" lang="fr-FR" sz="1800" spc="-1" strike="noStrike">
+              <a:rPr lang="fr-FR" sz="1800" b="0" strike="noStrike" spc="-1">
                 <a:solidFill>
                   <a:srgbClr val="000000"/>
                 </a:solidFill>
@@ -3907,23 +4404,17 @@
               </a:rPr>
               <a:t>Should see that</a:t>
             </a:r>
-            <a:endParaRPr b="0" lang="fr-FR" sz="1800" spc="-1" strike="noStrike">
-              <a:solidFill>
-                <a:srgbClr val="000000"/>
-              </a:solidFill>
-              <a:latin typeface="Calibri"/>
-            </a:endParaRPr>
           </a:p>
         </p:txBody>
       </p:sp>
       <p:pic>
         <p:nvPicPr>
-          <p:cNvPr id="137" name="" descr=""/>
+          <p:cNvPr id="137" name="Image 136"/>
           <p:cNvPicPr/>
           <p:nvPr/>
         </p:nvPicPr>
         <p:blipFill>
-          <a:blip r:embed="rId1"/>
+          <a:blip r:embed="rId2"/>
           <a:stretch/>
         </p:blipFill>
         <p:spPr>
@@ -3941,22 +4432,25 @@
       </p:pic>
     </p:spTree>
   </p:cSld>
+  <p:clrMapOvr>
+    <a:masterClrMapping/>
+  </p:clrMapOvr>
   <p:timing>
     <p:tnLst>
       <p:par>
-        <p:cTn id="35" dur="indefinite" restart="never" nodeType="tmRoot">
+        <p:cTn id="1" dur="indefinite" restart="never" nodeType="tmRoot">
           <p:childTnLst>
             <p:seq>
-              <p:cTn id="36" dur="indefinite" nodeType="mainSeq"/>
+              <p:cTn id="2" dur="indefinite" nodeType="mainSeq"/>
               <p:prevCondLst>
-                <p:cond delay="0" evt="onPrev">
+                <p:cond evt="onPrev" delay="0">
                   <p:tgtEl>
                     <p:sldTgt/>
                   </p:tgtEl>
                 </p:cond>
               </p:prevCondLst>
               <p:nextCondLst>
-                <p:cond delay="0" evt="onNext">
+                <p:cond evt="onNext" delay="0">
                   <p:tgtEl>
                     <p:sldTgt/>
                   </p:tgtEl>
@@ -3972,7 +4466,7 @@
 </file>
 
 <file path=ppt/slides/slide19.xml><?xml version="1.0" encoding="utf-8"?>
-<p:sld xmlns:a="http://schemas.openxmlformats.org/drawingml/2006/main" xmlns:p="http://schemas.openxmlformats.org/presentationml/2006/main" xmlns:r="http://schemas.openxmlformats.org/officeDocument/2006/relationships" xmlns:p14="http://schemas.microsoft.com/office/powerpoint/2010/main" xmlns:p15="http://schemas.microsoft.com/office/powerpoint/2012/main" xmlns:mc="http://schemas.openxmlformats.org/markup-compatibility/2006">
+<p:sld xmlns:a="http://schemas.openxmlformats.org/drawingml/2006/main" xmlns:r="http://schemas.openxmlformats.org/officeDocument/2006/relationships" xmlns:p="http://schemas.openxmlformats.org/presentationml/2006/main">
   <p:cSld>
     <p:spTree>
       <p:nvGrpSpPr>
@@ -4003,18 +4497,24 @@
             <a:avLst/>
           </a:prstGeom>
           <a:solidFill>
-            <a:srgbClr val="729fcf"/>
+            <a:srgbClr val="729FCF"/>
           </a:solidFill>
           <a:ln>
             <a:solidFill>
-              <a:srgbClr val="3465a4"/>
+              <a:srgbClr val="3465A4"/>
             </a:solidFill>
           </a:ln>
         </p:spPr>
         <p:style>
-          <a:lnRef idx="0"/>
-          <a:fillRef idx="0"/>
-          <a:effectRef idx="0"/>
+          <a:lnRef idx="0">
+            <a:scrgbClr r="0" g="0" b="0"/>
+          </a:lnRef>
+          <a:fillRef idx="0">
+            <a:scrgbClr r="0" g="0" b="0"/>
+          </a:fillRef>
+          <a:effectRef idx="0">
+            <a:scrgbClr r="0" g="0" b="0"/>
+          </a:effectRef>
           <a:fontRef idx="minor"/>
         </p:style>
       </p:sp>
@@ -4038,44 +4538,42 @@
           </a:ln>
         </p:spPr>
         <p:txBody>
-          <a:bodyPr lIns="0" rIns="0" tIns="0" bIns="0" anchor="ctr"/>
+          <a:bodyPr lIns="0" tIns="0" rIns="0" bIns="0" anchor="ctr"/>
+          <a:lstStyle/>
           <a:p>
             <a:r>
-              <a:rPr b="1" lang="fr-FR" sz="2800" spc="-1" strike="noStrike">
+              <a:rPr lang="fr-FR" sz="2800" b="1" strike="noStrike" spc="-1">
                 <a:solidFill>
-                  <a:srgbClr val="ffffff"/>
+                  <a:srgbClr val="FFFFFF"/>
                 </a:solidFill>
                 <a:latin typeface="Calibri"/>
               </a:rPr>
               <a:t>STEP 1 : SECURITY GROUP</a:t>
             </a:r>
-            <a:endParaRPr b="1" lang="fr-FR" sz="2800" spc="-1" strike="noStrike">
-              <a:solidFill>
-                <a:srgbClr val="ffffff"/>
-              </a:solidFill>
-              <a:latin typeface="Calibri"/>
-            </a:endParaRPr>
           </a:p>
         </p:txBody>
       </p:sp>
     </p:spTree>
   </p:cSld>
+  <p:clrMapOvr>
+    <a:masterClrMapping/>
+  </p:clrMapOvr>
   <p:timing>
     <p:tnLst>
       <p:par>
-        <p:cTn id="37" dur="indefinite" restart="never" nodeType="tmRoot">
+        <p:cTn id="1" dur="indefinite" restart="never" nodeType="tmRoot">
           <p:childTnLst>
             <p:seq>
-              <p:cTn id="38" dur="indefinite" nodeType="mainSeq"/>
+              <p:cTn id="2" dur="indefinite" nodeType="mainSeq"/>
               <p:prevCondLst>
-                <p:cond delay="0" evt="onPrev">
+                <p:cond evt="onPrev" delay="0">
                   <p:tgtEl>
                     <p:sldTgt/>
                   </p:tgtEl>
                 </p:cond>
               </p:prevCondLst>
               <p:nextCondLst>
-                <p:cond delay="0" evt="onNext">
+                <p:cond evt="onNext" delay="0">
                   <p:tgtEl>
                     <p:sldTgt/>
                   </p:tgtEl>
@@ -4091,7 +4589,7 @@
 </file>
 
 <file path=ppt/slides/slide2.xml><?xml version="1.0" encoding="utf-8"?>
-<p:sld xmlns:a="http://schemas.openxmlformats.org/drawingml/2006/main" xmlns:p="http://schemas.openxmlformats.org/presentationml/2006/main" xmlns:r="http://schemas.openxmlformats.org/officeDocument/2006/relationships" xmlns:p14="http://schemas.microsoft.com/office/powerpoint/2010/main" xmlns:p15="http://schemas.microsoft.com/office/powerpoint/2012/main" xmlns:mc="http://schemas.openxmlformats.org/markup-compatibility/2006">
+<p:sld xmlns:a="http://schemas.openxmlformats.org/drawingml/2006/main" xmlns:r="http://schemas.openxmlformats.org/officeDocument/2006/relationships" xmlns:p="http://schemas.openxmlformats.org/presentationml/2006/main">
   <p:cSld>
     <p:spTree>
       <p:nvGrpSpPr>
@@ -4295,14 +4793,14 @@
             <a:avLst/>
           </a:prstGeom>
           <a:blipFill rotWithShape="0">
-            <a:blip r:embed="rId1"/>
+            <a:blip r:embed="rId2"/>
             <a:stretch>
               <a:fillRect/>
             </a:stretch>
           </a:blipFill>
           <a:ln>
             <a:solidFill>
-              <a:srgbClr val="dae3f3"/>
+              <a:srgbClr val="DAE3F3"/>
             </a:solidFill>
           </a:ln>
         </p:spPr>
@@ -4341,13 +4839,20 @@
           </a:ln>
         </p:spPr>
         <p:style>
-          <a:lnRef idx="0"/>
-          <a:fillRef idx="0"/>
-          <a:effectRef idx="0"/>
+          <a:lnRef idx="0">
+            <a:scrgbClr r="0" g="0" b="0"/>
+          </a:lnRef>
+          <a:fillRef idx="0">
+            <a:scrgbClr r="0" g="0" b="0"/>
+          </a:fillRef>
+          <a:effectRef idx="0">
+            <a:scrgbClr r="0" g="0" b="0"/>
+          </a:effectRef>
           <a:fontRef idx="minor"/>
         </p:style>
         <p:txBody>
-          <a:bodyPr wrap="none" lIns="90000" rIns="90000" tIns="45000" bIns="45000"/>
+          <a:bodyPr wrap="none" lIns="90000" tIns="45000" rIns="90000" bIns="45000"/>
+          <a:lstStyle/>
           <a:p>
             <a:pPr>
               <a:lnSpc>
@@ -4355,7 +4860,7 @@
               </a:lnSpc>
             </a:pPr>
             <a:r>
-              <a:rPr b="1" lang="fr-FR" sz="2000" spc="-1" strike="noStrike">
+              <a:rPr lang="fr-FR" sz="2000" b="1" strike="noStrike" spc="-1">
                 <a:solidFill>
                   <a:srgbClr val="595959"/>
                 </a:solidFill>
@@ -4363,7 +4868,7 @@
               </a:rPr>
               <a:t>AWS Amplify</a:t>
             </a:r>
-            <a:endParaRPr b="0" lang="fr-FR" sz="2000" spc="-1" strike="noStrike">
+            <a:endParaRPr lang="fr-FR" sz="2000" b="0" strike="noStrike" spc="-1">
               <a:latin typeface="Arial"/>
             </a:endParaRPr>
           </a:p>
@@ -4371,12 +4876,12 @@
       </p:sp>
       <p:pic>
         <p:nvPicPr>
-          <p:cNvPr id="72" name="Image 8" descr=""/>
+          <p:cNvPr id="72" name="Image 8"/>
           <p:cNvPicPr/>
           <p:nvPr/>
         </p:nvPicPr>
         <p:blipFill>
-          <a:blip r:embed="rId2"/>
+          <a:blip r:embed="rId3"/>
           <a:stretch/>
         </p:blipFill>
         <p:spPr>
@@ -4412,13 +4917,20 @@
           </a:ln>
         </p:spPr>
         <p:style>
-          <a:lnRef idx="0"/>
-          <a:fillRef idx="0"/>
-          <a:effectRef idx="0"/>
+          <a:lnRef idx="0">
+            <a:scrgbClr r="0" g="0" b="0"/>
+          </a:lnRef>
+          <a:fillRef idx="0">
+            <a:scrgbClr r="0" g="0" b="0"/>
+          </a:fillRef>
+          <a:effectRef idx="0">
+            <a:scrgbClr r="0" g="0" b="0"/>
+          </a:effectRef>
           <a:fontRef idx="minor"/>
         </p:style>
         <p:txBody>
-          <a:bodyPr wrap="none" lIns="90000" rIns="90000" tIns="45000" bIns="45000"/>
+          <a:bodyPr wrap="none" lIns="90000" tIns="45000" rIns="90000" bIns="45000"/>
+          <a:lstStyle/>
           <a:p>
             <a:pPr algn="ctr">
               <a:lnSpc>
@@ -4426,7 +4938,7 @@
               </a:lnSpc>
             </a:pPr>
             <a:r>
-              <a:rPr b="0" lang="fr-FR" sz="2000" spc="-1" strike="noStrike">
+              <a:rPr lang="fr-FR" sz="2000" b="0" strike="noStrike" spc="-1">
                 <a:solidFill>
                   <a:srgbClr val="000000"/>
                 </a:solidFill>
@@ -4434,7 +4946,7 @@
               </a:rPr>
               <a:t>React</a:t>
             </a:r>
-            <a:endParaRPr b="0" lang="fr-FR" sz="2000" spc="-1" strike="noStrike">
+            <a:endParaRPr lang="fr-FR" sz="2000" b="0" strike="noStrike" spc="-1">
               <a:latin typeface="Arial"/>
             </a:endParaRPr>
           </a:p>
@@ -4445,7 +4957,7 @@
               </a:lnSpc>
             </a:pPr>
             <a:r>
-              <a:rPr b="0" lang="fr-FR" sz="2000" spc="-1" strike="noStrike">
+              <a:rPr lang="fr-FR" sz="2000" b="0" strike="noStrike" spc="-1">
                 <a:solidFill>
                   <a:srgbClr val="000000"/>
                 </a:solidFill>
@@ -4453,7 +4965,7 @@
               </a:rPr>
               <a:t>Front-end</a:t>
             </a:r>
-            <a:endParaRPr b="0" lang="fr-FR" sz="2000" spc="-1" strike="noStrike">
+            <a:endParaRPr lang="fr-FR" sz="2000" b="0" strike="noStrike" spc="-1">
               <a:latin typeface="Arial"/>
             </a:endParaRPr>
           </a:p>
@@ -4608,7 +5120,7 @@
           </a:solidFill>
           <a:ln>
             <a:solidFill>
-              <a:srgbClr val="dae3f3"/>
+              <a:srgbClr val="DAE3F3"/>
             </a:solidFill>
           </a:ln>
         </p:spPr>
@@ -4647,13 +5159,20 @@
           </a:ln>
         </p:spPr>
         <p:style>
-          <a:lnRef idx="0"/>
-          <a:fillRef idx="0"/>
-          <a:effectRef idx="0"/>
+          <a:lnRef idx="0">
+            <a:scrgbClr r="0" g="0" b="0"/>
+          </a:lnRef>
+          <a:fillRef idx="0">
+            <a:scrgbClr r="0" g="0" b="0"/>
+          </a:fillRef>
+          <a:effectRef idx="0">
+            <a:scrgbClr r="0" g="0" b="0"/>
+          </a:effectRef>
           <a:fontRef idx="minor"/>
         </p:style>
         <p:txBody>
-          <a:bodyPr wrap="none" lIns="90000" rIns="90000" tIns="45000" bIns="45000"/>
+          <a:bodyPr wrap="none" lIns="90000" tIns="45000" rIns="90000" bIns="45000"/>
+          <a:lstStyle/>
           <a:p>
             <a:pPr>
               <a:lnSpc>
@@ -4661,7 +5180,7 @@
               </a:lnSpc>
             </a:pPr>
             <a:r>
-              <a:rPr b="1" lang="fr-FR" sz="2000" spc="-1" strike="noStrike">
+              <a:rPr lang="fr-FR" sz="2000" b="1" strike="noStrike" spc="-1">
                 <a:solidFill>
                   <a:srgbClr val="595959"/>
                 </a:solidFill>
@@ -4669,7 +5188,7 @@
               </a:rPr>
               <a:t>AWS Lambda  +</a:t>
             </a:r>
-            <a:endParaRPr b="0" lang="fr-FR" sz="2000" spc="-1" strike="noStrike">
+            <a:endParaRPr lang="fr-FR" sz="2000" b="0" strike="noStrike" spc="-1">
               <a:latin typeface="Arial"/>
             </a:endParaRPr>
           </a:p>
@@ -4679,7 +5198,7 @@
                 <a:spcPct val="100000"/>
               </a:lnSpc>
             </a:pPr>
-            <a:endParaRPr b="0" lang="fr-FR" sz="2000" spc="-1" strike="noStrike">
+            <a:endParaRPr lang="fr-FR" sz="2000" b="0" strike="noStrike" spc="-1">
               <a:latin typeface="Arial"/>
             </a:endParaRPr>
           </a:p>
@@ -4704,7 +5223,7 @@
           </a:solidFill>
           <a:ln>
             <a:solidFill>
-              <a:srgbClr val="dae3f3"/>
+              <a:srgbClr val="DAE3F3"/>
             </a:solidFill>
           </a:ln>
         </p:spPr>
@@ -4743,13 +5262,20 @@
           </a:ln>
         </p:spPr>
         <p:style>
-          <a:lnRef idx="0"/>
-          <a:fillRef idx="0"/>
-          <a:effectRef idx="0"/>
+          <a:lnRef idx="0">
+            <a:scrgbClr r="0" g="0" b="0"/>
+          </a:lnRef>
+          <a:fillRef idx="0">
+            <a:scrgbClr r="0" g="0" b="0"/>
+          </a:fillRef>
+          <a:effectRef idx="0">
+            <a:scrgbClr r="0" g="0" b="0"/>
+          </a:effectRef>
           <a:fontRef idx="minor"/>
         </p:style>
         <p:txBody>
-          <a:bodyPr wrap="none" lIns="90000" rIns="90000" tIns="45000" bIns="45000"/>
+          <a:bodyPr wrap="none" lIns="90000" tIns="45000" rIns="90000" bIns="45000"/>
+          <a:lstStyle/>
           <a:p>
             <a:pPr>
               <a:lnSpc>
@@ -4757,7 +5283,7 @@
               </a:lnSpc>
             </a:pPr>
             <a:r>
-              <a:rPr b="1" lang="fr-FR" sz="2000" spc="-1" strike="noStrike">
+              <a:rPr lang="fr-FR" sz="2000" b="1" strike="noStrike" spc="-1">
                 <a:solidFill>
                   <a:srgbClr val="595959"/>
                 </a:solidFill>
@@ -4765,7 +5291,7 @@
               </a:rPr>
               <a:t>API Gateway</a:t>
             </a:r>
-            <a:endParaRPr b="0" lang="fr-FR" sz="2000" spc="-1" strike="noStrike">
+            <a:endParaRPr lang="fr-FR" sz="2000" b="0" strike="noStrike" spc="-1">
               <a:latin typeface="Arial"/>
             </a:endParaRPr>
           </a:p>
@@ -4920,7 +5446,7 @@
           </a:solidFill>
           <a:ln>
             <a:solidFill>
-              <a:srgbClr val="dae3f3"/>
+              <a:srgbClr val="DAE3F3"/>
             </a:solidFill>
           </a:ln>
         </p:spPr>
@@ -4959,13 +5485,20 @@
           </a:ln>
         </p:spPr>
         <p:style>
-          <a:lnRef idx="0"/>
-          <a:fillRef idx="0"/>
-          <a:effectRef idx="0"/>
+          <a:lnRef idx="0">
+            <a:scrgbClr r="0" g="0" b="0"/>
+          </a:lnRef>
+          <a:fillRef idx="0">
+            <a:scrgbClr r="0" g="0" b="0"/>
+          </a:fillRef>
+          <a:effectRef idx="0">
+            <a:scrgbClr r="0" g="0" b="0"/>
+          </a:effectRef>
           <a:fontRef idx="minor"/>
         </p:style>
         <p:txBody>
-          <a:bodyPr wrap="none" lIns="90000" rIns="90000" tIns="45000" bIns="45000"/>
+          <a:bodyPr wrap="none" lIns="90000" tIns="45000" rIns="90000" bIns="45000"/>
+          <a:lstStyle/>
           <a:p>
             <a:pPr>
               <a:lnSpc>
@@ -4973,7 +5506,7 @@
               </a:lnSpc>
             </a:pPr>
             <a:r>
-              <a:rPr b="1" lang="fr-FR" sz="2000" spc="-1" strike="noStrike">
+              <a:rPr lang="fr-FR" sz="2000" b="1" strike="noStrike" spc="-1">
                 <a:solidFill>
                   <a:srgbClr val="595959"/>
                 </a:solidFill>
@@ -4981,7 +5514,7 @@
               </a:rPr>
               <a:t>Amazon RDS</a:t>
             </a:r>
-            <a:endParaRPr b="0" lang="fr-FR" sz="2000" spc="-1" strike="noStrike">
+            <a:endParaRPr lang="fr-FR" sz="2000" b="0" strike="noStrike" spc="-1">
               <a:latin typeface="Arial"/>
             </a:endParaRPr>
           </a:p>
@@ -4989,12 +5522,12 @@
       </p:sp>
       <p:pic>
         <p:nvPicPr>
-          <p:cNvPr id="86" name="Image 28" descr=""/>
+          <p:cNvPr id="86" name="Image 28"/>
           <p:cNvPicPr/>
           <p:nvPr/>
         </p:nvPicPr>
         <p:blipFill>
-          <a:blip r:embed="rId3"/>
+          <a:blip r:embed="rId4"/>
           <a:stretch/>
         </p:blipFill>
         <p:spPr>
@@ -5030,13 +5563,20 @@
           </a:ln>
         </p:spPr>
         <p:style>
-          <a:lnRef idx="0"/>
-          <a:fillRef idx="0"/>
-          <a:effectRef idx="0"/>
+          <a:lnRef idx="0">
+            <a:scrgbClr r="0" g="0" b="0"/>
+          </a:lnRef>
+          <a:fillRef idx="0">
+            <a:scrgbClr r="0" g="0" b="0"/>
+          </a:fillRef>
+          <a:effectRef idx="0">
+            <a:scrgbClr r="0" g="0" b="0"/>
+          </a:effectRef>
           <a:fontRef idx="minor"/>
         </p:style>
         <p:txBody>
-          <a:bodyPr wrap="none" lIns="90000" rIns="90000" tIns="45000" bIns="45000"/>
+          <a:bodyPr wrap="none" lIns="90000" tIns="45000" rIns="90000" bIns="45000"/>
+          <a:lstStyle/>
           <a:p>
             <a:pPr algn="ctr">
               <a:lnSpc>
@@ -5044,7 +5584,7 @@
               </a:lnSpc>
             </a:pPr>
             <a:r>
-              <a:rPr b="0" lang="fr-FR" sz="2000" spc="-1" strike="noStrike">
+              <a:rPr lang="fr-FR" sz="2000" b="0" strike="noStrike" spc="-1">
                 <a:solidFill>
                   <a:srgbClr val="000000"/>
                 </a:solidFill>
@@ -5052,7 +5592,7 @@
               </a:rPr>
               <a:t>PostgreSQL</a:t>
             </a:r>
-            <a:endParaRPr b="0" lang="fr-FR" sz="2000" spc="-1" strike="noStrike">
+            <a:endParaRPr lang="fr-FR" sz="2000" b="0" strike="noStrike" spc="-1">
               <a:latin typeface="Arial"/>
             </a:endParaRPr>
           </a:p>
@@ -5063,7 +5603,7 @@
               </a:lnSpc>
             </a:pPr>
             <a:r>
-              <a:rPr b="0" lang="fr-FR" sz="2000" spc="-1" strike="noStrike">
+              <a:rPr lang="fr-FR" sz="2000" b="0" strike="noStrike" spc="-1">
                 <a:solidFill>
                   <a:srgbClr val="000000"/>
                 </a:solidFill>
@@ -5071,7 +5611,7 @@
               </a:rPr>
               <a:t>Database</a:t>
             </a:r>
-            <a:endParaRPr b="0" lang="fr-FR" sz="2000" spc="-1" strike="noStrike">
+            <a:endParaRPr lang="fr-FR" sz="2000" b="0" strike="noStrike" spc="-1">
               <a:latin typeface="Arial"/>
             </a:endParaRPr>
           </a:p>
@@ -5173,30 +5713,7 @@
       </p:sp>
       <p:pic>
         <p:nvPicPr>
-          <p:cNvPr id="90" name="Image 32" descr=""/>
-          <p:cNvPicPr/>
-          <p:nvPr/>
-        </p:nvPicPr>
-        <p:blipFill>
-          <a:blip r:embed="rId4"/>
-          <a:stretch/>
-        </p:blipFill>
-        <p:spPr>
-          <a:xfrm>
-            <a:off x="4995000" y="2543760"/>
-            <a:ext cx="699120" cy="717120"/>
-          </a:xfrm>
-          <a:prstGeom prst="rect">
-            <a:avLst/>
-          </a:prstGeom>
-          <a:ln>
-            <a:noFill/>
-          </a:ln>
-        </p:spPr>
-      </p:pic>
-      <p:pic>
-        <p:nvPicPr>
-          <p:cNvPr id="91" name="Image 33" descr=""/>
+          <p:cNvPr id="90" name="Image 32"/>
           <p:cNvPicPr/>
           <p:nvPr/>
         </p:nvPicPr>
@@ -5206,6 +5723,29 @@
         </p:blipFill>
         <p:spPr>
           <a:xfrm>
+            <a:off x="4995000" y="2543760"/>
+            <a:ext cx="699120" cy="717120"/>
+          </a:xfrm>
+          <a:prstGeom prst="rect">
+            <a:avLst/>
+          </a:prstGeom>
+          <a:ln>
+            <a:noFill/>
+          </a:ln>
+        </p:spPr>
+      </p:pic>
+      <p:pic>
+        <p:nvPicPr>
+          <p:cNvPr id="91" name="Image 33"/>
+          <p:cNvPicPr/>
+          <p:nvPr/>
+        </p:nvPicPr>
+        <p:blipFill>
+          <a:blip r:embed="rId6"/>
+          <a:stretch/>
+        </p:blipFill>
+        <p:spPr>
+          <a:xfrm>
             <a:off x="4318200" y="2604600"/>
             <a:ext cx="556920" cy="556920"/>
           </a:xfrm>
@@ -5237,13 +5777,20 @@
           </a:ln>
         </p:spPr>
         <p:style>
-          <a:lnRef idx="0"/>
-          <a:fillRef idx="0"/>
-          <a:effectRef idx="0"/>
+          <a:lnRef idx="0">
+            <a:scrgbClr r="0" g="0" b="0"/>
+          </a:lnRef>
+          <a:fillRef idx="0">
+            <a:scrgbClr r="0" g="0" b="0"/>
+          </a:fillRef>
+          <a:effectRef idx="0">
+            <a:scrgbClr r="0" g="0" b="0"/>
+          </a:effectRef>
           <a:fontRef idx="minor"/>
         </p:style>
         <p:txBody>
-          <a:bodyPr lIns="90000" rIns="90000" tIns="45000" bIns="45000"/>
+          <a:bodyPr lIns="90000" tIns="45000" rIns="90000" bIns="45000"/>
+          <a:lstStyle/>
           <a:p>
             <a:pPr algn="ctr">
               <a:lnSpc>
@@ -5251,7 +5798,7 @@
               </a:lnSpc>
             </a:pPr>
             <a:r>
-              <a:rPr b="0" lang="fr-FR" sz="2000" spc="-1" strike="noStrike">
+              <a:rPr lang="fr-FR" sz="2000" b="0" strike="noStrike" spc="-1">
                 <a:solidFill>
                   <a:srgbClr val="000000"/>
                 </a:solidFill>
@@ -5259,7 +5806,7 @@
               </a:rPr>
               <a:t>Python REST API</a:t>
             </a:r>
-            <a:endParaRPr b="0" lang="fr-FR" sz="2000" spc="-1" strike="noStrike">
+            <a:endParaRPr lang="fr-FR" sz="2000" b="0" strike="noStrike" spc="-1">
               <a:latin typeface="Arial"/>
             </a:endParaRPr>
           </a:p>
@@ -5310,7 +5857,8 @@
           <a:fontRef idx="minor"/>
         </p:style>
         <p:txBody>
-          <a:bodyPr lIns="90000" rIns="90000" tIns="45000" bIns="45000" anchor="ctr"/>
+          <a:bodyPr lIns="90000" tIns="45000" rIns="90000" bIns="45000" anchor="ctr"/>
+          <a:lstStyle/>
           <a:p>
             <a:pPr algn="ctr">
               <a:lnSpc>
@@ -5318,7 +5866,7 @@
               </a:lnSpc>
             </a:pPr>
             <a:r>
-              <a:rPr b="0" lang="fr-FR" sz="1400" spc="-1" strike="noStrike">
+              <a:rPr lang="fr-FR" sz="1400" b="0" strike="noStrike" spc="-1">
                 <a:solidFill>
                   <a:srgbClr val="808080"/>
                 </a:solidFill>
@@ -5327,7 +5875,7 @@
               </a:rPr>
               <a:t>Deployed using Zappa</a:t>
             </a:r>
-            <a:endParaRPr b="0" lang="fr-FR" sz="1400" spc="-1" strike="noStrike">
+            <a:endParaRPr lang="fr-FR" sz="1400" b="0" strike="noStrike" spc="-1">
               <a:latin typeface="Arial"/>
             </a:endParaRPr>
           </a:p>
@@ -5353,13 +5901,20 @@
           </a:ln>
         </p:spPr>
         <p:style>
-          <a:lnRef idx="0"/>
-          <a:fillRef idx="0"/>
-          <a:effectRef idx="0"/>
+          <a:lnRef idx="0">
+            <a:scrgbClr r="0" g="0" b="0"/>
+          </a:lnRef>
+          <a:fillRef idx="0">
+            <a:scrgbClr r="0" g="0" b="0"/>
+          </a:fillRef>
+          <a:effectRef idx="0">
+            <a:scrgbClr r="0" g="0" b="0"/>
+          </a:effectRef>
           <a:fontRef idx="minor"/>
         </p:style>
         <p:txBody>
-          <a:bodyPr wrap="none" lIns="90000" rIns="90000" tIns="45000" bIns="45000"/>
+          <a:bodyPr wrap="none" lIns="90000" tIns="45000" rIns="90000" bIns="45000"/>
+          <a:lstStyle/>
           <a:p>
             <a:pPr>
               <a:lnSpc>
@@ -5367,7 +5922,7 @@
               </a:lnSpc>
             </a:pPr>
             <a:r>
-              <a:rPr b="1" lang="fr-FR" sz="2000" spc="-1" strike="noStrike">
+              <a:rPr lang="fr-FR" sz="2000" b="1" strike="noStrike" spc="-1">
                 <a:solidFill>
                   <a:srgbClr val="595959"/>
                 </a:solidFill>
@@ -5375,7 +5930,7 @@
               </a:rPr>
               <a:t>AWS</a:t>
             </a:r>
-            <a:endParaRPr b="0" lang="fr-FR" sz="2000" spc="-1" strike="noStrike">
+            <a:endParaRPr lang="fr-FR" sz="2000" b="0" strike="noStrike" spc="-1">
               <a:latin typeface="Arial"/>
             </a:endParaRPr>
           </a:p>
@@ -5383,30 +5938,7 @@
       </p:sp>
       <p:pic>
         <p:nvPicPr>
-          <p:cNvPr id="95" name="Image 38" descr=""/>
-          <p:cNvPicPr/>
-          <p:nvPr/>
-        </p:nvPicPr>
-        <p:blipFill>
-          <a:blip r:embed="rId6"/>
-          <a:stretch/>
-        </p:blipFill>
-        <p:spPr>
-          <a:xfrm>
-            <a:off x="9057240" y="1812960"/>
-            <a:ext cx="425160" cy="425160"/>
-          </a:xfrm>
-          <a:prstGeom prst="rect">
-            <a:avLst/>
-          </a:prstGeom>
-          <a:ln>
-            <a:noFill/>
-          </a:ln>
-        </p:spPr>
-      </p:pic>
-      <p:pic>
-        <p:nvPicPr>
-          <p:cNvPr id="96" name="Image 41" descr=""/>
+          <p:cNvPr id="95" name="Image 38"/>
           <p:cNvPicPr/>
           <p:nvPr/>
         </p:nvPicPr>
@@ -5416,8 +5948,8 @@
         </p:blipFill>
         <p:spPr>
           <a:xfrm>
-            <a:off x="3897000" y="1846800"/>
-            <a:ext cx="381960" cy="358560"/>
+            <a:off x="9057240" y="1812960"/>
+            <a:ext cx="425160" cy="425160"/>
           </a:xfrm>
           <a:prstGeom prst="rect">
             <a:avLst/>
@@ -5429,7 +5961,7 @@
       </p:pic>
       <p:pic>
         <p:nvPicPr>
-          <p:cNvPr id="97" name="Image 43" descr=""/>
+          <p:cNvPr id="96" name="Image 41"/>
           <p:cNvPicPr/>
           <p:nvPr/>
         </p:nvPicPr>
@@ -5439,6 +5971,29 @@
         </p:blipFill>
         <p:spPr>
           <a:xfrm>
+            <a:off x="3897000" y="1846800"/>
+            <a:ext cx="381960" cy="358560"/>
+          </a:xfrm>
+          <a:prstGeom prst="rect">
+            <a:avLst/>
+          </a:prstGeom>
+          <a:ln>
+            <a:noFill/>
+          </a:ln>
+        </p:spPr>
+      </p:pic>
+      <p:pic>
+        <p:nvPicPr>
+          <p:cNvPr id="97" name="Image 43"/>
+          <p:cNvPicPr/>
+          <p:nvPr/>
+        </p:nvPicPr>
+        <p:blipFill>
+          <a:blip r:embed="rId9"/>
+          <a:stretch/>
+        </p:blipFill>
+        <p:spPr>
+          <a:xfrm>
             <a:off x="6296040" y="1837800"/>
             <a:ext cx="410040" cy="363600"/>
           </a:xfrm>
@@ -5452,22 +6007,25 @@
       </p:pic>
     </p:spTree>
   </p:cSld>
+  <p:clrMapOvr>
+    <a:masterClrMapping/>
+  </p:clrMapOvr>
   <p:timing>
     <p:tnLst>
       <p:par>
-        <p:cTn id="3" dur="indefinite" restart="never" nodeType="tmRoot">
+        <p:cTn id="1" dur="indefinite" restart="never" nodeType="tmRoot">
           <p:childTnLst>
             <p:seq>
-              <p:cTn id="4" dur="indefinite" nodeType="mainSeq"/>
+              <p:cTn id="2" dur="indefinite" nodeType="mainSeq"/>
               <p:prevCondLst>
-                <p:cond delay="0" evt="onPrev">
+                <p:cond evt="onPrev" delay="0">
                   <p:tgtEl>
                     <p:sldTgt/>
                   </p:tgtEl>
                 </p:cond>
               </p:prevCondLst>
               <p:nextCondLst>
-                <p:cond delay="0" evt="onNext">
+                <p:cond evt="onNext" delay="0">
                   <p:tgtEl>
                     <p:sldTgt/>
                   </p:tgtEl>
@@ -5483,7 +6041,7 @@
 </file>
 
 <file path=ppt/slides/slide20.xml><?xml version="1.0" encoding="utf-8"?>
-<p:sld xmlns:a="http://schemas.openxmlformats.org/drawingml/2006/main" xmlns:p="http://schemas.openxmlformats.org/presentationml/2006/main" xmlns:r="http://schemas.openxmlformats.org/officeDocument/2006/relationships" xmlns:p14="http://schemas.microsoft.com/office/powerpoint/2010/main" xmlns:p15="http://schemas.microsoft.com/office/powerpoint/2012/main" xmlns:mc="http://schemas.openxmlformats.org/markup-compatibility/2006">
+<p:sld xmlns:a="http://schemas.openxmlformats.org/drawingml/2006/main" xmlns:r="http://schemas.openxmlformats.org/officeDocument/2006/relationships" xmlns:p="http://schemas.openxmlformats.org/presentationml/2006/main">
   <p:cSld>
     <p:spTree>
       <p:nvGrpSpPr>
@@ -5519,9 +6077,10 @@
           </a:ln>
         </p:spPr>
         <p:txBody>
-          <a:bodyPr lIns="0" rIns="0" tIns="0" bIns="0" anchor="ctr"/>
-          <a:p>
-            <a:endParaRPr b="0" lang="fr-FR" sz="1800" spc="-1" strike="noStrike">
+          <a:bodyPr lIns="0" tIns="0" rIns="0" bIns="0" anchor="ctr"/>
+          <a:lstStyle/>
+          <a:p>
+            <a:endParaRPr lang="fr-FR" sz="1800" b="0" strike="noStrike" spc="-1">
               <a:solidFill>
                 <a:srgbClr val="000000"/>
               </a:solidFill>
@@ -5532,12 +6091,12 @@
       </p:sp>
       <p:pic>
         <p:nvPicPr>
-          <p:cNvPr id="141" name="" descr=""/>
+          <p:cNvPr id="141" name="Image 140"/>
           <p:cNvPicPr/>
           <p:nvPr/>
         </p:nvPicPr>
         <p:blipFill>
-          <a:blip r:embed="rId1"/>
+          <a:blip r:embed="rId2"/>
           <a:stretch/>
         </p:blipFill>
         <p:spPr>
@@ -5555,22 +6114,25 @@
       </p:pic>
     </p:spTree>
   </p:cSld>
+  <p:clrMapOvr>
+    <a:masterClrMapping/>
+  </p:clrMapOvr>
   <p:timing>
     <p:tnLst>
       <p:par>
-        <p:cTn id="39" dur="indefinite" restart="never" nodeType="tmRoot">
+        <p:cTn id="1" dur="indefinite" restart="never" nodeType="tmRoot">
           <p:childTnLst>
             <p:seq>
-              <p:cTn id="40" dur="indefinite" nodeType="mainSeq"/>
+              <p:cTn id="2" dur="indefinite" nodeType="mainSeq"/>
               <p:prevCondLst>
-                <p:cond delay="0" evt="onPrev">
+                <p:cond evt="onPrev" delay="0">
                   <p:tgtEl>
                     <p:sldTgt/>
                   </p:tgtEl>
                 </p:cond>
               </p:prevCondLst>
               <p:nextCondLst>
-                <p:cond delay="0" evt="onNext">
+                <p:cond evt="onNext" delay="0">
                   <p:tgtEl>
                     <p:sldTgt/>
                   </p:tgtEl>
@@ -5586,7 +6148,7 @@
 </file>
 
 <file path=ppt/slides/slide21.xml><?xml version="1.0" encoding="utf-8"?>
-<p:sld xmlns:a="http://schemas.openxmlformats.org/drawingml/2006/main" xmlns:p="http://schemas.openxmlformats.org/presentationml/2006/main" xmlns:r="http://schemas.openxmlformats.org/officeDocument/2006/relationships" xmlns:p14="http://schemas.microsoft.com/office/powerpoint/2010/main" xmlns:p15="http://schemas.microsoft.com/office/powerpoint/2012/main" xmlns:mc="http://schemas.openxmlformats.org/markup-compatibility/2006">
+<p:sld xmlns:a="http://schemas.openxmlformats.org/drawingml/2006/main" xmlns:r="http://schemas.openxmlformats.org/officeDocument/2006/relationships" xmlns:p="http://schemas.openxmlformats.org/presentationml/2006/main">
   <p:cSld>
     <p:spTree>
       <p:nvGrpSpPr>
@@ -5622,9 +6184,10 @@
           </a:ln>
         </p:spPr>
         <p:txBody>
-          <a:bodyPr lIns="0" rIns="0" tIns="0" bIns="0" anchor="ctr"/>
-          <a:p>
-            <a:endParaRPr b="0" lang="fr-FR" sz="1800" spc="-1" strike="noStrike">
+          <a:bodyPr lIns="0" tIns="0" rIns="0" bIns="0" anchor="ctr"/>
+          <a:lstStyle/>
+          <a:p>
+            <a:endParaRPr lang="fr-FR" sz="1800" b="0" strike="noStrike" spc="-1">
               <a:solidFill>
                 <a:srgbClr val="000000"/>
               </a:solidFill>
@@ -5635,12 +6198,12 @@
       </p:sp>
       <p:pic>
         <p:nvPicPr>
-          <p:cNvPr id="143" name="" descr=""/>
+          <p:cNvPr id="143" name="Image 142"/>
           <p:cNvPicPr/>
           <p:nvPr/>
         </p:nvPicPr>
         <p:blipFill>
-          <a:blip r:embed="rId1"/>
+          <a:blip r:embed="rId2"/>
           <a:stretch/>
         </p:blipFill>
         <p:spPr>
@@ -5658,22 +6221,25 @@
       </p:pic>
     </p:spTree>
   </p:cSld>
+  <p:clrMapOvr>
+    <a:masterClrMapping/>
+  </p:clrMapOvr>
   <p:timing>
     <p:tnLst>
       <p:par>
-        <p:cTn id="41" dur="indefinite" restart="never" nodeType="tmRoot">
+        <p:cTn id="1" dur="indefinite" restart="never" nodeType="tmRoot">
           <p:childTnLst>
             <p:seq>
-              <p:cTn id="42" dur="indefinite" nodeType="mainSeq"/>
+              <p:cTn id="2" dur="indefinite" nodeType="mainSeq"/>
               <p:prevCondLst>
-                <p:cond delay="0" evt="onPrev">
+                <p:cond evt="onPrev" delay="0">
                   <p:tgtEl>
                     <p:sldTgt/>
                   </p:tgtEl>
                 </p:cond>
               </p:prevCondLst>
               <p:nextCondLst>
-                <p:cond delay="0" evt="onNext">
+                <p:cond evt="onNext" delay="0">
                   <p:tgtEl>
                     <p:sldTgt/>
                   </p:tgtEl>
@@ -5689,7 +6255,7 @@
 </file>
 
 <file path=ppt/slides/slide22.xml><?xml version="1.0" encoding="utf-8"?>
-<p:sld xmlns:a="http://schemas.openxmlformats.org/drawingml/2006/main" xmlns:p="http://schemas.openxmlformats.org/presentationml/2006/main" xmlns:r="http://schemas.openxmlformats.org/officeDocument/2006/relationships" xmlns:p14="http://schemas.microsoft.com/office/powerpoint/2010/main" xmlns:p15="http://schemas.microsoft.com/office/powerpoint/2012/main" xmlns:mc="http://schemas.openxmlformats.org/markup-compatibility/2006">
+<p:sld xmlns:a="http://schemas.openxmlformats.org/drawingml/2006/main" xmlns:r="http://schemas.openxmlformats.org/officeDocument/2006/relationships" xmlns:p="http://schemas.openxmlformats.org/presentationml/2006/main">
   <p:cSld>
     <p:spTree>
       <p:nvGrpSpPr>
@@ -5725,9 +6291,10 @@
           </a:ln>
         </p:spPr>
         <p:txBody>
-          <a:bodyPr lIns="0" rIns="0" tIns="0" bIns="0" anchor="ctr"/>
-          <a:p>
-            <a:endParaRPr b="0" lang="fr-FR" sz="1800" spc="-1" strike="noStrike">
+          <a:bodyPr lIns="0" tIns="0" rIns="0" bIns="0" anchor="ctr"/>
+          <a:lstStyle/>
+          <a:p>
+            <a:endParaRPr lang="fr-FR" sz="1800" b="0" strike="noStrike" spc="-1">
               <a:solidFill>
                 <a:srgbClr val="000000"/>
               </a:solidFill>
@@ -5738,12 +6305,12 @@
       </p:sp>
       <p:pic>
         <p:nvPicPr>
-          <p:cNvPr id="145" name="" descr=""/>
+          <p:cNvPr id="145" name="Image 144"/>
           <p:cNvPicPr/>
           <p:nvPr/>
         </p:nvPicPr>
         <p:blipFill>
-          <a:blip r:embed="rId1"/>
+          <a:blip r:embed="rId2"/>
           <a:stretch/>
         </p:blipFill>
         <p:spPr>
@@ -5761,22 +6328,25 @@
       </p:pic>
     </p:spTree>
   </p:cSld>
+  <p:clrMapOvr>
+    <a:masterClrMapping/>
+  </p:clrMapOvr>
   <p:timing>
     <p:tnLst>
       <p:par>
-        <p:cTn id="43" dur="indefinite" restart="never" nodeType="tmRoot">
+        <p:cTn id="1" dur="indefinite" restart="never" nodeType="tmRoot">
           <p:childTnLst>
             <p:seq>
-              <p:cTn id="44" dur="indefinite" nodeType="mainSeq"/>
+              <p:cTn id="2" dur="indefinite" nodeType="mainSeq"/>
               <p:prevCondLst>
-                <p:cond delay="0" evt="onPrev">
+                <p:cond evt="onPrev" delay="0">
                   <p:tgtEl>
                     <p:sldTgt/>
                   </p:tgtEl>
                 </p:cond>
               </p:prevCondLst>
               <p:nextCondLst>
-                <p:cond delay="0" evt="onNext">
+                <p:cond evt="onNext" delay="0">
                   <p:tgtEl>
                     <p:sldTgt/>
                   </p:tgtEl>
@@ -5792,7 +6362,7 @@
 </file>
 
 <file path=ppt/slides/slide23.xml><?xml version="1.0" encoding="utf-8"?>
-<p:sld xmlns:a="http://schemas.openxmlformats.org/drawingml/2006/main" xmlns:p="http://schemas.openxmlformats.org/presentationml/2006/main" xmlns:r="http://schemas.openxmlformats.org/officeDocument/2006/relationships" xmlns:p14="http://schemas.microsoft.com/office/powerpoint/2010/main" xmlns:p15="http://schemas.microsoft.com/office/powerpoint/2012/main" xmlns:mc="http://schemas.openxmlformats.org/markup-compatibility/2006">
+<p:sld xmlns:a="http://schemas.openxmlformats.org/drawingml/2006/main" xmlns:r="http://schemas.openxmlformats.org/officeDocument/2006/relationships" xmlns:p="http://schemas.openxmlformats.org/presentationml/2006/main">
   <p:cSld>
     <p:spTree>
       <p:nvGrpSpPr>
@@ -5828,9 +6398,10 @@
           </a:ln>
         </p:spPr>
         <p:txBody>
-          <a:bodyPr lIns="0" rIns="0" tIns="0" bIns="0" anchor="ctr"/>
-          <a:p>
-            <a:endParaRPr b="0" lang="fr-FR" sz="1800" spc="-1" strike="noStrike">
+          <a:bodyPr lIns="0" tIns="0" rIns="0" bIns="0" anchor="ctr"/>
+          <a:lstStyle/>
+          <a:p>
+            <a:endParaRPr lang="fr-FR" sz="1800" b="0" strike="noStrike" spc="-1">
               <a:solidFill>
                 <a:srgbClr val="000000"/>
               </a:solidFill>
@@ -5839,24 +6410,200 @@
           </a:p>
         </p:txBody>
       </p:sp>
+      <p:pic>
+        <p:nvPicPr>
+          <p:cNvPr id="2" name="Image 1"/>
+          <p:cNvPicPr>
+            <a:picLocks noChangeAspect="1"/>
+          </p:cNvPicPr>
+          <p:nvPr/>
+        </p:nvPicPr>
+        <p:blipFill>
+          <a:blip r:embed="rId2"/>
+          <a:stretch>
+            <a:fillRect/>
+          </a:stretch>
+        </p:blipFill>
+        <p:spPr>
+          <a:xfrm>
+            <a:off x="224229" y="565857"/>
+            <a:ext cx="11742942" cy="5210287"/>
+          </a:xfrm>
+          <a:prstGeom prst="rect">
+            <a:avLst/>
+          </a:prstGeom>
+        </p:spPr>
+      </p:pic>
+      <p:sp>
+        <p:nvSpPr>
+          <p:cNvPr id="3" name="Rectangle à coins arrondis 2"/>
+          <p:cNvSpPr/>
+          <p:nvPr/>
+        </p:nvSpPr>
+        <p:spPr>
+          <a:xfrm>
+            <a:off x="3795251" y="2576052"/>
+            <a:ext cx="3146323" cy="639097"/>
+          </a:xfrm>
+          <a:prstGeom prst="roundRect">
+            <a:avLst/>
+          </a:prstGeom>
+          <a:noFill/>
+        </p:spPr>
+        <p:style>
+          <a:lnRef idx="2">
+            <a:schemeClr val="accent1">
+              <a:shade val="50000"/>
+            </a:schemeClr>
+          </a:lnRef>
+          <a:fillRef idx="1">
+            <a:schemeClr val="accent1"/>
+          </a:fillRef>
+          <a:effectRef idx="0">
+            <a:schemeClr val="accent1"/>
+          </a:effectRef>
+          <a:fontRef idx="minor">
+            <a:schemeClr val="lt1"/>
+          </a:fontRef>
+        </p:style>
+        <p:txBody>
+          <a:bodyPr rtlCol="0" anchor="ctr"/>
+          <a:lstStyle/>
+          <a:p>
+            <a:pPr algn="ctr"/>
+            <a:endParaRPr lang="fr-FR"/>
+          </a:p>
+        </p:txBody>
+      </p:sp>
+      <p:sp>
+        <p:nvSpPr>
+          <p:cNvPr id="4" name="Rectangle 3"/>
+          <p:cNvSpPr/>
+          <p:nvPr/>
+        </p:nvSpPr>
+        <p:spPr>
+          <a:xfrm>
+            <a:off x="4680156" y="2910348"/>
+            <a:ext cx="1081547" cy="147484"/>
+          </a:xfrm>
+          <a:prstGeom prst="rect">
+            <a:avLst/>
+          </a:prstGeom>
+          <a:solidFill>
+            <a:schemeClr val="accent1">
+              <a:lumMod val="20000"/>
+              <a:lumOff val="80000"/>
+            </a:schemeClr>
+          </a:solidFill>
+          <a:ln>
+            <a:solidFill>
+              <a:schemeClr val="accent1">
+                <a:lumMod val="20000"/>
+                <a:lumOff val="80000"/>
+              </a:schemeClr>
+            </a:solidFill>
+          </a:ln>
+        </p:spPr>
+        <p:style>
+          <a:lnRef idx="2">
+            <a:schemeClr val="accent1">
+              <a:shade val="50000"/>
+            </a:schemeClr>
+          </a:lnRef>
+          <a:fillRef idx="1">
+            <a:schemeClr val="accent1"/>
+          </a:fillRef>
+          <a:effectRef idx="0">
+            <a:schemeClr val="accent1"/>
+          </a:effectRef>
+          <a:fontRef idx="minor">
+            <a:schemeClr val="lt1"/>
+          </a:fontRef>
+        </p:style>
+        <p:txBody>
+          <a:bodyPr rtlCol="0" anchor="ctr"/>
+          <a:lstStyle/>
+          <a:p>
+            <a:pPr algn="ctr"/>
+            <a:endParaRPr lang="fr-FR"/>
+          </a:p>
+        </p:txBody>
+      </p:sp>
+      <p:sp>
+        <p:nvSpPr>
+          <p:cNvPr id="6" name="Rectangle 5"/>
+          <p:cNvSpPr/>
+          <p:nvPr/>
+        </p:nvSpPr>
+        <p:spPr>
+          <a:xfrm>
+            <a:off x="7792721" y="2910348"/>
+            <a:ext cx="1439769" cy="147484"/>
+          </a:xfrm>
+          <a:prstGeom prst="rect">
+            <a:avLst/>
+          </a:prstGeom>
+          <a:solidFill>
+            <a:schemeClr val="accent1">
+              <a:lumMod val="20000"/>
+              <a:lumOff val="80000"/>
+            </a:schemeClr>
+          </a:solidFill>
+          <a:ln>
+            <a:solidFill>
+              <a:schemeClr val="accent1">
+                <a:lumMod val="20000"/>
+                <a:lumOff val="80000"/>
+              </a:schemeClr>
+            </a:solidFill>
+          </a:ln>
+        </p:spPr>
+        <p:style>
+          <a:lnRef idx="2">
+            <a:schemeClr val="accent1">
+              <a:shade val="50000"/>
+            </a:schemeClr>
+          </a:lnRef>
+          <a:fillRef idx="1">
+            <a:schemeClr val="accent1"/>
+          </a:fillRef>
+          <a:effectRef idx="0">
+            <a:schemeClr val="accent1"/>
+          </a:effectRef>
+          <a:fontRef idx="minor">
+            <a:schemeClr val="lt1"/>
+          </a:fontRef>
+        </p:style>
+        <p:txBody>
+          <a:bodyPr rtlCol="0" anchor="ctr"/>
+          <a:lstStyle/>
+          <a:p>
+            <a:pPr algn="ctr"/>
+            <a:endParaRPr lang="fr-FR"/>
+          </a:p>
+        </p:txBody>
+      </p:sp>
     </p:spTree>
   </p:cSld>
+  <p:clrMapOvr>
+    <a:masterClrMapping/>
+  </p:clrMapOvr>
   <p:timing>
     <p:tnLst>
       <p:par>
-        <p:cTn id="45" dur="indefinite" restart="never" nodeType="tmRoot">
+        <p:cTn id="1" dur="indefinite" restart="never" nodeType="tmRoot">
           <p:childTnLst>
             <p:seq>
-              <p:cTn id="46" dur="indefinite" nodeType="mainSeq"/>
+              <p:cTn id="2" dur="indefinite" nodeType="mainSeq"/>
               <p:prevCondLst>
-                <p:cond delay="0" evt="onPrev">
+                <p:cond evt="onPrev" delay="0">
                   <p:tgtEl>
                     <p:sldTgt/>
                   </p:tgtEl>
                 </p:cond>
               </p:prevCondLst>
               <p:nextCondLst>
-                <p:cond delay="0" evt="onNext">
+                <p:cond evt="onNext" delay="0">
                   <p:tgtEl>
                     <p:sldTgt/>
                   </p:tgtEl>
@@ -5872,7 +6619,7 @@
 </file>
 
 <file path=ppt/slides/slide24.xml><?xml version="1.0" encoding="utf-8"?>
-<p:sld xmlns:a="http://schemas.openxmlformats.org/drawingml/2006/main" xmlns:p="http://schemas.openxmlformats.org/presentationml/2006/main" xmlns:r="http://schemas.openxmlformats.org/officeDocument/2006/relationships" xmlns:p14="http://schemas.microsoft.com/office/powerpoint/2010/main" xmlns:p15="http://schemas.microsoft.com/office/powerpoint/2012/main" xmlns:mc="http://schemas.openxmlformats.org/markup-compatibility/2006">
+<p:sld xmlns:a="http://schemas.openxmlformats.org/drawingml/2006/main" xmlns:r="http://schemas.openxmlformats.org/officeDocument/2006/relationships" xmlns:p="http://schemas.openxmlformats.org/presentationml/2006/main">
   <p:cSld>
     <p:spTree>
       <p:nvGrpSpPr>
@@ -5908,9 +6655,10 @@
           </a:ln>
         </p:spPr>
         <p:txBody>
-          <a:bodyPr lIns="0" rIns="0" tIns="0" bIns="0" anchor="ctr"/>
-          <a:p>
-            <a:endParaRPr b="0" lang="fr-FR" sz="1800" spc="-1" strike="noStrike">
+          <a:bodyPr lIns="0" tIns="0" rIns="0" bIns="0" anchor="ctr"/>
+          <a:lstStyle/>
+          <a:p>
+            <a:endParaRPr lang="fr-FR" sz="1800" b="0" strike="noStrike" spc="-1">
               <a:solidFill>
                 <a:srgbClr val="000000"/>
               </a:solidFill>
@@ -5921,22 +6669,25 @@
       </p:sp>
     </p:spTree>
   </p:cSld>
+  <p:clrMapOvr>
+    <a:masterClrMapping/>
+  </p:clrMapOvr>
   <p:timing>
     <p:tnLst>
       <p:par>
-        <p:cTn id="47" dur="indefinite" restart="never" nodeType="tmRoot">
+        <p:cTn id="1" dur="indefinite" restart="never" nodeType="tmRoot">
           <p:childTnLst>
             <p:seq>
-              <p:cTn id="48" dur="indefinite" nodeType="mainSeq"/>
+              <p:cTn id="2" dur="indefinite" nodeType="mainSeq"/>
               <p:prevCondLst>
-                <p:cond delay="0" evt="onPrev">
+                <p:cond evt="onPrev" delay="0">
                   <p:tgtEl>
                     <p:sldTgt/>
                   </p:tgtEl>
                 </p:cond>
               </p:prevCondLst>
               <p:nextCondLst>
-                <p:cond delay="0" evt="onNext">
+                <p:cond evt="onNext" delay="0">
                   <p:tgtEl>
                     <p:sldTgt/>
                   </p:tgtEl>
@@ -5952,7 +6703,7 @@
 </file>
 
 <file path=ppt/slides/slide25.xml><?xml version="1.0" encoding="utf-8"?>
-<p:sld xmlns:a="http://schemas.openxmlformats.org/drawingml/2006/main" xmlns:p="http://schemas.openxmlformats.org/presentationml/2006/main" xmlns:r="http://schemas.openxmlformats.org/officeDocument/2006/relationships" xmlns:p14="http://schemas.microsoft.com/office/powerpoint/2010/main" xmlns:p15="http://schemas.microsoft.com/office/powerpoint/2012/main" xmlns:mc="http://schemas.openxmlformats.org/markup-compatibility/2006">
+<p:sld xmlns:a="http://schemas.openxmlformats.org/drawingml/2006/main" xmlns:r="http://schemas.openxmlformats.org/officeDocument/2006/relationships" xmlns:p="http://schemas.openxmlformats.org/presentationml/2006/main">
   <p:cSld>
     <p:spTree>
       <p:nvGrpSpPr>
@@ -5988,9 +6739,10 @@
           </a:ln>
         </p:spPr>
         <p:txBody>
-          <a:bodyPr lIns="0" rIns="0" tIns="0" bIns="0" anchor="ctr"/>
-          <a:p>
-            <a:endParaRPr b="0" lang="fr-FR" sz="1800" spc="-1" strike="noStrike">
+          <a:bodyPr lIns="0" tIns="0" rIns="0" bIns="0" anchor="ctr"/>
+          <a:lstStyle/>
+          <a:p>
+            <a:endParaRPr lang="fr-FR" sz="1800" b="0" strike="noStrike" spc="-1">
               <a:solidFill>
                 <a:srgbClr val="000000"/>
               </a:solidFill>
@@ -6001,22 +6753,25 @@
       </p:sp>
     </p:spTree>
   </p:cSld>
+  <p:clrMapOvr>
+    <a:masterClrMapping/>
+  </p:clrMapOvr>
   <p:timing>
     <p:tnLst>
       <p:par>
-        <p:cTn id="49" dur="indefinite" restart="never" nodeType="tmRoot">
+        <p:cTn id="1" dur="indefinite" restart="never" nodeType="tmRoot">
           <p:childTnLst>
             <p:seq>
-              <p:cTn id="50" dur="indefinite" nodeType="mainSeq"/>
+              <p:cTn id="2" dur="indefinite" nodeType="mainSeq"/>
               <p:prevCondLst>
-                <p:cond delay="0" evt="onPrev">
+                <p:cond evt="onPrev" delay="0">
                   <p:tgtEl>
                     <p:sldTgt/>
                   </p:tgtEl>
                 </p:cond>
               </p:prevCondLst>
               <p:nextCondLst>
-                <p:cond delay="0" evt="onNext">
+                <p:cond evt="onNext" delay="0">
                   <p:tgtEl>
                     <p:sldTgt/>
                   </p:tgtEl>
@@ -6032,7 +6787,7 @@
 </file>
 
 <file path=ppt/slides/slide26.xml><?xml version="1.0" encoding="utf-8"?>
-<p:sld xmlns:a="http://schemas.openxmlformats.org/drawingml/2006/main" xmlns:p="http://schemas.openxmlformats.org/presentationml/2006/main" xmlns:r="http://schemas.openxmlformats.org/officeDocument/2006/relationships" xmlns:p14="http://schemas.microsoft.com/office/powerpoint/2010/main" xmlns:p15="http://schemas.microsoft.com/office/powerpoint/2012/main" xmlns:mc="http://schemas.openxmlformats.org/markup-compatibility/2006">
+<p:sld xmlns:a="http://schemas.openxmlformats.org/drawingml/2006/main" xmlns:r="http://schemas.openxmlformats.org/officeDocument/2006/relationships" xmlns:p="http://schemas.openxmlformats.org/presentationml/2006/main">
   <p:cSld>
     <p:spTree>
       <p:nvGrpSpPr>
@@ -6068,9 +6823,10 @@
           </a:ln>
         </p:spPr>
         <p:txBody>
-          <a:bodyPr lIns="0" rIns="0" tIns="0" bIns="0" anchor="ctr"/>
-          <a:p>
-            <a:endParaRPr b="0" lang="fr-FR" sz="1800" spc="-1" strike="noStrike">
+          <a:bodyPr lIns="0" tIns="0" rIns="0" bIns="0" anchor="ctr"/>
+          <a:lstStyle/>
+          <a:p>
+            <a:endParaRPr lang="fr-FR" sz="1800" b="0" strike="noStrike" spc="-1">
               <a:solidFill>
                 <a:srgbClr val="000000"/>
               </a:solidFill>
@@ -6081,22 +6837,25 @@
       </p:sp>
     </p:spTree>
   </p:cSld>
+  <p:clrMapOvr>
+    <a:masterClrMapping/>
+  </p:clrMapOvr>
   <p:timing>
     <p:tnLst>
       <p:par>
-        <p:cTn id="51" dur="indefinite" restart="never" nodeType="tmRoot">
+        <p:cTn id="1" dur="indefinite" restart="never" nodeType="tmRoot">
           <p:childTnLst>
             <p:seq>
-              <p:cTn id="52" dur="indefinite" nodeType="mainSeq"/>
+              <p:cTn id="2" dur="indefinite" nodeType="mainSeq"/>
               <p:prevCondLst>
-                <p:cond delay="0" evt="onPrev">
+                <p:cond evt="onPrev" delay="0">
                   <p:tgtEl>
                     <p:sldTgt/>
                   </p:tgtEl>
                 </p:cond>
               </p:prevCondLst>
               <p:nextCondLst>
-                <p:cond delay="0" evt="onNext">
+                <p:cond evt="onNext" delay="0">
                   <p:tgtEl>
                     <p:sldTgt/>
                   </p:tgtEl>
@@ -6112,7 +6871,7 @@
 </file>
 
 <file path=ppt/slides/slide27.xml><?xml version="1.0" encoding="utf-8"?>
-<p:sld xmlns:a="http://schemas.openxmlformats.org/drawingml/2006/main" xmlns:p="http://schemas.openxmlformats.org/presentationml/2006/main" xmlns:r="http://schemas.openxmlformats.org/officeDocument/2006/relationships" xmlns:p14="http://schemas.microsoft.com/office/powerpoint/2010/main" xmlns:p15="http://schemas.microsoft.com/office/powerpoint/2012/main" xmlns:mc="http://schemas.openxmlformats.org/markup-compatibility/2006">
+<p:sld xmlns:a="http://schemas.openxmlformats.org/drawingml/2006/main" xmlns:r="http://schemas.openxmlformats.org/officeDocument/2006/relationships" xmlns:p="http://schemas.openxmlformats.org/presentationml/2006/main">
   <p:cSld>
     <p:spTree>
       <p:nvGrpSpPr>
@@ -6148,9 +6907,10 @@
           </a:ln>
         </p:spPr>
         <p:txBody>
-          <a:bodyPr lIns="0" rIns="0" tIns="0" bIns="0" anchor="ctr"/>
-          <a:p>
-            <a:endParaRPr b="0" lang="fr-FR" sz="1800" spc="-1" strike="noStrike">
+          <a:bodyPr lIns="0" tIns="0" rIns="0" bIns="0" anchor="ctr"/>
+          <a:lstStyle/>
+          <a:p>
+            <a:endParaRPr lang="fr-FR" sz="1800" b="0" strike="noStrike" spc="-1">
               <a:solidFill>
                 <a:srgbClr val="000000"/>
               </a:solidFill>
@@ -6161,22 +6921,25 @@
       </p:sp>
     </p:spTree>
   </p:cSld>
+  <p:clrMapOvr>
+    <a:masterClrMapping/>
+  </p:clrMapOvr>
   <p:timing>
     <p:tnLst>
       <p:par>
-        <p:cTn id="53" dur="indefinite" restart="never" nodeType="tmRoot">
+        <p:cTn id="1" dur="indefinite" restart="never" nodeType="tmRoot">
           <p:childTnLst>
             <p:seq>
-              <p:cTn id="54" dur="indefinite" nodeType="mainSeq"/>
+              <p:cTn id="2" dur="indefinite" nodeType="mainSeq"/>
               <p:prevCondLst>
-                <p:cond delay="0" evt="onPrev">
+                <p:cond evt="onPrev" delay="0">
                   <p:tgtEl>
                     <p:sldTgt/>
                   </p:tgtEl>
                 </p:cond>
               </p:prevCondLst>
               <p:nextCondLst>
-                <p:cond delay="0" evt="onNext">
+                <p:cond evt="onNext" delay="0">
                   <p:tgtEl>
                     <p:sldTgt/>
                   </p:tgtEl>
@@ -6192,7 +6955,7 @@
 </file>
 
 <file path=ppt/slides/slide3.xml><?xml version="1.0" encoding="utf-8"?>
-<p:sld xmlns:a="http://schemas.openxmlformats.org/drawingml/2006/main" xmlns:p="http://schemas.openxmlformats.org/presentationml/2006/main" xmlns:r="http://schemas.openxmlformats.org/officeDocument/2006/relationships" xmlns:p14="http://schemas.microsoft.com/office/powerpoint/2010/main" xmlns:p15="http://schemas.microsoft.com/office/powerpoint/2012/main" xmlns:mc="http://schemas.openxmlformats.org/markup-compatibility/2006">
+<p:sld xmlns:a="http://schemas.openxmlformats.org/drawingml/2006/main" xmlns:r="http://schemas.openxmlformats.org/officeDocument/2006/relationships" xmlns:p="http://schemas.openxmlformats.org/presentationml/2006/main">
   <p:cSld>
     <p:spTree>
       <p:nvGrpSpPr>
@@ -6229,6 +6992,7 @@
         </p:spPr>
         <p:txBody>
           <a:bodyPr/>
+          <a:lstStyle/>
           <a:p>
             <a:pPr marL="228600" indent="-228240">
               <a:lnSpc>
@@ -6244,7 +7008,7 @@
               <a:buChar char="•"/>
             </a:pPr>
             <a:r>
-              <a:rPr b="0" lang="fr-FR" sz="2800" spc="-1" strike="noStrike">
+              <a:rPr lang="fr-FR" sz="2800" b="0" strike="noStrike" spc="-1">
                 <a:solidFill>
                   <a:srgbClr val="000000"/>
                 </a:solidFill>
@@ -6252,12 +7016,6 @@
               </a:rPr>
               <a:t>0. find an app with bdd and api (create repo)</a:t>
             </a:r>
-            <a:endParaRPr b="0" lang="fr-FR" sz="2800" spc="-1" strike="noStrike">
-              <a:solidFill>
-                <a:srgbClr val="000000"/>
-              </a:solidFill>
-              <a:latin typeface="Calibri"/>
-            </a:endParaRPr>
           </a:p>
           <a:p>
             <a:pPr marL="228600" indent="-228240">
@@ -6274,7 +7032,7 @@
               <a:buChar char="•"/>
             </a:pPr>
             <a:r>
-              <a:rPr b="0" lang="fr-FR" sz="2800" spc="-1" strike="noStrike">
+              <a:rPr lang="fr-FR" sz="2800" b="0" strike="noStrike" spc="-1">
                 <a:solidFill>
                   <a:srgbClr val="000000"/>
                 </a:solidFill>
@@ -6282,12 +7040,6 @@
               </a:rPr>
               <a:t>0’. hypothèses</a:t>
             </a:r>
-            <a:endParaRPr b="0" lang="fr-FR" sz="2800" spc="-1" strike="noStrike">
-              <a:solidFill>
-                <a:srgbClr val="000000"/>
-              </a:solidFill>
-              <a:latin typeface="Calibri"/>
-            </a:endParaRPr>
           </a:p>
           <a:p>
             <a:pPr marL="228600" indent="-228240">
@@ -6304,7 +7056,7 @@
               <a:buChar char="•"/>
             </a:pPr>
             <a:r>
-              <a:rPr b="0" lang="fr-FR" sz="2800" spc="-1" strike="noStrike">
+              <a:rPr lang="fr-FR" sz="2800" b="0" strike="noStrike" spc="-1">
                 <a:solidFill>
                   <a:srgbClr val="000000"/>
                 </a:solidFill>
@@ -6312,12 +7064,6 @@
               </a:rPr>
               <a:t>1. deploy BDD</a:t>
             </a:r>
-            <a:endParaRPr b="0" lang="fr-FR" sz="2800" spc="-1" strike="noStrike">
-              <a:solidFill>
-                <a:srgbClr val="000000"/>
-              </a:solidFill>
-              <a:latin typeface="Calibri"/>
-            </a:endParaRPr>
           </a:p>
           <a:p>
             <a:pPr marL="228600" indent="-228240">
@@ -6334,7 +7080,7 @@
               <a:buChar char="•"/>
             </a:pPr>
             <a:r>
-              <a:rPr b="0" lang="fr-FR" sz="2800" spc="-1" strike="noStrike">
+              <a:rPr lang="fr-FR" sz="2800" b="0" strike="noStrike" spc="-1">
                 <a:solidFill>
                   <a:srgbClr val="000000"/>
                 </a:solidFill>
@@ -6342,12 +7088,6 @@
               </a:rPr>
               <a:t>2. deploy API</a:t>
             </a:r>
-            <a:endParaRPr b="0" lang="fr-FR" sz="2800" spc="-1" strike="noStrike">
-              <a:solidFill>
-                <a:srgbClr val="000000"/>
-              </a:solidFill>
-              <a:latin typeface="Calibri"/>
-            </a:endParaRPr>
           </a:p>
           <a:p>
             <a:pPr marL="228600" indent="-228240">
@@ -6364,7 +7104,7 @@
               <a:buChar char="•"/>
             </a:pPr>
             <a:r>
-              <a:rPr b="0" lang="fr-FR" sz="2800" spc="-1" strike="noStrike">
+              <a:rPr lang="fr-FR" sz="2800" b="0" strike="noStrike" spc="-1">
                 <a:solidFill>
                   <a:srgbClr val="000000"/>
                 </a:solidFill>
@@ -6372,12 +7112,6 @@
               </a:rPr>
               <a:t>3. deploy front</a:t>
             </a:r>
-            <a:endParaRPr b="0" lang="fr-FR" sz="2800" spc="-1" strike="noStrike">
-              <a:solidFill>
-                <a:srgbClr val="000000"/>
-              </a:solidFill>
-              <a:latin typeface="Calibri"/>
-            </a:endParaRPr>
           </a:p>
           <a:p>
             <a:pPr marL="228600" indent="-228240">
@@ -6394,7 +7128,7 @@
               <a:buChar char="•"/>
             </a:pPr>
             <a:r>
-              <a:rPr b="0" lang="fr-FR" sz="2800" spc="-1" strike="noStrike">
+              <a:rPr lang="fr-FR" sz="2800" b="0" strike="noStrike" spc="-1">
                 <a:solidFill>
                   <a:srgbClr val="000000"/>
                 </a:solidFill>
@@ -6402,12 +7136,6 @@
               </a:rPr>
               <a:t>4. secure API</a:t>
             </a:r>
-            <a:endParaRPr b="0" lang="fr-FR" sz="2800" spc="-1" strike="noStrike">
-              <a:solidFill>
-                <a:srgbClr val="000000"/>
-              </a:solidFill>
-              <a:latin typeface="Calibri"/>
-            </a:endParaRPr>
           </a:p>
           <a:p>
             <a:pPr marL="228600" indent="-228240">
@@ -6424,7 +7152,7 @@
               <a:buChar char="•"/>
             </a:pPr>
             <a:r>
-              <a:rPr b="0" lang="fr-FR" sz="2800" spc="-1" strike="noStrike">
+              <a:rPr lang="fr-FR" sz="2800" b="0" strike="noStrike" spc="-1">
                 <a:solidFill>
                   <a:srgbClr val="000000"/>
                 </a:solidFill>
@@ -6432,12 +7160,6 @@
               </a:rPr>
               <a:t>5. domain name ? </a:t>
             </a:r>
-            <a:endParaRPr b="0" lang="fr-FR" sz="2800" spc="-1" strike="noStrike">
-              <a:solidFill>
-                <a:srgbClr val="000000"/>
-              </a:solidFill>
-              <a:latin typeface="Calibri"/>
-            </a:endParaRPr>
           </a:p>
           <a:p>
             <a:pPr>
@@ -6448,7 +7170,7 @@
                 <a:spcPts val="1001"/>
               </a:spcBef>
             </a:pPr>
-            <a:endParaRPr b="0" lang="fr-FR" sz="2800" spc="-1" strike="noStrike">
+            <a:endParaRPr lang="fr-FR" sz="2800" b="0" strike="noStrike" spc="-1">
               <a:solidFill>
                 <a:srgbClr val="000000"/>
               </a:solidFill>
@@ -6459,22 +7181,25 @@
       </p:sp>
     </p:spTree>
   </p:cSld>
+  <p:clrMapOvr>
+    <a:masterClrMapping/>
+  </p:clrMapOvr>
   <p:timing>
     <p:tnLst>
       <p:par>
-        <p:cTn id="5" dur="indefinite" restart="never" nodeType="tmRoot">
+        <p:cTn id="1" dur="indefinite" restart="never" nodeType="tmRoot">
           <p:childTnLst>
             <p:seq>
-              <p:cTn id="6" dur="indefinite" nodeType="mainSeq"/>
+              <p:cTn id="2" dur="indefinite" nodeType="mainSeq"/>
               <p:prevCondLst>
-                <p:cond delay="0" evt="onPrev">
+                <p:cond evt="onPrev" delay="0">
                   <p:tgtEl>
                     <p:sldTgt/>
                   </p:tgtEl>
                 </p:cond>
               </p:prevCondLst>
               <p:nextCondLst>
-                <p:cond delay="0" evt="onNext">
+                <p:cond evt="onNext" delay="0">
                   <p:tgtEl>
                     <p:sldTgt/>
                   </p:tgtEl>
@@ -6490,7 +7215,7 @@
 </file>
 
 <file path=ppt/slides/slide4.xml><?xml version="1.0" encoding="utf-8"?>
-<p:sld xmlns:a="http://schemas.openxmlformats.org/drawingml/2006/main" xmlns:p="http://schemas.openxmlformats.org/presentationml/2006/main" xmlns:r="http://schemas.openxmlformats.org/officeDocument/2006/relationships" xmlns:p14="http://schemas.microsoft.com/office/powerpoint/2010/main" xmlns:p15="http://schemas.microsoft.com/office/powerpoint/2012/main" xmlns:mc="http://schemas.openxmlformats.org/markup-compatibility/2006">
+<p:sld xmlns:a="http://schemas.openxmlformats.org/drawingml/2006/main" xmlns:r="http://schemas.openxmlformats.org/officeDocument/2006/relationships" xmlns:p="http://schemas.openxmlformats.org/presentationml/2006/main">
   <p:cSld>
     <p:spTree>
       <p:nvGrpSpPr>
@@ -6527,8 +7252,9 @@
         </p:spPr>
         <p:txBody>
           <a:bodyPr anchor="ctr"/>
-          <a:p>
-            <a:endParaRPr b="0" lang="fr-FR" sz="1800" spc="-1" strike="noStrike">
+          <a:lstStyle/>
+          <a:p>
+            <a:endParaRPr lang="fr-FR" sz="1800" b="0" strike="noStrike" spc="-1">
               <a:solidFill>
                 <a:srgbClr val="000000"/>
               </a:solidFill>
@@ -6558,6 +7284,7 @@
         </p:spPr>
         <p:txBody>
           <a:bodyPr/>
+          <a:lstStyle/>
           <a:p>
             <a:pPr>
               <a:lnSpc>
@@ -6568,7 +7295,7 @@
               </a:spcBef>
             </a:pPr>
             <a:r>
-              <a:rPr b="0" lang="fr-FR" sz="2800" spc="-1" strike="noStrike">
+              <a:rPr lang="fr-FR" sz="2800" b="0" strike="noStrike" spc="-1">
                 <a:solidFill>
                   <a:srgbClr val="000000"/>
                 </a:solidFill>
@@ -6576,12 +7303,6 @@
               </a:rPr>
               <a:t>L’objectif de ce projet est de développer de nouvelles compétences d’une part en terme d’implémentation d’application web (React, Python, PostgreSQL) et d’autre part d’apprendre à déployer cette application en utilisant les services AWS.</a:t>
             </a:r>
-            <a:endParaRPr b="0" lang="fr-FR" sz="2800" spc="-1" strike="noStrike">
-              <a:solidFill>
-                <a:srgbClr val="000000"/>
-              </a:solidFill>
-              <a:latin typeface="Calibri"/>
-            </a:endParaRPr>
           </a:p>
           <a:p>
             <a:pPr>
@@ -6592,7 +7313,7 @@
                 <a:spcPts val="1001"/>
               </a:spcBef>
             </a:pPr>
-            <a:endParaRPr b="0" lang="fr-FR" sz="2800" spc="-1" strike="noStrike">
+            <a:endParaRPr lang="fr-FR" sz="2800" b="0" strike="noStrike" spc="-1">
               <a:solidFill>
                 <a:srgbClr val="000000"/>
               </a:solidFill>
@@ -6609,7 +7330,7 @@
               </a:spcBef>
             </a:pPr>
             <a:r>
-              <a:rPr b="0" lang="fr-FR" sz="2800" spc="-1" strike="noStrike">
+              <a:rPr lang="fr-FR" sz="2800" b="0" strike="noStrike" spc="-1">
                 <a:solidFill>
                   <a:srgbClr val="000000"/>
                 </a:solidFill>
@@ -6617,33 +7338,30 @@
               </a:rPr>
               <a:t>La finalité de l’application est de permettre à des personnes de trouver les golfs à proximité de chez eux. Par ailleurs, une partie « blog » servira à partager des conseils et des avis sur des sujets liés au golf.</a:t>
             </a:r>
-            <a:endParaRPr b="0" lang="fr-FR" sz="2800" spc="-1" strike="noStrike">
-              <a:solidFill>
-                <a:srgbClr val="000000"/>
-              </a:solidFill>
-              <a:latin typeface="Calibri"/>
-            </a:endParaRPr>
           </a:p>
         </p:txBody>
       </p:sp>
     </p:spTree>
   </p:cSld>
+  <p:clrMapOvr>
+    <a:masterClrMapping/>
+  </p:clrMapOvr>
   <p:timing>
     <p:tnLst>
       <p:par>
-        <p:cTn id="7" dur="indefinite" restart="never" nodeType="tmRoot">
+        <p:cTn id="1" dur="indefinite" restart="never" nodeType="tmRoot">
           <p:childTnLst>
             <p:seq>
-              <p:cTn id="8" dur="indefinite" nodeType="mainSeq"/>
+              <p:cTn id="2" dur="indefinite" nodeType="mainSeq"/>
               <p:prevCondLst>
-                <p:cond delay="0" evt="onPrev">
+                <p:cond evt="onPrev" delay="0">
                   <p:tgtEl>
                     <p:sldTgt/>
                   </p:tgtEl>
                 </p:cond>
               </p:prevCondLst>
               <p:nextCondLst>
-                <p:cond delay="0" evt="onNext">
+                <p:cond evt="onNext" delay="0">
                   <p:tgtEl>
                     <p:sldTgt/>
                   </p:tgtEl>
@@ -6659,7 +7377,7 @@
 </file>
 
 <file path=ppt/slides/slide5.xml><?xml version="1.0" encoding="utf-8"?>
-<p:sld xmlns:a="http://schemas.openxmlformats.org/drawingml/2006/main" xmlns:p="http://schemas.openxmlformats.org/presentationml/2006/main" xmlns:r="http://schemas.openxmlformats.org/officeDocument/2006/relationships" xmlns:p14="http://schemas.microsoft.com/office/powerpoint/2010/main" xmlns:p15="http://schemas.microsoft.com/office/powerpoint/2012/main" xmlns:mc="http://schemas.openxmlformats.org/markup-compatibility/2006">
+<p:sld xmlns:a="http://schemas.openxmlformats.org/drawingml/2006/main" xmlns:r="http://schemas.openxmlformats.org/officeDocument/2006/relationships" xmlns:p="http://schemas.openxmlformats.org/presentationml/2006/main">
   <p:cSld>
     <p:spTree>
       <p:nvGrpSpPr>
@@ -6690,18 +7408,24 @@
             <a:avLst/>
           </a:prstGeom>
           <a:solidFill>
-            <a:srgbClr val="729fcf"/>
+            <a:srgbClr val="729FCF"/>
           </a:solidFill>
           <a:ln>
             <a:solidFill>
-              <a:srgbClr val="3465a4"/>
+              <a:srgbClr val="3465A4"/>
             </a:solidFill>
           </a:ln>
         </p:spPr>
         <p:style>
-          <a:lnRef idx="0"/>
-          <a:fillRef idx="0"/>
-          <a:effectRef idx="0"/>
+          <a:lnRef idx="0">
+            <a:scrgbClr r="0" g="0" b="0"/>
+          </a:lnRef>
+          <a:fillRef idx="0">
+            <a:scrgbClr r="0" g="0" b="0"/>
+          </a:fillRef>
+          <a:effectRef idx="0">
+            <a:scrgbClr r="0" g="0" b="0"/>
+          </a:effectRef>
           <a:fontRef idx="minor"/>
         </p:style>
       </p:sp>
@@ -6725,44 +7449,42 @@
           </a:ln>
         </p:spPr>
         <p:txBody>
-          <a:bodyPr lIns="0" rIns="0" tIns="0" bIns="0" anchor="ctr"/>
+          <a:bodyPr lIns="0" tIns="0" rIns="0" bIns="0" anchor="ctr"/>
+          <a:lstStyle/>
           <a:p>
             <a:r>
-              <a:rPr b="1" lang="fr-FR" sz="2800" spc="-1" strike="noStrike">
+              <a:rPr lang="fr-FR" sz="2800" b="1" strike="noStrike" spc="-1">
                 <a:solidFill>
-                  <a:srgbClr val="ffffff"/>
+                  <a:srgbClr val="FFFFFF"/>
                 </a:solidFill>
                 <a:latin typeface="Calibri"/>
               </a:rPr>
               <a:t>STEP 1 : CREATE THE DB </a:t>
             </a:r>
-            <a:endParaRPr b="1" lang="fr-FR" sz="2800" spc="-1" strike="noStrike">
-              <a:solidFill>
-                <a:srgbClr val="ffffff"/>
-              </a:solidFill>
-              <a:latin typeface="Calibri"/>
-            </a:endParaRPr>
           </a:p>
         </p:txBody>
       </p:sp>
     </p:spTree>
   </p:cSld>
+  <p:clrMapOvr>
+    <a:masterClrMapping/>
+  </p:clrMapOvr>
   <p:timing>
     <p:tnLst>
       <p:par>
-        <p:cTn id="9" dur="indefinite" restart="never" nodeType="tmRoot">
+        <p:cTn id="1" dur="indefinite" restart="never" nodeType="tmRoot">
           <p:childTnLst>
             <p:seq>
-              <p:cTn id="10" dur="indefinite" nodeType="mainSeq"/>
+              <p:cTn id="2" dur="indefinite" nodeType="mainSeq"/>
               <p:prevCondLst>
-                <p:cond delay="0" evt="onPrev">
+                <p:cond evt="onPrev" delay="0">
                   <p:tgtEl>
                     <p:sldTgt/>
                   </p:tgtEl>
                 </p:cond>
               </p:prevCondLst>
               <p:nextCondLst>
-                <p:cond delay="0" evt="onNext">
+                <p:cond evt="onNext" delay="0">
                   <p:tgtEl>
                     <p:sldTgt/>
                   </p:tgtEl>
@@ -6778,7 +7500,7 @@
 </file>
 
 <file path=ppt/slides/slide6.xml><?xml version="1.0" encoding="utf-8"?>
-<p:sld xmlns:a="http://schemas.openxmlformats.org/drawingml/2006/main" xmlns:p="http://schemas.openxmlformats.org/presentationml/2006/main" xmlns:r="http://schemas.openxmlformats.org/officeDocument/2006/relationships" xmlns:p14="http://schemas.microsoft.com/office/powerpoint/2010/main" xmlns:p15="http://schemas.microsoft.com/office/powerpoint/2012/main" xmlns:mc="http://schemas.openxmlformats.org/markup-compatibility/2006">
+<p:sld xmlns:a="http://schemas.openxmlformats.org/drawingml/2006/main" xmlns:r="http://schemas.openxmlformats.org/officeDocument/2006/relationships" xmlns:p="http://schemas.openxmlformats.org/presentationml/2006/main">
   <p:cSld>
     <p:spTree>
       <p:nvGrpSpPr>
@@ -6796,12 +7518,12 @@
       </p:grpSpPr>
       <p:pic>
         <p:nvPicPr>
-          <p:cNvPr id="103" name="Image 3" descr=""/>
+          <p:cNvPr id="103" name="Image 3"/>
           <p:cNvPicPr/>
           <p:nvPr/>
         </p:nvPicPr>
         <p:blipFill>
-          <a:blip r:embed="rId1"/>
+          <a:blip r:embed="rId2"/>
           <a:stretch/>
         </p:blipFill>
         <p:spPr>
@@ -6930,7 +7652,7 @@
           </a:prstGeom>
           <a:noFill/>
           <a:ln w="38160">
-            <a:tailEnd len="med" type="triangle" w="med"/>
+            <a:tailEnd type="triangle" w="med" len="med"/>
           </a:ln>
         </p:spPr>
         <p:style>
@@ -6966,13 +7688,20 @@
           </a:ln>
         </p:spPr>
         <p:style>
-          <a:lnRef idx="0"/>
-          <a:fillRef idx="0"/>
-          <a:effectRef idx="0"/>
+          <a:lnRef idx="0">
+            <a:scrgbClr r="0" g="0" b="0"/>
+          </a:lnRef>
+          <a:fillRef idx="0">
+            <a:scrgbClr r="0" g="0" b="0"/>
+          </a:fillRef>
+          <a:effectRef idx="0">
+            <a:scrgbClr r="0" g="0" b="0"/>
+          </a:effectRef>
           <a:fontRef idx="minor"/>
         </p:style>
         <p:txBody>
-          <a:bodyPr wrap="none" lIns="90000" rIns="90000" tIns="45000" bIns="45000"/>
+          <a:bodyPr wrap="none" lIns="90000" tIns="45000" rIns="90000" bIns="45000"/>
+          <a:lstStyle/>
           <a:p>
             <a:pPr>
               <a:lnSpc>
@@ -6980,7 +7709,7 @@
               </a:lnSpc>
             </a:pPr>
             <a:r>
-              <a:rPr b="0" lang="fr-FR" sz="1800" spc="-1" strike="noStrike">
+              <a:rPr lang="fr-FR" sz="1800" b="0" strike="noStrike" spc="-1">
                 <a:solidFill>
                   <a:srgbClr val="000000"/>
                 </a:solidFill>
@@ -6988,7 +7717,7 @@
               </a:rPr>
               <a:t>Search for Amazon RDS</a:t>
             </a:r>
-            <a:endParaRPr b="0" lang="fr-FR" sz="1800" spc="-1" strike="noStrike">
+            <a:endParaRPr lang="fr-FR" sz="1800" b="0" strike="noStrike" spc="-1">
               <a:latin typeface="Arial"/>
             </a:endParaRPr>
           </a:p>
@@ -7014,13 +7743,20 @@
           </a:ln>
         </p:spPr>
         <p:style>
-          <a:lnRef idx="0"/>
-          <a:fillRef idx="0"/>
-          <a:effectRef idx="0"/>
+          <a:lnRef idx="0">
+            <a:scrgbClr r="0" g="0" b="0"/>
+          </a:lnRef>
+          <a:fillRef idx="0">
+            <a:scrgbClr r="0" g="0" b="0"/>
+          </a:fillRef>
+          <a:effectRef idx="0">
+            <a:scrgbClr r="0" g="0" b="0"/>
+          </a:effectRef>
           <a:fontRef idx="minor"/>
         </p:style>
         <p:txBody>
-          <a:bodyPr wrap="none" lIns="90000" rIns="90000" tIns="45000" bIns="45000"/>
+          <a:bodyPr wrap="none" lIns="90000" tIns="45000" rIns="90000" bIns="45000"/>
+          <a:lstStyle/>
           <a:p>
             <a:pPr>
               <a:lnSpc>
@@ -7028,7 +7764,7 @@
               </a:lnSpc>
             </a:pPr>
             <a:r>
-              <a:rPr b="0" lang="fr-FR" sz="1800" spc="-1" strike="noStrike">
+              <a:rPr lang="fr-FR" sz="1800" b="0" strike="noStrike" spc="-1">
                 <a:solidFill>
                   <a:srgbClr val="000000"/>
                 </a:solidFill>
@@ -7036,7 +7772,7 @@
               </a:rPr>
               <a:t>Click on « Create database »</a:t>
             </a:r>
-            <a:endParaRPr b="0" lang="fr-FR" sz="1800" spc="-1" strike="noStrike">
+            <a:endParaRPr lang="fr-FR" sz="1800" b="0" strike="noStrike" spc="-1">
               <a:latin typeface="Arial"/>
             </a:endParaRPr>
           </a:p>
@@ -7058,7 +7794,7 @@
           </a:prstGeom>
           <a:noFill/>
           <a:ln w="38160">
-            <a:tailEnd len="med" type="triangle" w="med"/>
+            <a:tailEnd type="triangle" w="med" len="med"/>
           </a:ln>
         </p:spPr>
         <p:style>
@@ -7076,22 +7812,25 @@
       </p:sp>
     </p:spTree>
   </p:cSld>
+  <p:clrMapOvr>
+    <a:masterClrMapping/>
+  </p:clrMapOvr>
   <p:timing>
     <p:tnLst>
       <p:par>
-        <p:cTn id="11" dur="indefinite" restart="never" nodeType="tmRoot">
+        <p:cTn id="1" dur="indefinite" restart="never" nodeType="tmRoot">
           <p:childTnLst>
             <p:seq>
-              <p:cTn id="12" dur="indefinite" nodeType="mainSeq"/>
+              <p:cTn id="2" dur="indefinite" nodeType="mainSeq"/>
               <p:prevCondLst>
-                <p:cond delay="0" evt="onPrev">
+                <p:cond evt="onPrev" delay="0">
                   <p:tgtEl>
                     <p:sldTgt/>
                   </p:tgtEl>
                 </p:cond>
               </p:prevCondLst>
               <p:nextCondLst>
-                <p:cond delay="0" evt="onNext">
+                <p:cond evt="onNext" delay="0">
                   <p:tgtEl>
                     <p:sldTgt/>
                   </p:tgtEl>
@@ -7107,7 +7846,7 @@
 </file>
 
 <file path=ppt/slides/slide7.xml><?xml version="1.0" encoding="utf-8"?>
-<p:sld xmlns:a="http://schemas.openxmlformats.org/drawingml/2006/main" xmlns:p="http://schemas.openxmlformats.org/presentationml/2006/main" xmlns:r="http://schemas.openxmlformats.org/officeDocument/2006/relationships" xmlns:p14="http://schemas.microsoft.com/office/powerpoint/2010/main" xmlns:p15="http://schemas.microsoft.com/office/powerpoint/2012/main" xmlns:mc="http://schemas.openxmlformats.org/markup-compatibility/2006">
+<p:sld xmlns:a="http://schemas.openxmlformats.org/drawingml/2006/main" xmlns:r="http://schemas.openxmlformats.org/officeDocument/2006/relationships" xmlns:p="http://schemas.openxmlformats.org/presentationml/2006/main">
   <p:cSld>
     <p:spTree>
       <p:nvGrpSpPr>
@@ -7125,12 +7864,12 @@
       </p:grpSpPr>
       <p:pic>
         <p:nvPicPr>
-          <p:cNvPr id="110" name="Image 3" descr=""/>
+          <p:cNvPr id="110" name="Image 3"/>
           <p:cNvPicPr/>
           <p:nvPr/>
         </p:nvPicPr>
         <p:blipFill>
-          <a:blip r:embed="rId1"/>
+          <a:blip r:embed="rId2"/>
           <a:stretch/>
         </p:blipFill>
         <p:spPr>
@@ -7180,12 +7919,12 @@
       </p:sp>
       <p:pic>
         <p:nvPicPr>
-          <p:cNvPr id="112" name="Image 5" descr=""/>
+          <p:cNvPr id="112" name="Image 5"/>
           <p:cNvPicPr/>
           <p:nvPr/>
         </p:nvPicPr>
         <p:blipFill>
-          <a:blip r:embed="rId2"/>
+          <a:blip r:embed="rId3"/>
           <a:stretch/>
         </p:blipFill>
         <p:spPr>
@@ -7203,22 +7942,25 @@
       </p:pic>
     </p:spTree>
   </p:cSld>
+  <p:clrMapOvr>
+    <a:masterClrMapping/>
+  </p:clrMapOvr>
   <p:timing>
     <p:tnLst>
       <p:par>
-        <p:cTn id="13" dur="indefinite" restart="never" nodeType="tmRoot">
+        <p:cTn id="1" dur="indefinite" restart="never" nodeType="tmRoot">
           <p:childTnLst>
             <p:seq>
-              <p:cTn id="14" dur="indefinite" nodeType="mainSeq"/>
+              <p:cTn id="2" dur="indefinite" nodeType="mainSeq"/>
               <p:prevCondLst>
-                <p:cond delay="0" evt="onPrev">
+                <p:cond evt="onPrev" delay="0">
                   <p:tgtEl>
                     <p:sldTgt/>
                   </p:tgtEl>
                 </p:cond>
               </p:prevCondLst>
               <p:nextCondLst>
-                <p:cond delay="0" evt="onNext">
+                <p:cond evt="onNext" delay="0">
                   <p:tgtEl>
                     <p:sldTgt/>
                   </p:tgtEl>
@@ -7234,7 +7976,7 @@
 </file>
 
 <file path=ppt/slides/slide8.xml><?xml version="1.0" encoding="utf-8"?>
-<p:sld xmlns:a="http://schemas.openxmlformats.org/drawingml/2006/main" xmlns:p="http://schemas.openxmlformats.org/presentationml/2006/main" xmlns:r="http://schemas.openxmlformats.org/officeDocument/2006/relationships" xmlns:p14="http://schemas.microsoft.com/office/powerpoint/2010/main" xmlns:p15="http://schemas.microsoft.com/office/powerpoint/2012/main" xmlns:mc="http://schemas.openxmlformats.org/markup-compatibility/2006">
+<p:sld xmlns:a="http://schemas.openxmlformats.org/drawingml/2006/main" xmlns:r="http://schemas.openxmlformats.org/officeDocument/2006/relationships" xmlns:p="http://schemas.openxmlformats.org/presentationml/2006/main">
   <p:cSld>
     <p:spTree>
       <p:nvGrpSpPr>
@@ -7270,10 +8012,11 @@
           </a:ln>
         </p:spPr>
         <p:txBody>
-          <a:bodyPr lIns="0" rIns="0" tIns="0" bIns="0" anchor="ctr"/>
+          <a:bodyPr lIns="0" tIns="0" rIns="0" bIns="0" anchor="ctr"/>
+          <a:lstStyle/>
           <a:p>
             <a:r>
-              <a:rPr b="0" lang="fr-FR" sz="1800" spc="-1" strike="noStrike">
+              <a:rPr lang="fr-FR" sz="1800" b="0" strike="noStrike" spc="-1">
                 <a:solidFill>
                   <a:srgbClr val="000000"/>
                 </a:solidFill>
@@ -7281,41 +8024,12 @@
               </a:rPr>
               <a:t>Make the db accessible from outside</a:t>
             </a:r>
-            <a:endParaRPr b="0" lang="fr-FR" sz="1800" spc="-1" strike="noStrike">
-              <a:solidFill>
-                <a:srgbClr val="000000"/>
-              </a:solidFill>
-              <a:latin typeface="Calibri"/>
-            </a:endParaRPr>
           </a:p>
         </p:txBody>
       </p:sp>
       <p:pic>
         <p:nvPicPr>
-          <p:cNvPr id="114" name="" descr=""/>
-          <p:cNvPicPr/>
-          <p:nvPr/>
-        </p:nvPicPr>
-        <p:blipFill>
-          <a:blip r:embed="rId1"/>
-          <a:stretch/>
-        </p:blipFill>
-        <p:spPr>
-          <a:xfrm>
-            <a:off x="648000" y="365040"/>
-            <a:ext cx="5879160" cy="5433840"/>
-          </a:xfrm>
-          <a:prstGeom prst="rect">
-            <a:avLst/>
-          </a:prstGeom>
-          <a:ln>
-            <a:noFill/>
-          </a:ln>
-        </p:spPr>
-      </p:pic>
-      <p:pic>
-        <p:nvPicPr>
-          <p:cNvPr id="115" name="" descr=""/>
+          <p:cNvPr id="114" name="Image 113"/>
           <p:cNvPicPr/>
           <p:nvPr/>
         </p:nvPicPr>
@@ -7325,6 +8039,29 @@
         </p:blipFill>
         <p:spPr>
           <a:xfrm>
+            <a:off x="648000" y="365040"/>
+            <a:ext cx="5879160" cy="5433840"/>
+          </a:xfrm>
+          <a:prstGeom prst="rect">
+            <a:avLst/>
+          </a:prstGeom>
+          <a:ln>
+            <a:noFill/>
+          </a:ln>
+        </p:spPr>
+      </p:pic>
+      <p:pic>
+        <p:nvPicPr>
+          <p:cNvPr id="115" name="Image 114"/>
+          <p:cNvPicPr/>
+          <p:nvPr/>
+        </p:nvPicPr>
+        <p:blipFill>
+          <a:blip r:embed="rId3"/>
+          <a:stretch/>
+        </p:blipFill>
+        <p:spPr>
+          <a:xfrm>
             <a:off x="5459400" y="648000"/>
             <a:ext cx="5893920" cy="5649840"/>
           </a:xfrm>
@@ -7338,22 +8075,25 @@
       </p:pic>
     </p:spTree>
   </p:cSld>
+  <p:clrMapOvr>
+    <a:masterClrMapping/>
+  </p:clrMapOvr>
   <p:timing>
     <p:tnLst>
       <p:par>
-        <p:cTn id="15" dur="indefinite" restart="never" nodeType="tmRoot">
+        <p:cTn id="1" dur="indefinite" restart="never" nodeType="tmRoot">
           <p:childTnLst>
             <p:seq>
-              <p:cTn id="16" dur="indefinite" nodeType="mainSeq"/>
+              <p:cTn id="2" dur="indefinite" nodeType="mainSeq"/>
               <p:prevCondLst>
-                <p:cond delay="0" evt="onPrev">
+                <p:cond evt="onPrev" delay="0">
                   <p:tgtEl>
                     <p:sldTgt/>
                   </p:tgtEl>
                 </p:cond>
               </p:prevCondLst>
               <p:nextCondLst>
-                <p:cond delay="0" evt="onNext">
+                <p:cond evt="onNext" delay="0">
                   <p:tgtEl>
                     <p:sldTgt/>
                   </p:tgtEl>
@@ -7369,7 +8109,7 @@
 </file>
 
 <file path=ppt/slides/slide9.xml><?xml version="1.0" encoding="utf-8"?>
-<p:sld xmlns:a="http://schemas.openxmlformats.org/drawingml/2006/main" xmlns:p="http://schemas.openxmlformats.org/presentationml/2006/main" xmlns:r="http://schemas.openxmlformats.org/officeDocument/2006/relationships" xmlns:p14="http://schemas.microsoft.com/office/powerpoint/2010/main" xmlns:p15="http://schemas.microsoft.com/office/powerpoint/2012/main" xmlns:mc="http://schemas.openxmlformats.org/markup-compatibility/2006">
+<p:sld xmlns:a="http://schemas.openxmlformats.org/drawingml/2006/main" xmlns:r="http://schemas.openxmlformats.org/officeDocument/2006/relationships" xmlns:p="http://schemas.openxmlformats.org/presentationml/2006/main">
   <p:cSld>
     <p:spTree>
       <p:nvGrpSpPr>
@@ -7405,9 +8145,10 @@
           </a:ln>
         </p:spPr>
         <p:txBody>
-          <a:bodyPr lIns="0" rIns="0" tIns="0" bIns="0" anchor="ctr"/>
-          <a:p>
-            <a:endParaRPr b="0" lang="fr-FR" sz="1800" spc="-1" strike="noStrike">
+          <a:bodyPr lIns="0" tIns="0" rIns="0" bIns="0" anchor="ctr"/>
+          <a:lstStyle/>
+          <a:p>
+            <a:endParaRPr lang="fr-FR" sz="1800" b="0" strike="noStrike" spc="-1">
               <a:solidFill>
                 <a:srgbClr val="000000"/>
               </a:solidFill>
@@ -7418,12 +8159,12 @@
       </p:sp>
       <p:pic>
         <p:nvPicPr>
-          <p:cNvPr id="117" name="" descr=""/>
+          <p:cNvPr id="117" name="Image 116"/>
           <p:cNvPicPr/>
           <p:nvPr/>
         </p:nvPicPr>
         <p:blipFill>
-          <a:blip r:embed="rId1"/>
+          <a:blip r:embed="rId2"/>
           <a:stretch/>
         </p:blipFill>
         <p:spPr>
@@ -7441,22 +8182,25 @@
       </p:pic>
     </p:spTree>
   </p:cSld>
+  <p:clrMapOvr>
+    <a:masterClrMapping/>
+  </p:clrMapOvr>
   <p:timing>
     <p:tnLst>
       <p:par>
-        <p:cTn id="17" dur="indefinite" restart="never" nodeType="tmRoot">
+        <p:cTn id="1" dur="indefinite" restart="never" nodeType="tmRoot">
           <p:childTnLst>
             <p:seq>
-              <p:cTn id="18" dur="indefinite" nodeType="mainSeq"/>
+              <p:cTn id="2" dur="indefinite" nodeType="mainSeq"/>
               <p:prevCondLst>
-                <p:cond delay="0" evt="onPrev">
+                <p:cond evt="onPrev" delay="0">
                   <p:tgtEl>
                     <p:sldTgt/>
                   </p:tgtEl>
                 </p:cond>
               </p:prevCondLst>
               <p:nextCondLst>
-                <p:cond delay="0" evt="onNext">
+                <p:cond evt="onNext" delay="0">
                   <p:tgtEl>
                     <p:sldTgt/>
                   </p:tgtEl>
@@ -7482,34 +8226,34 @@
         <a:sysClr val="window" lastClr="FFFFFF"/>
       </a:lt1>
       <a:dk2>
-        <a:srgbClr val="44546a"/>
+        <a:srgbClr val="44546A"/>
       </a:dk2>
       <a:lt2>
-        <a:srgbClr val="e7e6e6"/>
+        <a:srgbClr val="E7E6E6"/>
       </a:lt2>
       <a:accent1>
-        <a:srgbClr val="5b9bd5"/>
+        <a:srgbClr val="5B9BD5"/>
       </a:accent1>
       <a:accent2>
-        <a:srgbClr val="ed7d31"/>
+        <a:srgbClr val="ED7D31"/>
       </a:accent2>
       <a:accent3>
-        <a:srgbClr val="a5a5a5"/>
+        <a:srgbClr val="A5A5A5"/>
       </a:accent3>
       <a:accent4>
-        <a:srgbClr val="ffc000"/>
+        <a:srgbClr val="FFC000"/>
       </a:accent4>
       <a:accent5>
-        <a:srgbClr val="4472c4"/>
+        <a:srgbClr val="4472C4"/>
       </a:accent5>
       <a:accent6>
-        <a:srgbClr val="70ad47"/>
+        <a:srgbClr val="70AD47"/>
       </a:accent6>
       <a:hlink>
-        <a:srgbClr val="0563c1"/>
+        <a:srgbClr val="0563C1"/>
       </a:hlink>
       <a:folHlink>
-        <a:srgbClr val="954f72"/>
+        <a:srgbClr val="954F72"/>
       </a:folHlink>
     </a:clrScheme>
     <a:fontScheme name="Office">
@@ -7691,5 +8435,7 @@
       </a:bgFillStyleLst>
     </a:fmtScheme>
   </a:themeElements>
+  <a:objectDefaults/>
+  <a:extraClrSchemeLst/>
 </a:theme>
 </file>